--- a/drugpro-jd.pptx
+++ b/drugpro-jd.pptx
@@ -107,6 +107,11 @@
       </a:defRPr>
     </a:lvl9pPr>
   </p:defaultTextStyle>
+  <p:extLst>
+    <p:ext uri="{EFAFB233-063F-42B5-8137-9DF3F51BA10A}">
+      <p15:sldGuideLst xmlns:p15="http://schemas.microsoft.com/office/powerpoint/2012/main"/>
+    </p:ext>
+  </p:extLst>
 </p:presentation>
 </file>
 

--- a/drugpro-jd.pptx
+++ b/drugpro-jd.pptx
@@ -6,9 +6,13 @@
   </p:sldMasterIdLst>
   <p:sldIdLst>
     <p:sldId id="256" r:id="rId2"/>
-    <p:sldId id="257" r:id="rId3"/>
-    <p:sldId id="258" r:id="rId4"/>
-    <p:sldId id="259" r:id="rId5"/>
+    <p:sldId id="262" r:id="rId3"/>
+    <p:sldId id="265" r:id="rId4"/>
+    <p:sldId id="264" r:id="rId5"/>
+    <p:sldId id="258" r:id="rId6"/>
+    <p:sldId id="260" r:id="rId7"/>
+    <p:sldId id="259" r:id="rId8"/>
+    <p:sldId id="257" r:id="rId9"/>
   </p:sldIdLst>
   <p:sldSz cx="12192000" cy="6858000"/>
   <p:notesSz cx="6858000" cy="9144000"/>
@@ -246,7 +250,7 @@
           <a:p>
             <a:fld id="{8E95A903-5B18-354A-9EB7-09131C6D77BE}" type="datetimeFigureOut">
               <a:rPr lang="en-US" smtClean="0"/>
-              <a:t>9/20/17</a:t>
+              <a:t>9/22/17</a:t>
             </a:fld>
             <a:endParaRPr lang="en-US"/>
           </a:p>
@@ -416,7 +420,7 @@
           <a:p>
             <a:fld id="{8E95A903-5B18-354A-9EB7-09131C6D77BE}" type="datetimeFigureOut">
               <a:rPr lang="en-US" smtClean="0"/>
-              <a:t>9/20/17</a:t>
+              <a:t>9/22/17</a:t>
             </a:fld>
             <a:endParaRPr lang="en-US"/>
           </a:p>
@@ -596,7 +600,7 @@
           <a:p>
             <a:fld id="{8E95A903-5B18-354A-9EB7-09131C6D77BE}" type="datetimeFigureOut">
               <a:rPr lang="en-US" smtClean="0"/>
-              <a:t>9/20/17</a:t>
+              <a:t>9/22/17</a:t>
             </a:fld>
             <a:endParaRPr lang="en-US"/>
           </a:p>
@@ -766,7 +770,7 @@
           <a:p>
             <a:fld id="{8E95A903-5B18-354A-9EB7-09131C6D77BE}" type="datetimeFigureOut">
               <a:rPr lang="en-US" smtClean="0"/>
-              <a:t>9/20/17</a:t>
+              <a:t>9/22/17</a:t>
             </a:fld>
             <a:endParaRPr lang="en-US"/>
           </a:p>
@@ -1012,7 +1016,7 @@
           <a:p>
             <a:fld id="{8E95A903-5B18-354A-9EB7-09131C6D77BE}" type="datetimeFigureOut">
               <a:rPr lang="en-US" smtClean="0"/>
-              <a:t>9/20/17</a:t>
+              <a:t>9/22/17</a:t>
             </a:fld>
             <a:endParaRPr lang="en-US"/>
           </a:p>
@@ -1244,7 +1248,7 @@
           <a:p>
             <a:fld id="{8E95A903-5B18-354A-9EB7-09131C6D77BE}" type="datetimeFigureOut">
               <a:rPr lang="en-US" smtClean="0"/>
-              <a:t>9/20/17</a:t>
+              <a:t>9/22/17</a:t>
             </a:fld>
             <a:endParaRPr lang="en-US"/>
           </a:p>
@@ -1611,7 +1615,7 @@
           <a:p>
             <a:fld id="{8E95A903-5B18-354A-9EB7-09131C6D77BE}" type="datetimeFigureOut">
               <a:rPr lang="en-US" smtClean="0"/>
-              <a:t>9/20/17</a:t>
+              <a:t>9/22/17</a:t>
             </a:fld>
             <a:endParaRPr lang="en-US"/>
           </a:p>
@@ -1729,7 +1733,7 @@
           <a:p>
             <a:fld id="{8E95A903-5B18-354A-9EB7-09131C6D77BE}" type="datetimeFigureOut">
               <a:rPr lang="en-US" smtClean="0"/>
-              <a:t>9/20/17</a:t>
+              <a:t>9/22/17</a:t>
             </a:fld>
             <a:endParaRPr lang="en-US"/>
           </a:p>
@@ -1824,7 +1828,7 @@
           <a:p>
             <a:fld id="{8E95A903-5B18-354A-9EB7-09131C6D77BE}" type="datetimeFigureOut">
               <a:rPr lang="en-US" smtClean="0"/>
-              <a:t>9/20/17</a:t>
+              <a:t>9/22/17</a:t>
             </a:fld>
             <a:endParaRPr lang="en-US"/>
           </a:p>
@@ -2101,7 +2105,7 @@
           <a:p>
             <a:fld id="{8E95A903-5B18-354A-9EB7-09131C6D77BE}" type="datetimeFigureOut">
               <a:rPr lang="en-US" smtClean="0"/>
-              <a:t>9/20/17</a:t>
+              <a:t>9/22/17</a:t>
             </a:fld>
             <a:endParaRPr lang="en-US"/>
           </a:p>
@@ -2354,7 +2358,7 @@
           <a:p>
             <a:fld id="{8E95A903-5B18-354A-9EB7-09131C6D77BE}" type="datetimeFigureOut">
               <a:rPr lang="en-US" smtClean="0"/>
-              <a:t>9/20/17</a:t>
+              <a:t>9/22/17</a:t>
             </a:fld>
             <a:endParaRPr lang="en-US"/>
           </a:p>
@@ -2567,7 +2571,7 @@
           <a:p>
             <a:fld id="{8E95A903-5B18-354A-9EB7-09131C6D77BE}" type="datetimeFigureOut">
               <a:rPr lang="en-US" smtClean="0"/>
-              <a:t>9/20/17</a:t>
+              <a:t>9/22/17</a:t>
             </a:fld>
             <a:endParaRPr lang="en-US"/>
           </a:p>
@@ -2982,18 +2986,40 @@
             <p:ph type="ctrTitle"/>
           </p:nvPr>
         </p:nvSpPr>
-        <p:spPr/>
-        <p:txBody>
-          <a:bodyPr/>
-          <a:lstStyle/>
-          <a:p>
-            <a:r>
-              <a:rPr lang="en-US" dirty="0" err="1" smtClean="0"/>
-              <a:t>DrugPro</a:t>
-            </a:r>
-            <a:r>
-              <a:rPr lang="en-US" dirty="0" smtClean="0"/>
-              <a:t> Inc.</a:t>
+        <p:spPr>
+          <a:xfrm>
+            <a:off x="1053548" y="1122363"/>
+            <a:ext cx="9614452" cy="2387600"/>
+          </a:xfrm>
+        </p:spPr>
+        <p:txBody>
+          <a:bodyPr>
+            <a:normAutofit fontScale="90000"/>
+          </a:bodyPr>
+          <a:lstStyle/>
+          <a:p>
+            <a:r>
+              <a:rPr lang="en-US" dirty="0"/>
+              <a:t>Second Genome </a:t>
+            </a:r>
+            <a:r>
+              <a:rPr lang="en-US" dirty="0" smtClean="0"/>
+              <a:t/>
+            </a:r>
+            <a:br>
+              <a:rPr lang="en-US" dirty="0" smtClean="0"/>
+            </a:br>
+            <a:r>
+              <a:rPr lang="en-US" dirty="0" smtClean="0"/>
+              <a:t>Genomic </a:t>
+            </a:r>
+            <a:r>
+              <a:rPr lang="en-US" dirty="0"/>
+              <a:t>Data Scientist </a:t>
+            </a:r>
+            <a:r>
+              <a:rPr lang="en-US" dirty="0" smtClean="0"/>
+              <a:t>Challenge</a:t>
             </a:r>
             <a:endParaRPr lang="en-US" dirty="0"/>
           </a:p>
@@ -3062,11 +3088,17 @@
             <p:ph type="title"/>
           </p:nvPr>
         </p:nvSpPr>
-        <p:spPr/>
-        <p:txBody>
-          <a:bodyPr/>
-          <a:lstStyle/>
-          <a:p>
+        <p:spPr>
+          <a:xfrm>
+            <a:off x="838200" y="365125"/>
+            <a:ext cx="10515600" cy="1325563"/>
+          </a:xfrm>
+        </p:spPr>
+        <p:txBody>
+          <a:bodyPr/>
+          <a:lstStyle/>
+          <a:p>
+            <a:pPr algn="ctr"/>
             <a:r>
               <a:rPr lang="en-US" dirty="0" smtClean="0"/>
               <a:t>Background</a:t>
@@ -3085,120 +3117,161 @@
             <p:ph idx="1"/>
           </p:nvPr>
         </p:nvSpPr>
-        <p:spPr/>
+        <p:spPr>
+          <a:xfrm>
+            <a:off x="838200" y="2274300"/>
+            <a:ext cx="10515600" cy="4019069"/>
+          </a:xfrm>
+        </p:spPr>
         <p:txBody>
           <a:bodyPr>
             <a:normAutofit/>
           </a:bodyPr>
           <a:lstStyle/>
           <a:p>
-            <a:r>
-              <a:rPr lang="en-US" i="1" dirty="0"/>
-              <a:t># code documentation</a:t>
-            </a:r>
-            <a:br>
-              <a:rPr lang="en-US" i="1" dirty="0"/>
-            </a:br>
-            <a:r>
-              <a:rPr lang="en-US" i="1" dirty="0"/>
-              <a:t># </a:t>
-            </a:r>
-            <a:r>
-              <a:rPr lang="en-US" i="1" dirty="0" err="1"/>
-              <a:t>communicaiton</a:t>
-            </a:r>
-            <a:r>
-              <a:rPr lang="en-US" i="1" dirty="0"/>
-              <a:t> plan</a:t>
-            </a:r>
-            <a:br>
-              <a:rPr lang="en-US" i="1" dirty="0"/>
-            </a:br>
-            <a:r>
-              <a:rPr lang="en-US" i="1" dirty="0"/>
-              <a:t># </a:t>
-            </a:r>
-            <a:r>
-              <a:rPr lang="en-US" i="1" dirty="0" err="1"/>
-              <a:t>powerpoint</a:t>
-            </a:r>
-            <a:r>
-              <a:rPr lang="en-US" i="1" dirty="0"/>
+            <a:pPr marL="0" indent="0" algn="just">
+              <a:buNone/>
+            </a:pPr>
+            <a:r>
+              <a:rPr lang="en-US" dirty="0" smtClean="0"/>
+              <a:t>“ </a:t>
+            </a:r>
+            <a:r>
+              <a:rPr lang="en-US" dirty="0" err="1" smtClean="0"/>
+              <a:t>DrugPro</a:t>
+            </a:r>
+            <a:r>
+              <a:rPr lang="en-US" dirty="0" smtClean="0"/>
               <a:t> </a:t>
             </a:r>
             <a:r>
+              <a:rPr lang="en-US" dirty="0"/>
+              <a:t>has a small but profitable portfolio of bacterial-derived proteins to treat </a:t>
+            </a:r>
+            <a:r>
               <a:rPr lang="en-US" i="1" dirty="0" smtClean="0"/>
-              <a:t>slides</a:t>
-            </a:r>
-            <a:r>
-              <a:rPr lang="en-US" i="1" dirty="0"/>
-              <a:t/>
-            </a:r>
-            <a:br>
-              <a:rPr lang="en-US" i="1" dirty="0"/>
-            </a:br>
-            <a:r>
-              <a:rPr lang="en-US" i="1" dirty="0"/>
-              <a:t>#  &gt; a brief description of the problem (it helps to hear your version of it)</a:t>
-            </a:r>
-            <a:br>
-              <a:rPr lang="en-US" i="1" dirty="0"/>
-            </a:br>
-            <a:r>
-              <a:rPr lang="en-US" i="1" dirty="0"/>
-              <a:t>#  &gt; a brief description of the data</a:t>
-            </a:r>
-            <a:br>
-              <a:rPr lang="en-US" i="1" dirty="0"/>
-            </a:br>
-            <a:r>
-              <a:rPr lang="en-US" i="1" dirty="0"/>
-              <a:t>#  &gt; your choice of features engineered from the protein sequences</a:t>
-            </a:r>
-            <a:br>
-              <a:rPr lang="en-US" i="1" dirty="0"/>
-            </a:br>
-            <a:r>
-              <a:rPr lang="en-US" i="1" dirty="0"/>
-              <a:t>#  &gt; your feature selection </a:t>
-            </a:r>
-            <a:r>
-              <a:rPr lang="en-US" i="1" dirty="0" err="1"/>
-              <a:t>methodolgy</a:t>
-            </a:r>
-            <a:r>
-              <a:rPr lang="en-US" i="1" dirty="0"/>
-              <a:t>, if any</a:t>
-            </a:r>
-            <a:br>
-              <a:rPr lang="en-US" i="1" dirty="0"/>
-            </a:br>
-            <a:r>
-              <a:rPr lang="en-US" i="1" dirty="0"/>
-              <a:t>#  &gt; your choice of model or models</a:t>
-            </a:r>
-            <a:br>
-              <a:rPr lang="en-US" i="1" dirty="0"/>
-            </a:br>
-            <a:r>
-              <a:rPr lang="en-US" i="1" dirty="0"/>
-              <a:t>#  &gt; your validation method(s)</a:t>
-            </a:r>
-            <a:br>
-              <a:rPr lang="en-US" i="1" dirty="0"/>
-            </a:br>
-            <a:r>
-              <a:rPr lang="en-US" i="1" dirty="0"/>
-              <a:t>#  &gt; the quality of your model ($$$)</a:t>
-            </a:r>
-            <a:endParaRPr lang="en-US" dirty="0"/>
-          </a:p>
-        </p:txBody>
-      </p:sp>
+              <a:t>Chokeophobia</a:t>
+            </a:r>
+            <a:r>
+              <a:rPr lang="en-US" dirty="0"/>
+              <a:t>, the clinical condition described by </a:t>
+            </a:r>
+            <a:r>
+              <a:rPr lang="en-US" dirty="0" smtClean="0"/>
+              <a:t>a debilitating </a:t>
+            </a:r>
+            <a:r>
+              <a:rPr lang="en-US" dirty="0"/>
+              <a:t>fear that the Chicago Cubs won't return to the World Series </a:t>
+            </a:r>
+            <a:r>
+              <a:rPr lang="en-US" dirty="0" smtClean="0"/>
+              <a:t>this year</a:t>
+            </a:r>
+            <a:r>
+              <a:rPr lang="en-US" dirty="0"/>
+              <a:t>. </a:t>
+            </a:r>
+            <a:endParaRPr lang="en-US" dirty="0" smtClean="0"/>
+          </a:p>
+          <a:p>
+            <a:pPr marL="0" indent="0" algn="just">
+              <a:buNone/>
+            </a:pPr>
+            <a:r>
+              <a:rPr lang="en-US" dirty="0" smtClean="0"/>
+              <a:t>Your </a:t>
+            </a:r>
+            <a:r>
+              <a:rPr lang="en-US" dirty="0"/>
+              <a:t>R&amp;D </a:t>
+            </a:r>
+            <a:r>
+              <a:rPr lang="en-US" dirty="0" smtClean="0"/>
+              <a:t>division has </a:t>
+            </a:r>
+            <a:r>
+              <a:rPr lang="en-US" dirty="0"/>
+              <a:t>identified 10,000 proteins that </a:t>
+            </a:r>
+            <a:r>
+              <a:rPr lang="en-US" dirty="0" smtClean="0"/>
+              <a:t>are over-expressed </a:t>
+            </a:r>
+            <a:r>
+              <a:rPr lang="en-US" dirty="0"/>
+              <a:t>in Cubs fans who are resistant to </a:t>
+            </a:r>
+            <a:r>
+              <a:rPr lang="en-US" i="1" dirty="0" smtClean="0"/>
+              <a:t>Chokeophobia</a:t>
+            </a:r>
+            <a:r>
+              <a:rPr lang="en-US" dirty="0" smtClean="0"/>
+              <a:t>.” </a:t>
+            </a:r>
+          </a:p>
+          <a:p>
+            <a:pPr marL="0" indent="0">
+              <a:buNone/>
+            </a:pPr>
+            <a:endParaRPr lang="en-US" dirty="0" smtClean="0"/>
+          </a:p>
+          <a:p>
+            <a:pPr lvl="1">
+              <a:buFont typeface="Wingdings" charset="2"/>
+              <a:buChar char="Ø"/>
+            </a:pPr>
+            <a:r>
+              <a:rPr lang="en-US" sz="3200" dirty="0" smtClean="0"/>
+              <a:t> Find proteins that are most likely to confer resistance to </a:t>
+            </a:r>
+            <a:r>
+              <a:rPr lang="en-US" sz="3200" i="1" dirty="0"/>
+              <a:t>C</a:t>
+            </a:r>
+            <a:r>
+              <a:rPr lang="en-US" sz="3200" i="1" dirty="0" smtClean="0"/>
+              <a:t>hokeophobia</a:t>
+            </a:r>
+            <a:endParaRPr lang="en-US" sz="3200" i="1" dirty="0"/>
+          </a:p>
+        </p:txBody>
+      </p:sp>
+      <p:pic>
+        <p:nvPicPr>
+          <p:cNvPr id="4" name="Picture 3"/>
+          <p:cNvPicPr>
+            <a:picLocks noChangeAspect="1"/>
+          </p:cNvPicPr>
+          <p:nvPr/>
+        </p:nvPicPr>
+        <p:blipFill>
+          <a:blip r:embed="rId2">
+            <a:extLst>
+              <a:ext uri="{28A0092B-C50C-407E-A947-70E740481C1C}">
+                <a14:useLocalDpi xmlns:a14="http://schemas.microsoft.com/office/drawing/2010/main" val="0"/>
+              </a:ext>
+            </a:extLst>
+          </a:blip>
+          <a:stretch>
+            <a:fillRect/>
+          </a:stretch>
+        </p:blipFill>
+        <p:spPr>
+          <a:xfrm>
+            <a:off x="441187" y="48349"/>
+            <a:ext cx="1983005" cy="1959113"/>
+          </a:xfrm>
+          <a:prstGeom prst="rect">
+            <a:avLst/>
+          </a:prstGeom>
+        </p:spPr>
+      </p:pic>
     </p:spTree>
     <p:extLst>
       <p:ext uri="{BB962C8B-B14F-4D97-AF65-F5344CB8AC3E}">
-        <p14:creationId xmlns:p14="http://schemas.microsoft.com/office/powerpoint/2010/main" val="1817780750"/>
+        <p14:creationId xmlns:p14="http://schemas.microsoft.com/office/powerpoint/2010/main" val="413246459"/>
       </p:ext>
     </p:extLst>
   </p:cSld>
@@ -3240,72 +3313,345 @@
           <a:bodyPr/>
           <a:lstStyle/>
           <a:p>
-            <a:endParaRPr lang="en-US"/>
-          </a:p>
-        </p:txBody>
-      </p:sp>
-      <p:sp>
-        <p:nvSpPr>
-          <p:cNvPr id="3" name="Content Placeholder 2"/>
-          <p:cNvSpPr>
-            <a:spLocks noGrp="1"/>
-          </p:cNvSpPr>
+            <a:r>
+              <a:rPr lang="en-US" dirty="0" smtClean="0"/>
+              <a:t>Process</a:t>
+            </a:r>
+            <a:endParaRPr lang="en-US" dirty="0"/>
+          </a:p>
+        </p:txBody>
+      </p:sp>
+      <p:graphicFrame>
+        <p:nvGraphicFramePr>
+          <p:cNvPr id="8" name="Content Placeholder 7"/>
+          <p:cNvGraphicFramePr>
+            <a:graphicFrameLocks noGrp="1"/>
+          </p:cNvGraphicFramePr>
           <p:nvPr>
             <p:ph idx="1"/>
-          </p:nvPr>
-        </p:nvSpPr>
-        <p:spPr/>
-        <p:txBody>
-          <a:bodyPr/>
-          <a:lstStyle/>
-          <a:p>
-            <a:r>
-              <a:rPr lang="en-US" dirty="0" smtClean="0"/>
-              <a:t/>
-            </a:r>
-            <a:br>
-              <a:rPr lang="en-US" dirty="0" smtClean="0"/>
-            </a:br>
-            <a:r>
-              <a:rPr lang="en-US" i="1" dirty="0"/>
-              <a:t>#Define Problem.</a:t>
-            </a:r>
-            <a:br>
-              <a:rPr lang="en-US" i="1" dirty="0"/>
-            </a:br>
-            <a:r>
-              <a:rPr lang="en-US" i="1" dirty="0"/>
-              <a:t>#Prepare Data.</a:t>
-            </a:r>
-            <a:br>
-              <a:rPr lang="en-US" i="1" dirty="0"/>
-            </a:br>
-            <a:r>
-              <a:rPr lang="en-US" i="1" dirty="0"/>
-              <a:t>#Evaluate Algorithms.</a:t>
-            </a:r>
-            <a:br>
-              <a:rPr lang="en-US" i="1" dirty="0"/>
-            </a:br>
-            <a:r>
-              <a:rPr lang="en-US" i="1" dirty="0"/>
-              <a:t>#Improve Results.</a:t>
-            </a:r>
-            <a:br>
-              <a:rPr lang="en-US" i="1" dirty="0"/>
-            </a:br>
-            <a:r>
-              <a:rPr lang="en-US" i="1" dirty="0"/>
-              <a:t>#Present Results.</a:t>
-            </a:r>
-            <a:endParaRPr lang="en-US" dirty="0"/>
-          </a:p>
-        </p:txBody>
-      </p:sp>
+            <p:extLst>
+              <p:ext uri="{D42A27DB-BD31-4B8C-83A1-F6EECF244321}">
+                <p14:modId xmlns:p14="http://schemas.microsoft.com/office/powerpoint/2010/main" val="1347658922"/>
+              </p:ext>
+            </p:extLst>
+          </p:nvPr>
+        </p:nvGraphicFramePr>
+        <p:xfrm>
+          <a:off x="838200" y="1825625"/>
+          <a:ext cx="10515600" cy="3977640"/>
+        </p:xfrm>
+        <a:graphic>
+          <a:graphicData uri="http://schemas.openxmlformats.org/drawingml/2006/table">
+            <a:tbl>
+              <a:tblPr firstRow="1" bandRow="1">
+                <a:tableStyleId>{5C22544A-7EE6-4342-B048-85BDC9FD1C3A}</a:tableStyleId>
+              </a:tblPr>
+              <a:tblGrid>
+                <a:gridCol w="5257800"/>
+                <a:gridCol w="5257800"/>
+              </a:tblGrid>
+              <a:tr h="370840">
+                <a:tc>
+                  <a:txBody>
+                    <a:bodyPr/>
+                    <a:lstStyle/>
+                    <a:p>
+                      <a:endParaRPr lang="en-US" dirty="0"/>
+                    </a:p>
+                  </a:txBody>
+                  <a:tcPr/>
+                </a:tc>
+                <a:tc>
+                  <a:txBody>
+                    <a:bodyPr/>
+                    <a:lstStyle/>
+                    <a:p>
+                      <a:r>
+                        <a:rPr lang="en-US" dirty="0" smtClean="0"/>
+                        <a:t>Process</a:t>
+                      </a:r>
+                      <a:endParaRPr lang="en-US" dirty="0"/>
+                    </a:p>
+                  </a:txBody>
+                  <a:tcPr/>
+                </a:tc>
+              </a:tr>
+              <a:tr h="370840">
+                <a:tc>
+                  <a:txBody>
+                    <a:bodyPr/>
+                    <a:lstStyle/>
+                    <a:p>
+                      <a:endParaRPr lang="en-US"/>
+                    </a:p>
+                  </a:txBody>
+                  <a:tcPr/>
+                </a:tc>
+                <a:tc>
+                  <a:txBody>
+                    <a:bodyPr/>
+                    <a:lstStyle/>
+                    <a:p>
+                      <a:r>
+                        <a:rPr lang="en-US" dirty="0" smtClean="0"/>
+                        <a:t>Classification Question:</a:t>
+                      </a:r>
+                      <a:r>
+                        <a:rPr lang="en-US" baseline="0" dirty="0" smtClean="0"/>
+                        <a:t> 0 or 1</a:t>
+                      </a:r>
+                      <a:endParaRPr lang="en-US" dirty="0"/>
+                    </a:p>
+                  </a:txBody>
+                  <a:tcPr/>
+                </a:tc>
+              </a:tr>
+              <a:tr h="370840">
+                <a:tc>
+                  <a:txBody>
+                    <a:bodyPr/>
+                    <a:lstStyle/>
+                    <a:p>
+                      <a:r>
+                        <a:rPr lang="en-US" dirty="0" smtClean="0"/>
+                        <a:t>Materials: Sequence Homology</a:t>
+                      </a:r>
+                      <a:r>
+                        <a:rPr lang="en-US" baseline="0" dirty="0" smtClean="0"/>
+                        <a:t> (BLAST), HMM, Physicochemical properties</a:t>
+                      </a:r>
+                      <a:endParaRPr lang="en-US" dirty="0"/>
+                    </a:p>
+                  </a:txBody>
+                  <a:tcPr/>
+                </a:tc>
+                <a:tc>
+                  <a:txBody>
+                    <a:bodyPr/>
+                    <a:lstStyle/>
+                    <a:p>
+                      <a:r>
+                        <a:rPr lang="en-US" dirty="0" smtClean="0"/>
+                        <a:t>Find, collect, explore and clean data </a:t>
+                      </a:r>
+                    </a:p>
+                    <a:p>
+                      <a:r>
+                        <a:rPr lang="en-US" dirty="0" smtClean="0"/>
+                        <a:t>Impute features</a:t>
+                      </a:r>
+                      <a:endParaRPr lang="en-US" dirty="0"/>
+                    </a:p>
+                  </a:txBody>
+                  <a:tcPr/>
+                </a:tc>
+              </a:tr>
+              <a:tr h="370840">
+                <a:tc>
+                  <a:txBody>
+                    <a:bodyPr/>
+                    <a:lstStyle/>
+                    <a:p>
+                      <a:endParaRPr lang="en-US" dirty="0"/>
+                    </a:p>
+                  </a:txBody>
+                  <a:tcPr/>
+                </a:tc>
+                <a:tc>
+                  <a:txBody>
+                    <a:bodyPr/>
+                    <a:lstStyle/>
+                    <a:p>
+                      <a:r>
+                        <a:rPr lang="en-US" dirty="0" smtClean="0"/>
+                        <a:t>Feature selection</a:t>
+                      </a:r>
+                      <a:endParaRPr lang="en-US" dirty="0"/>
+                    </a:p>
+                  </a:txBody>
+                  <a:tcPr/>
+                </a:tc>
+              </a:tr>
+              <a:tr h="370840">
+                <a:tc>
+                  <a:txBody>
+                    <a:bodyPr/>
+                    <a:lstStyle/>
+                    <a:p>
+                      <a:endParaRPr lang="en-US"/>
+                    </a:p>
+                  </a:txBody>
+                  <a:tcPr/>
+                </a:tc>
+                <a:tc>
+                  <a:txBody>
+                    <a:bodyPr/>
+                    <a:lstStyle/>
+                    <a:p>
+                      <a:r>
+                        <a:rPr lang="en-US" dirty="0" smtClean="0"/>
+                        <a:t>Algorithm selection</a:t>
+                      </a:r>
+                      <a:endParaRPr lang="en-US" dirty="0"/>
+                    </a:p>
+                  </a:txBody>
+                  <a:tcPr/>
+                </a:tc>
+              </a:tr>
+              <a:tr h="370840">
+                <a:tc>
+                  <a:txBody>
+                    <a:bodyPr/>
+                    <a:lstStyle/>
+                    <a:p>
+                      <a:r>
+                        <a:rPr lang="en-US" dirty="0" err="1" smtClean="0"/>
+                        <a:t>Training_st.csv</a:t>
+                      </a:r>
+                      <a:endParaRPr lang="en-US" dirty="0"/>
+                    </a:p>
+                  </a:txBody>
+                  <a:tcPr/>
+                </a:tc>
+                <a:tc>
+                  <a:txBody>
+                    <a:bodyPr/>
+                    <a:lstStyle/>
+                    <a:p>
+                      <a:r>
+                        <a:rPr lang="en-US" dirty="0" smtClean="0"/>
+                        <a:t>Train the model</a:t>
+                      </a:r>
+                      <a:endParaRPr lang="en-US" dirty="0"/>
+                    </a:p>
+                  </a:txBody>
+                  <a:tcPr/>
+                </a:tc>
+              </a:tr>
+              <a:tr h="370840">
+                <a:tc>
+                  <a:txBody>
+                    <a:bodyPr/>
+                    <a:lstStyle/>
+                    <a:p>
+                      <a:endParaRPr lang="en-US"/>
+                    </a:p>
+                  </a:txBody>
+                  <a:tcPr/>
+                </a:tc>
+                <a:tc>
+                  <a:txBody>
+                    <a:bodyPr/>
+                    <a:lstStyle/>
+                    <a:p>
+                      <a:r>
+                        <a:rPr lang="en-US" dirty="0" smtClean="0"/>
+                        <a:t>Cost function</a:t>
+                      </a:r>
+                      <a:endParaRPr lang="en-US" dirty="0"/>
+                    </a:p>
+                  </a:txBody>
+                  <a:tcPr/>
+                </a:tc>
+              </a:tr>
+              <a:tr h="370840">
+                <a:tc>
+                  <a:txBody>
+                    <a:bodyPr/>
+                    <a:lstStyle/>
+                    <a:p>
+                      <a:endParaRPr lang="en-US"/>
+                    </a:p>
+                  </a:txBody>
+                  <a:tcPr/>
+                </a:tc>
+                <a:tc>
+                  <a:txBody>
+                    <a:bodyPr/>
+                    <a:lstStyle/>
+                    <a:p>
+                      <a:r>
+                        <a:rPr lang="en-US" dirty="0" smtClean="0"/>
+                        <a:t>Optimization &amp; </a:t>
+                      </a:r>
+                      <a:r>
+                        <a:rPr lang="en-US" dirty="0" err="1" smtClean="0"/>
+                        <a:t>Hyperparameter</a:t>
+                      </a:r>
+                      <a:r>
+                        <a:rPr lang="en-US" dirty="0" smtClean="0"/>
+                        <a:t> Tuning</a:t>
+                      </a:r>
+                      <a:endParaRPr lang="en-US" dirty="0"/>
+                    </a:p>
+                  </a:txBody>
+                  <a:tcPr/>
+                </a:tc>
+              </a:tr>
+              <a:tr h="370840">
+                <a:tc>
+                  <a:txBody>
+                    <a:bodyPr/>
+                    <a:lstStyle/>
+                    <a:p>
+                      <a:endParaRPr lang="en-US" dirty="0"/>
+                    </a:p>
+                  </a:txBody>
+                  <a:tcPr/>
+                </a:tc>
+                <a:tc>
+                  <a:txBody>
+                    <a:bodyPr/>
+                    <a:lstStyle/>
+                    <a:p>
+                      <a:r>
+                        <a:rPr lang="en-US" dirty="0" smtClean="0"/>
+                        <a:t>Apply model to putative</a:t>
+                      </a:r>
+                      <a:r>
+                        <a:rPr lang="en-US" baseline="0" dirty="0" smtClean="0"/>
+                        <a:t> set</a:t>
+                      </a:r>
+                      <a:endParaRPr lang="en-US" dirty="0"/>
+                    </a:p>
+                  </a:txBody>
+                  <a:tcPr/>
+                </a:tc>
+              </a:tr>
+              <a:tr h="370840">
+                <a:tc>
+                  <a:txBody>
+                    <a:bodyPr/>
+                    <a:lstStyle/>
+                    <a:p>
+                      <a:endParaRPr lang="en-US" dirty="0"/>
+                    </a:p>
+                  </a:txBody>
+                  <a:tcPr/>
+                </a:tc>
+                <a:tc>
+                  <a:txBody>
+                    <a:bodyPr/>
+                    <a:lstStyle/>
+                    <a:p>
+                      <a:r>
+                        <a:rPr lang="en-US" dirty="0" smtClean="0"/>
+                        <a:t>Results: $$$</a:t>
+                      </a:r>
+                      <a:endParaRPr lang="en-US" dirty="0"/>
+                    </a:p>
+                  </a:txBody>
+                  <a:tcPr/>
+                </a:tc>
+              </a:tr>
+            </a:tbl>
+          </a:graphicData>
+        </a:graphic>
+      </p:graphicFrame>
     </p:spTree>
     <p:extLst>
       <p:ext uri="{BB962C8B-B14F-4D97-AF65-F5344CB8AC3E}">
-        <p14:creationId xmlns:p14="http://schemas.microsoft.com/office/powerpoint/2010/main" val="172110930"/>
+        <p14:creationId xmlns:p14="http://schemas.microsoft.com/office/powerpoint/2010/main" val="2050528250"/>
       </p:ext>
     </p:extLst>
   </p:cSld>
@@ -3349,6 +3695,494 @@
           <a:p>
             <a:r>
               <a:rPr lang="en-US" dirty="0" smtClean="0"/>
+              <a:t>Evaluation</a:t>
+            </a:r>
+            <a:endParaRPr lang="en-US" dirty="0"/>
+          </a:p>
+        </p:txBody>
+      </p:sp>
+      <p:sp>
+        <p:nvSpPr>
+          <p:cNvPr id="3" name="Content Placeholder 2"/>
+          <p:cNvSpPr>
+            <a:spLocks noGrp="1"/>
+          </p:cNvSpPr>
+          <p:nvPr>
+            <p:ph idx="1"/>
+          </p:nvPr>
+        </p:nvSpPr>
+        <p:spPr/>
+        <p:txBody>
+          <a:bodyPr>
+            <a:normAutofit/>
+          </a:bodyPr>
+          <a:lstStyle/>
+          <a:p>
+            <a:r>
+              <a:rPr lang="en-US" dirty="0"/>
+              <a:t>Y</a:t>
+            </a:r>
+            <a:r>
+              <a:rPr lang="en-US" dirty="0" smtClean="0"/>
+              <a:t>ou </a:t>
+            </a:r>
+            <a:r>
+              <a:rPr lang="en-US" dirty="0"/>
+              <a:t>will be remunerated for </a:t>
+            </a:r>
+            <a:r>
+              <a:rPr lang="en-US" dirty="0" smtClean="0"/>
+              <a:t>proteins that </a:t>
+            </a:r>
+            <a:r>
+              <a:rPr lang="en-US" dirty="0"/>
+              <a:t>score positively in their assay according to how similar they are </a:t>
+            </a:r>
+            <a:r>
+              <a:rPr lang="en-US" dirty="0" smtClean="0"/>
+              <a:t>to existing </a:t>
+            </a:r>
+            <a:r>
+              <a:rPr lang="en-US" dirty="0" err="1"/>
+              <a:t>chokeophobia</a:t>
+            </a:r>
+            <a:r>
+              <a:rPr lang="en-US" dirty="0"/>
+              <a:t> therapeutics in their training set:   </a:t>
+            </a:r>
+            <a:endParaRPr lang="en-US" dirty="0" smtClean="0"/>
+          </a:p>
+          <a:p>
+            <a:r>
+              <a:rPr lang="en-US" dirty="0" smtClean="0"/>
+              <a:t> </a:t>
+            </a:r>
+            <a:r>
+              <a:rPr lang="en-US" dirty="0"/>
+              <a:t>&gt;= 78% sequence identity: $1M per protein   </a:t>
+            </a:r>
+            <a:endParaRPr lang="en-US" dirty="0" smtClean="0"/>
+          </a:p>
+          <a:p>
+            <a:r>
+              <a:rPr lang="en-US" dirty="0" smtClean="0"/>
+              <a:t> </a:t>
+            </a:r>
+            <a:r>
+              <a:rPr lang="en-US" dirty="0"/>
+              <a:t>&lt; 78% but &gt;= 45% sequence identity: $2M per protein   </a:t>
+            </a:r>
+            <a:endParaRPr lang="en-US" dirty="0" smtClean="0"/>
+          </a:p>
+          <a:p>
+            <a:r>
+              <a:rPr lang="en-US" dirty="0" smtClean="0"/>
+              <a:t> &lt;45</a:t>
+            </a:r>
+            <a:r>
+              <a:rPr lang="en-US" dirty="0"/>
+              <a:t>% sequence identity: $4M per </a:t>
+            </a:r>
+            <a:r>
+              <a:rPr lang="en-US" dirty="0" smtClean="0"/>
+              <a:t>protein</a:t>
+            </a:r>
+          </a:p>
+          <a:p>
+            <a:r>
+              <a:rPr lang="en-US" dirty="0" smtClean="0"/>
+              <a:t>&gt; </a:t>
+            </a:r>
+            <a:r>
+              <a:rPr lang="en-US" dirty="0" err="1" smtClean="0"/>
+              <a:t>protein_nomination_value.pkl</a:t>
+            </a:r>
+            <a:r>
+              <a:rPr lang="en-US" dirty="0" smtClean="0"/>
+              <a:t>: report </a:t>
+            </a:r>
+            <a:r>
+              <a:rPr lang="en-US" dirty="0"/>
+              <a:t>the </a:t>
+            </a:r>
+            <a:r>
+              <a:rPr lang="en-US" dirty="0" smtClean="0"/>
+              <a:t>monetary value </a:t>
+            </a:r>
+            <a:r>
+              <a:rPr lang="en-US" dirty="0"/>
+              <a:t>returned by your Top 200 nominations.  </a:t>
+            </a:r>
+          </a:p>
+        </p:txBody>
+      </p:sp>
+    </p:spTree>
+    <p:extLst>
+      <p:ext uri="{BB962C8B-B14F-4D97-AF65-F5344CB8AC3E}">
+        <p14:creationId xmlns:p14="http://schemas.microsoft.com/office/powerpoint/2010/main" val="933439929"/>
+      </p:ext>
+    </p:extLst>
+  </p:cSld>
+  <p:clrMapOvr>
+    <a:masterClrMapping/>
+  </p:clrMapOvr>
+</p:sld>
+</file>
+
+<file path=ppt/slides/slide5.xml><?xml version="1.0" encoding="utf-8"?>
+<p:sld xmlns:a="http://schemas.openxmlformats.org/drawingml/2006/main" xmlns:r="http://schemas.openxmlformats.org/officeDocument/2006/relationships" xmlns:p="http://schemas.openxmlformats.org/presentationml/2006/main">
+  <p:cSld>
+    <p:spTree>
+      <p:nvGrpSpPr>
+        <p:cNvPr id="1" name=""/>
+        <p:cNvGrpSpPr/>
+        <p:nvPr/>
+      </p:nvGrpSpPr>
+      <p:grpSpPr>
+        <a:xfrm>
+          <a:off x="0" y="0"/>
+          <a:ext cx="0" cy="0"/>
+          <a:chOff x="0" y="0"/>
+          <a:chExt cx="0" cy="0"/>
+        </a:xfrm>
+      </p:grpSpPr>
+      <p:sp>
+        <p:nvSpPr>
+          <p:cNvPr id="2" name="Title 1"/>
+          <p:cNvSpPr>
+            <a:spLocks noGrp="1"/>
+          </p:cNvSpPr>
+          <p:nvPr>
+            <p:ph type="title"/>
+          </p:nvPr>
+        </p:nvSpPr>
+        <p:spPr/>
+        <p:txBody>
+          <a:bodyPr/>
+          <a:lstStyle/>
+          <a:p>
+            <a:r>
+              <a:rPr lang="en-US" dirty="0" smtClean="0"/>
+              <a:t>Define the Problem</a:t>
+            </a:r>
+            <a:endParaRPr lang="en-US" dirty="0"/>
+          </a:p>
+        </p:txBody>
+      </p:sp>
+      <p:sp>
+        <p:nvSpPr>
+          <p:cNvPr id="3" name="Content Placeholder 2"/>
+          <p:cNvSpPr>
+            <a:spLocks noGrp="1"/>
+          </p:cNvSpPr>
+          <p:nvPr>
+            <p:ph idx="1"/>
+          </p:nvPr>
+        </p:nvSpPr>
+        <p:spPr/>
+        <p:txBody>
+          <a:bodyPr>
+            <a:normAutofit lnSpcReduction="10000"/>
+          </a:bodyPr>
+          <a:lstStyle/>
+          <a:p>
+            <a:r>
+              <a:rPr lang="en-US" dirty="0" smtClean="0"/>
+              <a:t>This is a classification question (is it 0 or 1)</a:t>
+            </a:r>
+          </a:p>
+          <a:p>
+            <a:r>
+              <a:rPr lang="en-US" dirty="0" smtClean="0"/>
+              <a:t>Select an algorithm depending on question and data available </a:t>
+            </a:r>
+            <a:r>
+              <a:rPr lang="mr-IN" dirty="0" smtClean="0"/>
+              <a:t>–</a:t>
+            </a:r>
+            <a:r>
+              <a:rPr lang="en-US" dirty="0" smtClean="0"/>
+              <a:t> good to test multiple</a:t>
+            </a:r>
+          </a:p>
+          <a:p>
+            <a:r>
+              <a:rPr lang="en-US" dirty="0" smtClean="0"/>
+              <a:t>Cost/loss function </a:t>
+            </a:r>
+            <a:r>
+              <a:rPr lang="mr-IN" dirty="0" smtClean="0"/>
+              <a:t>–</a:t>
+            </a:r>
+            <a:r>
+              <a:rPr lang="en-US" dirty="0" smtClean="0"/>
+              <a:t> measures how accurate my model is (how far it is from predicting training data </a:t>
+            </a:r>
+            <a:r>
+              <a:rPr lang="mr-IN" dirty="0" smtClean="0"/>
+              <a:t>–</a:t>
+            </a:r>
+            <a:r>
+              <a:rPr lang="en-US" dirty="0" smtClean="0"/>
+              <a:t> goal is to minimize this)</a:t>
+            </a:r>
+          </a:p>
+          <a:p>
+            <a:r>
+              <a:rPr lang="en-US" dirty="0" smtClean="0"/>
+              <a:t>Optimization </a:t>
+            </a:r>
+            <a:r>
+              <a:rPr lang="mr-IN" dirty="0" smtClean="0"/>
+              <a:t>–</a:t>
+            </a:r>
+            <a:r>
+              <a:rPr lang="en-US" dirty="0" smtClean="0"/>
+              <a:t> a method to minimize cost </a:t>
+            </a:r>
+            <a:r>
+              <a:rPr lang="en-US" dirty="0" err="1" smtClean="0"/>
+              <a:t>fn</a:t>
+            </a:r>
+            <a:r>
+              <a:rPr lang="en-US" dirty="0" smtClean="0"/>
+              <a:t> (“gradient descent”)</a:t>
+            </a:r>
+          </a:p>
+          <a:p>
+            <a:r>
+              <a:rPr lang="en-US" dirty="0" smtClean="0"/>
+              <a:t>Tuning </a:t>
+            </a:r>
+            <a:r>
+              <a:rPr lang="mr-IN" dirty="0" smtClean="0"/>
+              <a:t>–</a:t>
+            </a:r>
+            <a:r>
+              <a:rPr lang="en-US" dirty="0" smtClean="0"/>
+              <a:t> algorithm will have a </a:t>
+            </a:r>
+            <a:r>
+              <a:rPr lang="en-US" dirty="0" err="1" smtClean="0"/>
+              <a:t>hyperparameter</a:t>
+            </a:r>
+            <a:r>
+              <a:rPr lang="en-US" dirty="0" smtClean="0"/>
+              <a:t>. Find method for </a:t>
+            </a:r>
+            <a:r>
+              <a:rPr lang="en-US" dirty="0" err="1" smtClean="0"/>
+              <a:t>hyperparameter</a:t>
+            </a:r>
+            <a:r>
+              <a:rPr lang="en-US" dirty="0" smtClean="0"/>
+              <a:t> tuning such as grid and random search</a:t>
+            </a:r>
+          </a:p>
+          <a:p>
+            <a:r>
+              <a:rPr lang="en-US" dirty="0" smtClean="0"/>
+              <a:t>Results and benchmarking </a:t>
+            </a:r>
+            <a:r>
+              <a:rPr lang="mr-IN" dirty="0" smtClean="0"/>
+              <a:t>–</a:t>
+            </a:r>
+            <a:r>
+              <a:rPr lang="en-US" dirty="0" smtClean="0"/>
+              <a:t> compare to my pickles</a:t>
+            </a:r>
+          </a:p>
+          <a:p>
+            <a:r>
+              <a:rPr lang="en-US" dirty="0" smtClean="0"/>
+              <a:t>Make a graph here? parallels</a:t>
+            </a:r>
+            <a:endParaRPr lang="en-US" dirty="0"/>
+          </a:p>
+        </p:txBody>
+      </p:sp>
+    </p:spTree>
+    <p:extLst>
+      <p:ext uri="{BB962C8B-B14F-4D97-AF65-F5344CB8AC3E}">
+        <p14:creationId xmlns:p14="http://schemas.microsoft.com/office/powerpoint/2010/main" val="172110930"/>
+      </p:ext>
+    </p:extLst>
+  </p:cSld>
+  <p:clrMapOvr>
+    <a:masterClrMapping/>
+  </p:clrMapOvr>
+</p:sld>
+</file>
+
+<file path=ppt/slides/slide6.xml><?xml version="1.0" encoding="utf-8"?>
+<p:sld xmlns:a="http://schemas.openxmlformats.org/drawingml/2006/main" xmlns:r="http://schemas.openxmlformats.org/officeDocument/2006/relationships" xmlns:p="http://schemas.openxmlformats.org/presentationml/2006/main">
+  <p:cSld>
+    <p:spTree>
+      <p:nvGrpSpPr>
+        <p:cNvPr id="1" name=""/>
+        <p:cNvGrpSpPr/>
+        <p:nvPr/>
+      </p:nvGrpSpPr>
+      <p:grpSpPr>
+        <a:xfrm>
+          <a:off x="0" y="0"/>
+          <a:ext cx="0" cy="0"/>
+          <a:chOff x="0" y="0"/>
+          <a:chExt cx="0" cy="0"/>
+        </a:xfrm>
+      </p:grpSpPr>
+      <p:sp>
+        <p:nvSpPr>
+          <p:cNvPr id="2" name="Title 1"/>
+          <p:cNvSpPr>
+            <a:spLocks noGrp="1"/>
+          </p:cNvSpPr>
+          <p:nvPr>
+            <p:ph type="title"/>
+          </p:nvPr>
+        </p:nvSpPr>
+        <p:spPr/>
+        <p:txBody>
+          <a:bodyPr/>
+          <a:lstStyle/>
+          <a:p>
+            <a:r>
+              <a:rPr lang="en-US" dirty="0" smtClean="0"/>
+              <a:t>Data</a:t>
+            </a:r>
+            <a:endParaRPr lang="en-US" dirty="0"/>
+          </a:p>
+        </p:txBody>
+      </p:sp>
+      <p:sp>
+        <p:nvSpPr>
+          <p:cNvPr id="3" name="Content Placeholder 2"/>
+          <p:cNvSpPr>
+            <a:spLocks noGrp="1"/>
+          </p:cNvSpPr>
+          <p:nvPr>
+            <p:ph idx="1"/>
+          </p:nvPr>
+        </p:nvSpPr>
+        <p:spPr/>
+        <p:txBody>
+          <a:bodyPr>
+            <a:normAutofit lnSpcReduction="10000"/>
+          </a:bodyPr>
+          <a:lstStyle/>
+          <a:p>
+            <a:r>
+              <a:rPr lang="en-US" dirty="0" smtClean="0"/>
+              <a:t>Find</a:t>
+            </a:r>
+          </a:p>
+          <a:p>
+            <a:r>
+              <a:rPr lang="en-US" dirty="0" smtClean="0"/>
+              <a:t>Collect</a:t>
+            </a:r>
+          </a:p>
+          <a:p>
+            <a:r>
+              <a:rPr lang="en-US" dirty="0" smtClean="0"/>
+              <a:t>Explore</a:t>
+            </a:r>
+          </a:p>
+          <a:p>
+            <a:r>
+              <a:rPr lang="en-US" dirty="0" smtClean="0"/>
+              <a:t>Clean Features</a:t>
+            </a:r>
+          </a:p>
+          <a:p>
+            <a:r>
+              <a:rPr lang="en-US" dirty="0" smtClean="0"/>
+              <a:t>Impute features </a:t>
+            </a:r>
+            <a:r>
+              <a:rPr lang="mr-IN" dirty="0" smtClean="0"/>
+              <a:t>–</a:t>
+            </a:r>
+            <a:r>
+              <a:rPr lang="en-US" dirty="0" smtClean="0"/>
+              <a:t> data that is missing</a:t>
+            </a:r>
+          </a:p>
+          <a:p>
+            <a:r>
+              <a:rPr lang="en-US" dirty="0" smtClean="0"/>
+              <a:t>Select Features</a:t>
+            </a:r>
+          </a:p>
+          <a:p>
+            <a:r>
+              <a:rPr lang="en-US" dirty="0" smtClean="0"/>
+              <a:t>Encode Features</a:t>
+            </a:r>
+          </a:p>
+          <a:p>
+            <a:r>
+              <a:rPr lang="en-US" dirty="0" smtClean="0"/>
+              <a:t>Build a dataset</a:t>
+            </a:r>
+          </a:p>
+          <a:p>
+            <a:r>
+              <a:rPr lang="en-US" dirty="0" smtClean="0"/>
+              <a:t>These are all linear matrix fitting so data needs to be numerical</a:t>
+            </a:r>
+            <a:endParaRPr lang="en-US" dirty="0"/>
+          </a:p>
+        </p:txBody>
+      </p:sp>
+    </p:spTree>
+    <p:extLst>
+      <p:ext uri="{BB962C8B-B14F-4D97-AF65-F5344CB8AC3E}">
+        <p14:creationId xmlns:p14="http://schemas.microsoft.com/office/powerpoint/2010/main" val="1444702667"/>
+      </p:ext>
+    </p:extLst>
+  </p:cSld>
+  <p:clrMapOvr>
+    <a:masterClrMapping/>
+  </p:clrMapOvr>
+</p:sld>
+</file>
+
+<file path=ppt/slides/slide7.xml><?xml version="1.0" encoding="utf-8"?>
+<p:sld xmlns:a="http://schemas.openxmlformats.org/drawingml/2006/main" xmlns:r="http://schemas.openxmlformats.org/officeDocument/2006/relationships" xmlns:p="http://schemas.openxmlformats.org/presentationml/2006/main">
+  <p:cSld>
+    <p:spTree>
+      <p:nvGrpSpPr>
+        <p:cNvPr id="1" name=""/>
+        <p:cNvGrpSpPr/>
+        <p:nvPr/>
+      </p:nvGrpSpPr>
+      <p:grpSpPr>
+        <a:xfrm>
+          <a:off x="0" y="0"/>
+          <a:ext cx="0" cy="0"/>
+          <a:chOff x="0" y="0"/>
+          <a:chExt cx="0" cy="0"/>
+        </a:xfrm>
+      </p:grpSpPr>
+      <p:sp>
+        <p:nvSpPr>
+          <p:cNvPr id="2" name="Title 1"/>
+          <p:cNvSpPr>
+            <a:spLocks noGrp="1"/>
+          </p:cNvSpPr>
+          <p:nvPr>
+            <p:ph type="title"/>
+          </p:nvPr>
+        </p:nvSpPr>
+        <p:spPr/>
+        <p:txBody>
+          <a:bodyPr/>
+          <a:lstStyle/>
+          <a:p>
+            <a:r>
+              <a:rPr lang="en-US" dirty="0" smtClean="0"/>
               <a:t>Background to refresh</a:t>
             </a:r>
             <a:endParaRPr lang="en-US" dirty="0"/>
@@ -3367,7 +4201,9 @@
         </p:nvSpPr>
         <p:spPr/>
         <p:txBody>
-          <a:bodyPr/>
+          <a:bodyPr>
+            <a:normAutofit fontScale="70000" lnSpcReduction="20000"/>
+          </a:bodyPr>
           <a:lstStyle/>
           <a:p>
             <a:r>
@@ -3386,18 +4222,150 @@
             </a:r>
             <a:r>
               <a:rPr lang="en-US" dirty="0" smtClean="0"/>
-              <a:t> meaning </a:t>
-            </a:r>
-            <a:r>
-              <a:rPr lang="en-US" smtClean="0"/>
-              <a:t>in blast</a:t>
+              <a:t> meaning in blast</a:t>
+            </a:r>
+          </a:p>
+          <a:p>
+            <a:r>
+              <a:rPr lang="en-US" dirty="0" smtClean="0"/>
+              <a:t>HMM</a:t>
+            </a:r>
+          </a:p>
+          <a:p>
+            <a:r>
+              <a:rPr lang="en-US" dirty="0" smtClean="0"/>
+              <a:t>Algorithms</a:t>
+            </a:r>
+          </a:p>
+          <a:p>
+            <a:r>
+              <a:rPr lang="en-US" dirty="0">
+                <a:hlinkClick r:id="rId2"/>
+              </a:rPr>
+              <a:t>https://www.analyticsvidhya.com/blog/2017/09/common-machine-learning-algorithms</a:t>
+            </a:r>
+            <a:r>
+              <a:rPr lang="en-US" dirty="0" smtClean="0">
+                <a:hlinkClick r:id="rId2"/>
+              </a:rPr>
+              <a:t>/</a:t>
             </a:r>
             <a:endParaRPr lang="en-US" dirty="0" smtClean="0"/>
           </a:p>
           <a:p>
             <a:r>
-              <a:rPr lang="en-US" dirty="0" smtClean="0"/>
-              <a:t>HMM</a:t>
+              <a:rPr lang="en-US" dirty="0">
+                <a:hlinkClick r:id="rId3"/>
+              </a:rPr>
+              <a:t>http://</a:t>
+            </a:r>
+            <a:r>
+              <a:rPr lang="en-US" dirty="0" smtClean="0">
+                <a:hlinkClick r:id="rId3"/>
+              </a:rPr>
+              <a:t>www.kdnuggets.com/2015/11/seven-steps-machine-learning-python.html</a:t>
+            </a:r>
+            <a:endParaRPr lang="en-US" dirty="0" smtClean="0"/>
+          </a:p>
+          <a:p>
+            <a:r>
+              <a:rPr lang="en-US" dirty="0">
+                <a:hlinkClick r:id="rId4"/>
+              </a:rPr>
+              <a:t>http://</a:t>
+            </a:r>
+            <a:r>
+              <a:rPr lang="en-US" dirty="0" smtClean="0">
+                <a:hlinkClick r:id="rId4"/>
+              </a:rPr>
+              <a:t>www.kdnuggets.com/2016/03/doing-data-science-kaggle-walkthrough-cleaning-data.html/2</a:t>
+            </a:r>
+            <a:endParaRPr lang="en-US" dirty="0" smtClean="0"/>
+          </a:p>
+          <a:p>
+            <a:r>
+              <a:rPr lang="en-US" dirty="0">
+                <a:hlinkClick r:id="rId5"/>
+              </a:rPr>
+              <a:t>https://pythonprogramming.net/machine-learning-tutorial-python-introduction</a:t>
+            </a:r>
+            <a:r>
+              <a:rPr lang="en-US" dirty="0" smtClean="0">
+                <a:hlinkClick r:id="rId5"/>
+              </a:rPr>
+              <a:t>/</a:t>
+            </a:r>
+            <a:endParaRPr lang="en-US" dirty="0" smtClean="0"/>
+          </a:p>
+          <a:p>
+            <a:r>
+              <a:rPr lang="en-US" dirty="0">
+                <a:hlinkClick r:id="rId6"/>
+              </a:rPr>
+              <a:t>https://</a:t>
+            </a:r>
+            <a:r>
+              <a:rPr lang="en-US" dirty="0" smtClean="0">
+                <a:hlinkClick r:id="rId6"/>
+              </a:rPr>
+              <a:t>bmcbioinformatics.biomedcentral.com/articles/10.1186/1471-2105-11-273</a:t>
+            </a:r>
+            <a:endParaRPr lang="en-US" dirty="0" smtClean="0"/>
+          </a:p>
+          <a:p>
+            <a:r>
+              <a:rPr lang="en-US" dirty="0">
+                <a:hlinkClick r:id="rId7"/>
+              </a:rPr>
+              <a:t>https://</a:t>
+            </a:r>
+            <a:r>
+              <a:rPr lang="en-US" dirty="0" smtClean="0">
+                <a:hlinkClick r:id="rId7"/>
+              </a:rPr>
+              <a:t>github.com/dformoso/machine-learning-mindmap</a:t>
+            </a:r>
+            <a:endParaRPr lang="en-US" dirty="0" smtClean="0"/>
+          </a:p>
+          <a:p>
+            <a:r>
+              <a:rPr lang="en-US" dirty="0">
+                <a:hlinkClick r:id="rId8"/>
+              </a:rPr>
+              <a:t>https://</a:t>
+            </a:r>
+            <a:r>
+              <a:rPr lang="en-US" dirty="0" smtClean="0">
+                <a:hlinkClick r:id="rId8"/>
+              </a:rPr>
+              <a:t>bmcresnotes.biomedcentral.com/articles/10.1186/1756-0500-7-810</a:t>
+            </a:r>
+            <a:endParaRPr lang="en-US" dirty="0" smtClean="0"/>
+          </a:p>
+          <a:p>
+            <a:r>
+              <a:rPr lang="en-US" dirty="0"/>
+              <a:t>https://</a:t>
+            </a:r>
+            <a:r>
+              <a:rPr lang="en-US" dirty="0" err="1"/>
+              <a:t>github.com</a:t>
+            </a:r>
+            <a:r>
+              <a:rPr lang="en-US" dirty="0"/>
+              <a:t>/</a:t>
+            </a:r>
+            <a:r>
+              <a:rPr lang="en-US" dirty="0" err="1"/>
+              <a:t>PeptoneInc</a:t>
+            </a:r>
+            <a:r>
+              <a:rPr lang="en-US" dirty="0"/>
+              <a:t>/</a:t>
+            </a:r>
+            <a:r>
+              <a:rPr lang="en-US" dirty="0" err="1"/>
+              <a:t>dspp-keras</a:t>
             </a:r>
             <a:endParaRPr lang="en-US" dirty="0"/>
           </a:p>
@@ -3407,6 +4375,179 @@
     <p:extLst>
       <p:ext uri="{BB962C8B-B14F-4D97-AF65-F5344CB8AC3E}">
         <p14:creationId xmlns:p14="http://schemas.microsoft.com/office/powerpoint/2010/main" val="688653693"/>
+      </p:ext>
+    </p:extLst>
+  </p:cSld>
+  <p:clrMapOvr>
+    <a:masterClrMapping/>
+  </p:clrMapOvr>
+</p:sld>
+</file>
+
+<file path=ppt/slides/slide8.xml><?xml version="1.0" encoding="utf-8"?>
+<p:sld xmlns:a="http://schemas.openxmlformats.org/drawingml/2006/main" xmlns:r="http://schemas.openxmlformats.org/officeDocument/2006/relationships" xmlns:p="http://schemas.openxmlformats.org/presentationml/2006/main">
+  <p:cSld>
+    <p:spTree>
+      <p:nvGrpSpPr>
+        <p:cNvPr id="1" name=""/>
+        <p:cNvGrpSpPr/>
+        <p:nvPr/>
+      </p:nvGrpSpPr>
+      <p:grpSpPr>
+        <a:xfrm>
+          <a:off x="0" y="0"/>
+          <a:ext cx="0" cy="0"/>
+          <a:chOff x="0" y="0"/>
+          <a:chExt cx="0" cy="0"/>
+        </a:xfrm>
+      </p:grpSpPr>
+      <p:sp>
+        <p:nvSpPr>
+          <p:cNvPr id="2" name="Title 1"/>
+          <p:cNvSpPr>
+            <a:spLocks noGrp="1"/>
+          </p:cNvSpPr>
+          <p:nvPr>
+            <p:ph type="title"/>
+          </p:nvPr>
+        </p:nvSpPr>
+        <p:spPr/>
+        <p:txBody>
+          <a:bodyPr/>
+          <a:lstStyle/>
+          <a:p>
+            <a:r>
+              <a:rPr lang="en-US" dirty="0" smtClean="0"/>
+              <a:t>Checklist</a:t>
+            </a:r>
+            <a:endParaRPr lang="en-US" dirty="0"/>
+          </a:p>
+        </p:txBody>
+      </p:sp>
+      <p:sp>
+        <p:nvSpPr>
+          <p:cNvPr id="3" name="Content Placeholder 2"/>
+          <p:cNvSpPr>
+            <a:spLocks noGrp="1"/>
+          </p:cNvSpPr>
+          <p:nvPr>
+            <p:ph idx="1"/>
+          </p:nvPr>
+        </p:nvSpPr>
+        <p:spPr/>
+        <p:txBody>
+          <a:bodyPr>
+            <a:normAutofit/>
+          </a:bodyPr>
+          <a:lstStyle/>
+          <a:p>
+            <a:r>
+              <a:rPr lang="en-US" i="1" dirty="0"/>
+              <a:t># code documentation</a:t>
+            </a:r>
+            <a:br>
+              <a:rPr lang="en-US" i="1" dirty="0"/>
+            </a:br>
+            <a:r>
+              <a:rPr lang="en-US" i="1" dirty="0"/>
+              <a:t># </a:t>
+            </a:r>
+            <a:r>
+              <a:rPr lang="en-US" i="1" dirty="0" err="1"/>
+              <a:t>communicaiton</a:t>
+            </a:r>
+            <a:r>
+              <a:rPr lang="en-US" i="1" dirty="0"/>
+              <a:t> plan</a:t>
+            </a:r>
+            <a:br>
+              <a:rPr lang="en-US" i="1" dirty="0"/>
+            </a:br>
+            <a:r>
+              <a:rPr lang="en-US" i="1" dirty="0"/>
+              <a:t># </a:t>
+            </a:r>
+            <a:r>
+              <a:rPr lang="en-US" i="1" dirty="0" err="1"/>
+              <a:t>powerpoint</a:t>
+            </a:r>
+            <a:r>
+              <a:rPr lang="en-US" i="1" dirty="0"/>
+              <a:t> </a:t>
+            </a:r>
+            <a:r>
+              <a:rPr lang="en-US" i="1" dirty="0" smtClean="0"/>
+              <a:t>slides</a:t>
+            </a:r>
+            <a:r>
+              <a:rPr lang="en-US" i="1" dirty="0"/>
+              <a:t/>
+            </a:r>
+            <a:br>
+              <a:rPr lang="en-US" i="1" dirty="0"/>
+            </a:br>
+            <a:r>
+              <a:rPr lang="en-US" i="1" dirty="0"/>
+              <a:t>#  &gt; a brief description of the problem (it helps to hear your version of it)</a:t>
+            </a:r>
+            <a:br>
+              <a:rPr lang="en-US" i="1" dirty="0"/>
+            </a:br>
+            <a:r>
+              <a:rPr lang="en-US" i="1" dirty="0"/>
+              <a:t>#  &gt; a brief description of the data</a:t>
+            </a:r>
+            <a:br>
+              <a:rPr lang="en-US" i="1" dirty="0"/>
+            </a:br>
+            <a:r>
+              <a:rPr lang="en-US" i="1" dirty="0"/>
+              <a:t>#  &gt; your choice of features engineered from the protein sequences</a:t>
+            </a:r>
+            <a:br>
+              <a:rPr lang="en-US" i="1" dirty="0"/>
+            </a:br>
+            <a:r>
+              <a:rPr lang="en-US" i="1" dirty="0"/>
+              <a:t>#  &gt; your feature selection </a:t>
+            </a:r>
+            <a:r>
+              <a:rPr lang="en-US" i="1" dirty="0" err="1"/>
+              <a:t>methodolgy</a:t>
+            </a:r>
+            <a:r>
+              <a:rPr lang="en-US" i="1" dirty="0"/>
+              <a:t>, if any</a:t>
+            </a:r>
+            <a:br>
+              <a:rPr lang="en-US" i="1" dirty="0"/>
+            </a:br>
+            <a:r>
+              <a:rPr lang="en-US" i="1" dirty="0"/>
+              <a:t>#  &gt; your choice of model or models</a:t>
+            </a:r>
+            <a:br>
+              <a:rPr lang="en-US" i="1" dirty="0"/>
+            </a:br>
+            <a:r>
+              <a:rPr lang="en-US" i="1" dirty="0"/>
+              <a:t>#  &gt; your validation method(s)</a:t>
+            </a:r>
+            <a:br>
+              <a:rPr lang="en-US" i="1" dirty="0"/>
+            </a:br>
+            <a:r>
+              <a:rPr lang="en-US" i="1" dirty="0"/>
+              <a:t>#  &gt; the quality of your model ($$$)</a:t>
+            </a:r>
+            <a:endParaRPr lang="en-US" dirty="0"/>
+          </a:p>
+        </p:txBody>
+      </p:sp>
+    </p:spTree>
+    <p:extLst>
+      <p:ext uri="{BB962C8B-B14F-4D97-AF65-F5344CB8AC3E}">
+        <p14:creationId xmlns:p14="http://schemas.microsoft.com/office/powerpoint/2010/main" val="1817780750"/>
       </p:ext>
     </p:extLst>
   </p:cSld>

--- a/drugpro-jd.pptx
+++ b/drugpro-jd.pptx
@@ -4,6 +4,9 @@
   <p:sldMasterIdLst>
     <p:sldMasterId id="2147483648" r:id="rId1"/>
   </p:sldMasterIdLst>
+  <p:notesMasterIdLst>
+    <p:notesMasterId r:id="rId17"/>
+  </p:notesMasterIdLst>
   <p:sldIdLst>
     <p:sldId id="256" r:id="rId2"/>
     <p:sldId id="262" r:id="rId3"/>
@@ -12,7 +15,14 @@
     <p:sldId id="258" r:id="rId6"/>
     <p:sldId id="260" r:id="rId7"/>
     <p:sldId id="259" r:id="rId8"/>
-    <p:sldId id="257" r:id="rId9"/>
+    <p:sldId id="266" r:id="rId9"/>
+    <p:sldId id="267" r:id="rId10"/>
+    <p:sldId id="268" r:id="rId11"/>
+    <p:sldId id="271" r:id="rId12"/>
+    <p:sldId id="272" r:id="rId13"/>
+    <p:sldId id="269" r:id="rId14"/>
+    <p:sldId id="270" r:id="rId15"/>
+    <p:sldId id="257" r:id="rId16"/>
   </p:sldIdLst>
   <p:sldSz cx="12192000" cy="6858000"/>
   <p:notesSz cx="6858000" cy="9144000"/>
@@ -112,11 +122,384 @@
     </a:lvl9pPr>
   </p:defaultTextStyle>
   <p:extLst>
+    <p:ext uri="{521415D9-36F7-43E2-AB2F-B90AF26B5E84}">
+      <p14:sectionLst xmlns:p14="http://schemas.microsoft.com/office/powerpoint/2010/main">
+        <p14:section name="Default Section" id="{F569F640-FCBE-954B-849C-C7144DC7F05C}">
+          <p14:sldIdLst>
+            <p14:sldId id="256"/>
+            <p14:sldId id="262"/>
+            <p14:sldId id="265"/>
+            <p14:sldId id="264"/>
+            <p14:sldId id="258"/>
+            <p14:sldId id="260"/>
+            <p14:sldId id="259"/>
+            <p14:sldId id="266"/>
+            <p14:sldId id="267"/>
+            <p14:sldId id="268"/>
+            <p14:sldId id="271"/>
+            <p14:sldId id="272"/>
+            <p14:sldId id="269"/>
+            <p14:sldId id="270"/>
+            <p14:sldId id="257"/>
+          </p14:sldIdLst>
+        </p14:section>
+      </p14:sectionLst>
+    </p:ext>
     <p:ext uri="{EFAFB233-063F-42B5-8137-9DF3F51BA10A}">
       <p15:sldGuideLst xmlns:p15="http://schemas.microsoft.com/office/powerpoint/2012/main"/>
     </p:ext>
   </p:extLst>
 </p:presentation>
+</file>
+
+<file path=ppt/notesMasters/notesMaster1.xml><?xml version="1.0" encoding="utf-8"?>
+<p:notesMaster xmlns:a="http://schemas.openxmlformats.org/drawingml/2006/main" xmlns:r="http://schemas.openxmlformats.org/officeDocument/2006/relationships" xmlns:p="http://schemas.openxmlformats.org/presentationml/2006/main">
+  <p:cSld>
+    <p:bg>
+      <p:bgRef idx="1001">
+        <a:schemeClr val="bg1"/>
+      </p:bgRef>
+    </p:bg>
+    <p:spTree>
+      <p:nvGrpSpPr>
+        <p:cNvPr id="1" name=""/>
+        <p:cNvGrpSpPr/>
+        <p:nvPr/>
+      </p:nvGrpSpPr>
+      <p:grpSpPr>
+        <a:xfrm>
+          <a:off x="0" y="0"/>
+          <a:ext cx="0" cy="0"/>
+          <a:chOff x="0" y="0"/>
+          <a:chExt cx="0" cy="0"/>
+        </a:xfrm>
+      </p:grpSpPr>
+      <p:sp>
+        <p:nvSpPr>
+          <p:cNvPr id="2" name="Header Placeholder 1"/>
+          <p:cNvSpPr>
+            <a:spLocks noGrp="1"/>
+          </p:cNvSpPr>
+          <p:nvPr>
+            <p:ph type="hdr" sz="quarter"/>
+          </p:nvPr>
+        </p:nvSpPr>
+        <p:spPr>
+          <a:xfrm>
+            <a:off x="0" y="0"/>
+            <a:ext cx="2971800" cy="458788"/>
+          </a:xfrm>
+          <a:prstGeom prst="rect">
+            <a:avLst/>
+          </a:prstGeom>
+        </p:spPr>
+        <p:txBody>
+          <a:bodyPr vert="horz" lIns="91440" tIns="45720" rIns="91440" bIns="45720" rtlCol="0"/>
+          <a:lstStyle>
+            <a:lvl1pPr algn="l">
+              <a:defRPr sz="1200"/>
+            </a:lvl1pPr>
+          </a:lstStyle>
+          <a:p>
+            <a:endParaRPr lang="en-US"/>
+          </a:p>
+        </p:txBody>
+      </p:sp>
+      <p:sp>
+        <p:nvSpPr>
+          <p:cNvPr id="3" name="Date Placeholder 2"/>
+          <p:cNvSpPr>
+            <a:spLocks noGrp="1"/>
+          </p:cNvSpPr>
+          <p:nvPr>
+            <p:ph type="dt" idx="1"/>
+          </p:nvPr>
+        </p:nvSpPr>
+        <p:spPr>
+          <a:xfrm>
+            <a:off x="3884613" y="0"/>
+            <a:ext cx="2971800" cy="458788"/>
+          </a:xfrm>
+          <a:prstGeom prst="rect">
+            <a:avLst/>
+          </a:prstGeom>
+        </p:spPr>
+        <p:txBody>
+          <a:bodyPr vert="horz" lIns="91440" tIns="45720" rIns="91440" bIns="45720" rtlCol="0"/>
+          <a:lstStyle>
+            <a:lvl1pPr algn="r">
+              <a:defRPr sz="1200"/>
+            </a:lvl1pPr>
+          </a:lstStyle>
+          <a:p>
+            <a:fld id="{C248C1D5-31D5-CB42-9CCA-A2AE05BB1EA1}" type="datetimeFigureOut">
+              <a:rPr lang="en-US" smtClean="0"/>
+              <a:t>9/24/17</a:t>
+            </a:fld>
+            <a:endParaRPr lang="en-US"/>
+          </a:p>
+        </p:txBody>
+      </p:sp>
+      <p:sp>
+        <p:nvSpPr>
+          <p:cNvPr id="4" name="Slide Image Placeholder 3"/>
+          <p:cNvSpPr>
+            <a:spLocks noGrp="1" noRot="1" noChangeAspect="1"/>
+          </p:cNvSpPr>
+          <p:nvPr>
+            <p:ph type="sldImg" idx="2"/>
+          </p:nvPr>
+        </p:nvSpPr>
+        <p:spPr>
+          <a:xfrm>
+            <a:off x="685800" y="1143000"/>
+            <a:ext cx="5486400" cy="3086100"/>
+          </a:xfrm>
+          <a:prstGeom prst="rect">
+            <a:avLst/>
+          </a:prstGeom>
+          <a:noFill/>
+          <a:ln w="12700">
+            <a:solidFill>
+              <a:prstClr val="black"/>
+            </a:solidFill>
+          </a:ln>
+        </p:spPr>
+        <p:txBody>
+          <a:bodyPr vert="horz" lIns="91440" tIns="45720" rIns="91440" bIns="45720" rtlCol="0" anchor="ctr"/>
+          <a:lstStyle/>
+          <a:p>
+            <a:endParaRPr lang="en-US"/>
+          </a:p>
+        </p:txBody>
+      </p:sp>
+      <p:sp>
+        <p:nvSpPr>
+          <p:cNvPr id="5" name="Notes Placeholder 4"/>
+          <p:cNvSpPr>
+            <a:spLocks noGrp="1"/>
+          </p:cNvSpPr>
+          <p:nvPr>
+            <p:ph type="body" sz="quarter" idx="3"/>
+          </p:nvPr>
+        </p:nvSpPr>
+        <p:spPr>
+          <a:xfrm>
+            <a:off x="685800" y="4400550"/>
+            <a:ext cx="5486400" cy="3600450"/>
+          </a:xfrm>
+          <a:prstGeom prst="rect">
+            <a:avLst/>
+          </a:prstGeom>
+        </p:spPr>
+        <p:txBody>
+          <a:bodyPr vert="horz" lIns="91440" tIns="45720" rIns="91440" bIns="45720" rtlCol="0"/>
+          <a:lstStyle/>
+          <a:p>
+            <a:pPr lvl="0"/>
+            <a:r>
+              <a:rPr lang="en-US" smtClean="0"/>
+              <a:t>Click to edit Master text styles</a:t>
+            </a:r>
+          </a:p>
+          <a:p>
+            <a:pPr lvl="1"/>
+            <a:r>
+              <a:rPr lang="en-US" smtClean="0"/>
+              <a:t>Second level</a:t>
+            </a:r>
+          </a:p>
+          <a:p>
+            <a:pPr lvl="2"/>
+            <a:r>
+              <a:rPr lang="en-US" smtClean="0"/>
+              <a:t>Third level</a:t>
+            </a:r>
+          </a:p>
+          <a:p>
+            <a:pPr lvl="3"/>
+            <a:r>
+              <a:rPr lang="en-US" smtClean="0"/>
+              <a:t>Fourth level</a:t>
+            </a:r>
+          </a:p>
+          <a:p>
+            <a:pPr lvl="4"/>
+            <a:r>
+              <a:rPr lang="en-US" smtClean="0"/>
+              <a:t>Fifth level</a:t>
+            </a:r>
+            <a:endParaRPr lang="en-US"/>
+          </a:p>
+        </p:txBody>
+      </p:sp>
+      <p:sp>
+        <p:nvSpPr>
+          <p:cNvPr id="6" name="Footer Placeholder 5"/>
+          <p:cNvSpPr>
+            <a:spLocks noGrp="1"/>
+          </p:cNvSpPr>
+          <p:nvPr>
+            <p:ph type="ftr" sz="quarter" idx="4"/>
+          </p:nvPr>
+        </p:nvSpPr>
+        <p:spPr>
+          <a:xfrm>
+            <a:off x="0" y="8685213"/>
+            <a:ext cx="2971800" cy="458787"/>
+          </a:xfrm>
+          <a:prstGeom prst="rect">
+            <a:avLst/>
+          </a:prstGeom>
+        </p:spPr>
+        <p:txBody>
+          <a:bodyPr vert="horz" lIns="91440" tIns="45720" rIns="91440" bIns="45720" rtlCol="0" anchor="b"/>
+          <a:lstStyle>
+            <a:lvl1pPr algn="l">
+              <a:defRPr sz="1200"/>
+            </a:lvl1pPr>
+          </a:lstStyle>
+          <a:p>
+            <a:endParaRPr lang="en-US"/>
+          </a:p>
+        </p:txBody>
+      </p:sp>
+      <p:sp>
+        <p:nvSpPr>
+          <p:cNvPr id="7" name="Slide Number Placeholder 6"/>
+          <p:cNvSpPr>
+            <a:spLocks noGrp="1"/>
+          </p:cNvSpPr>
+          <p:nvPr>
+            <p:ph type="sldNum" sz="quarter" idx="5"/>
+          </p:nvPr>
+        </p:nvSpPr>
+        <p:spPr>
+          <a:xfrm>
+            <a:off x="3884613" y="8685213"/>
+            <a:ext cx="2971800" cy="458787"/>
+          </a:xfrm>
+          <a:prstGeom prst="rect">
+            <a:avLst/>
+          </a:prstGeom>
+        </p:spPr>
+        <p:txBody>
+          <a:bodyPr vert="horz" lIns="91440" tIns="45720" rIns="91440" bIns="45720" rtlCol="0" anchor="b"/>
+          <a:lstStyle>
+            <a:lvl1pPr algn="r">
+              <a:defRPr sz="1200"/>
+            </a:lvl1pPr>
+          </a:lstStyle>
+          <a:p>
+            <a:fld id="{6A27897D-5EE2-B14B-BA91-F964A1DD0C81}" type="slidenum">
+              <a:rPr lang="en-US" smtClean="0"/>
+              <a:t>‹#›</a:t>
+            </a:fld>
+            <a:endParaRPr lang="en-US"/>
+          </a:p>
+        </p:txBody>
+      </p:sp>
+    </p:spTree>
+    <p:extLst>
+      <p:ext uri="{BB962C8B-B14F-4D97-AF65-F5344CB8AC3E}">
+        <p14:creationId xmlns:p14="http://schemas.microsoft.com/office/powerpoint/2010/main" val="1722930348"/>
+      </p:ext>
+    </p:extLst>
+  </p:cSld>
+  <p:clrMap bg1="lt1" tx1="dk1" bg2="lt2" tx2="dk2" accent1="accent1" accent2="accent2" accent3="accent3" accent4="accent4" accent5="accent5" accent6="accent6" hlink="hlink" folHlink="folHlink"/>
+  <p:notesStyle>
+    <a:lvl1pPr marL="0" algn="l" defTabSz="914400" rtl="0" eaLnBrk="1" latinLnBrk="0" hangingPunct="1">
+      <a:defRPr sz="1200" kern="1200">
+        <a:solidFill>
+          <a:schemeClr val="tx1"/>
+        </a:solidFill>
+        <a:latin typeface="+mn-lt"/>
+        <a:ea typeface="+mn-ea"/>
+        <a:cs typeface="+mn-cs"/>
+      </a:defRPr>
+    </a:lvl1pPr>
+    <a:lvl2pPr marL="457200" algn="l" defTabSz="914400" rtl="0" eaLnBrk="1" latinLnBrk="0" hangingPunct="1">
+      <a:defRPr sz="1200" kern="1200">
+        <a:solidFill>
+          <a:schemeClr val="tx1"/>
+        </a:solidFill>
+        <a:latin typeface="+mn-lt"/>
+        <a:ea typeface="+mn-ea"/>
+        <a:cs typeface="+mn-cs"/>
+      </a:defRPr>
+    </a:lvl2pPr>
+    <a:lvl3pPr marL="914400" algn="l" defTabSz="914400" rtl="0" eaLnBrk="1" latinLnBrk="0" hangingPunct="1">
+      <a:defRPr sz="1200" kern="1200">
+        <a:solidFill>
+          <a:schemeClr val="tx1"/>
+        </a:solidFill>
+        <a:latin typeface="+mn-lt"/>
+        <a:ea typeface="+mn-ea"/>
+        <a:cs typeface="+mn-cs"/>
+      </a:defRPr>
+    </a:lvl3pPr>
+    <a:lvl4pPr marL="1371600" algn="l" defTabSz="914400" rtl="0" eaLnBrk="1" latinLnBrk="0" hangingPunct="1">
+      <a:defRPr sz="1200" kern="1200">
+        <a:solidFill>
+          <a:schemeClr val="tx1"/>
+        </a:solidFill>
+        <a:latin typeface="+mn-lt"/>
+        <a:ea typeface="+mn-ea"/>
+        <a:cs typeface="+mn-cs"/>
+      </a:defRPr>
+    </a:lvl4pPr>
+    <a:lvl5pPr marL="1828800" algn="l" defTabSz="914400" rtl="0" eaLnBrk="1" latinLnBrk="0" hangingPunct="1">
+      <a:defRPr sz="1200" kern="1200">
+        <a:solidFill>
+          <a:schemeClr val="tx1"/>
+        </a:solidFill>
+        <a:latin typeface="+mn-lt"/>
+        <a:ea typeface="+mn-ea"/>
+        <a:cs typeface="+mn-cs"/>
+      </a:defRPr>
+    </a:lvl5pPr>
+    <a:lvl6pPr marL="2286000" algn="l" defTabSz="914400" rtl="0" eaLnBrk="1" latinLnBrk="0" hangingPunct="1">
+      <a:defRPr sz="1200" kern="1200">
+        <a:solidFill>
+          <a:schemeClr val="tx1"/>
+        </a:solidFill>
+        <a:latin typeface="+mn-lt"/>
+        <a:ea typeface="+mn-ea"/>
+        <a:cs typeface="+mn-cs"/>
+      </a:defRPr>
+    </a:lvl6pPr>
+    <a:lvl7pPr marL="2743200" algn="l" defTabSz="914400" rtl="0" eaLnBrk="1" latinLnBrk="0" hangingPunct="1">
+      <a:defRPr sz="1200" kern="1200">
+        <a:solidFill>
+          <a:schemeClr val="tx1"/>
+        </a:solidFill>
+        <a:latin typeface="+mn-lt"/>
+        <a:ea typeface="+mn-ea"/>
+        <a:cs typeface="+mn-cs"/>
+      </a:defRPr>
+    </a:lvl7pPr>
+    <a:lvl8pPr marL="3200400" algn="l" defTabSz="914400" rtl="0" eaLnBrk="1" latinLnBrk="0" hangingPunct="1">
+      <a:defRPr sz="1200" kern="1200">
+        <a:solidFill>
+          <a:schemeClr val="tx1"/>
+        </a:solidFill>
+        <a:latin typeface="+mn-lt"/>
+        <a:ea typeface="+mn-ea"/>
+        <a:cs typeface="+mn-cs"/>
+      </a:defRPr>
+    </a:lvl8pPr>
+    <a:lvl9pPr marL="3657600" algn="l" defTabSz="914400" rtl="0" eaLnBrk="1" latinLnBrk="0" hangingPunct="1">
+      <a:defRPr sz="1200" kern="1200">
+        <a:solidFill>
+          <a:schemeClr val="tx1"/>
+        </a:solidFill>
+        <a:latin typeface="+mn-lt"/>
+        <a:ea typeface="+mn-ea"/>
+        <a:cs typeface="+mn-cs"/>
+      </a:defRPr>
+    </a:lvl9pPr>
+  </p:notesStyle>
+</p:notesMaster>
 </file>
 
 <file path=ppt/slideLayouts/slideLayout1.xml><?xml version="1.0" encoding="utf-8"?>
@@ -250,7 +633,7 @@
           <a:p>
             <a:fld id="{8E95A903-5B18-354A-9EB7-09131C6D77BE}" type="datetimeFigureOut">
               <a:rPr lang="en-US" smtClean="0"/>
-              <a:t>9/22/17</a:t>
+              <a:t>9/24/17</a:t>
             </a:fld>
             <a:endParaRPr lang="en-US"/>
           </a:p>
@@ -420,7 +803,7 @@
           <a:p>
             <a:fld id="{8E95A903-5B18-354A-9EB7-09131C6D77BE}" type="datetimeFigureOut">
               <a:rPr lang="en-US" smtClean="0"/>
-              <a:t>9/22/17</a:t>
+              <a:t>9/24/17</a:t>
             </a:fld>
             <a:endParaRPr lang="en-US"/>
           </a:p>
@@ -600,7 +983,7 @@
           <a:p>
             <a:fld id="{8E95A903-5B18-354A-9EB7-09131C6D77BE}" type="datetimeFigureOut">
               <a:rPr lang="en-US" smtClean="0"/>
-              <a:t>9/22/17</a:t>
+              <a:t>9/24/17</a:t>
             </a:fld>
             <a:endParaRPr lang="en-US"/>
           </a:p>
@@ -770,7 +1153,7 @@
           <a:p>
             <a:fld id="{8E95A903-5B18-354A-9EB7-09131C6D77BE}" type="datetimeFigureOut">
               <a:rPr lang="en-US" smtClean="0"/>
-              <a:t>9/22/17</a:t>
+              <a:t>9/24/17</a:t>
             </a:fld>
             <a:endParaRPr lang="en-US"/>
           </a:p>
@@ -1016,7 +1399,7 @@
           <a:p>
             <a:fld id="{8E95A903-5B18-354A-9EB7-09131C6D77BE}" type="datetimeFigureOut">
               <a:rPr lang="en-US" smtClean="0"/>
-              <a:t>9/22/17</a:t>
+              <a:t>9/24/17</a:t>
             </a:fld>
             <a:endParaRPr lang="en-US"/>
           </a:p>
@@ -1248,7 +1631,7 @@
           <a:p>
             <a:fld id="{8E95A903-5B18-354A-9EB7-09131C6D77BE}" type="datetimeFigureOut">
               <a:rPr lang="en-US" smtClean="0"/>
-              <a:t>9/22/17</a:t>
+              <a:t>9/24/17</a:t>
             </a:fld>
             <a:endParaRPr lang="en-US"/>
           </a:p>
@@ -1615,7 +1998,7 @@
           <a:p>
             <a:fld id="{8E95A903-5B18-354A-9EB7-09131C6D77BE}" type="datetimeFigureOut">
               <a:rPr lang="en-US" smtClean="0"/>
-              <a:t>9/22/17</a:t>
+              <a:t>9/24/17</a:t>
             </a:fld>
             <a:endParaRPr lang="en-US"/>
           </a:p>
@@ -1733,7 +2116,7 @@
           <a:p>
             <a:fld id="{8E95A903-5B18-354A-9EB7-09131C6D77BE}" type="datetimeFigureOut">
               <a:rPr lang="en-US" smtClean="0"/>
-              <a:t>9/22/17</a:t>
+              <a:t>9/24/17</a:t>
             </a:fld>
             <a:endParaRPr lang="en-US"/>
           </a:p>
@@ -1828,7 +2211,7 @@
           <a:p>
             <a:fld id="{8E95A903-5B18-354A-9EB7-09131C6D77BE}" type="datetimeFigureOut">
               <a:rPr lang="en-US" smtClean="0"/>
-              <a:t>9/22/17</a:t>
+              <a:t>9/24/17</a:t>
             </a:fld>
             <a:endParaRPr lang="en-US"/>
           </a:p>
@@ -2105,7 +2488,7 @@
           <a:p>
             <a:fld id="{8E95A903-5B18-354A-9EB7-09131C6D77BE}" type="datetimeFigureOut">
               <a:rPr lang="en-US" smtClean="0"/>
-              <a:t>9/22/17</a:t>
+              <a:t>9/24/17</a:t>
             </a:fld>
             <a:endParaRPr lang="en-US"/>
           </a:p>
@@ -2358,7 +2741,7 @@
           <a:p>
             <a:fld id="{8E95A903-5B18-354A-9EB7-09131C6D77BE}" type="datetimeFigureOut">
               <a:rPr lang="en-US" smtClean="0"/>
-              <a:t>9/22/17</a:t>
+              <a:t>9/24/17</a:t>
             </a:fld>
             <a:endParaRPr lang="en-US"/>
           </a:p>
@@ -2571,7 +2954,7 @@
           <a:p>
             <a:fld id="{8E95A903-5B18-354A-9EB7-09131C6D77BE}" type="datetimeFigureOut">
               <a:rPr lang="en-US" smtClean="0"/>
-              <a:t>9/22/17</a:t>
+              <a:t>9/24/17</a:t>
             </a:fld>
             <a:endParaRPr lang="en-US"/>
           </a:p>
@@ -3052,6 +3435,999 @@
     <p:extLst>
       <p:ext uri="{BB962C8B-B14F-4D97-AF65-F5344CB8AC3E}">
         <p14:creationId xmlns:p14="http://schemas.microsoft.com/office/powerpoint/2010/main" val="429655201"/>
+      </p:ext>
+    </p:extLst>
+  </p:cSld>
+  <p:clrMapOvr>
+    <a:masterClrMapping/>
+  </p:clrMapOvr>
+</p:sld>
+</file>
+
+<file path=ppt/slides/slide10.xml><?xml version="1.0" encoding="utf-8"?>
+<p:sld xmlns:a="http://schemas.openxmlformats.org/drawingml/2006/main" xmlns:r="http://schemas.openxmlformats.org/officeDocument/2006/relationships" xmlns:p="http://schemas.openxmlformats.org/presentationml/2006/main">
+  <p:cSld>
+    <p:spTree>
+      <p:nvGrpSpPr>
+        <p:cNvPr id="1" name=""/>
+        <p:cNvGrpSpPr/>
+        <p:nvPr/>
+      </p:nvGrpSpPr>
+      <p:grpSpPr>
+        <a:xfrm>
+          <a:off x="0" y="0"/>
+          <a:ext cx="0" cy="0"/>
+          <a:chOff x="0" y="0"/>
+          <a:chExt cx="0" cy="0"/>
+        </a:xfrm>
+      </p:grpSpPr>
+      <p:sp>
+        <p:nvSpPr>
+          <p:cNvPr id="2" name="Title 1"/>
+          <p:cNvSpPr>
+            <a:spLocks noGrp="1"/>
+          </p:cNvSpPr>
+          <p:nvPr>
+            <p:ph type="title"/>
+          </p:nvPr>
+        </p:nvSpPr>
+        <p:spPr/>
+        <p:txBody>
+          <a:bodyPr/>
+          <a:lstStyle/>
+          <a:p>
+            <a:endParaRPr lang="en-US"/>
+          </a:p>
+        </p:txBody>
+      </p:sp>
+      <p:sp>
+        <p:nvSpPr>
+          <p:cNvPr id="3" name="Content Placeholder 2"/>
+          <p:cNvSpPr>
+            <a:spLocks noGrp="1"/>
+          </p:cNvSpPr>
+          <p:nvPr>
+            <p:ph idx="1"/>
+          </p:nvPr>
+        </p:nvSpPr>
+        <p:spPr/>
+        <p:txBody>
+          <a:bodyPr>
+            <a:normAutofit fontScale="25000" lnSpcReduction="20000"/>
+          </a:bodyPr>
+          <a:lstStyle/>
+          <a:p>
+            <a:pPr fontAlgn="base"/>
+            <a:r>
+              <a:rPr lang="en-US" b="1" dirty="0"/>
+              <a:t>Logistic Regression</a:t>
+            </a:r>
+            <a:r>
+              <a:rPr lang="en-US" dirty="0"/>
+              <a:t>: Logistic regression is a powerful statistical way of modeling a binomial outcome with one or more explanatory variables. It measures the relationship between the categorical dependent variable and one or more independent variables by estimating probabilities using a logistic function, which is the cumulative logistic distribution.</a:t>
+            </a:r>
+          </a:p>
+          <a:p>
+            <a:pPr fontAlgn="base"/>
+            <a:r>
+              <a:rPr lang="en-US" dirty="0"/>
+              <a:t>In general, regressions can be used in real-world applications such as:</a:t>
+            </a:r>
+          </a:p>
+          <a:p>
+            <a:pPr fontAlgn="base"/>
+            <a:r>
+              <a:rPr lang="en-US" dirty="0"/>
+              <a:t>·        Predicting the Customer Churn</a:t>
+            </a:r>
+          </a:p>
+          <a:p>
+            <a:pPr fontAlgn="base"/>
+            <a:r>
+              <a:rPr lang="en-US" dirty="0"/>
+              <a:t>·        Credit Scoring &amp; Fraud Detection</a:t>
+            </a:r>
+          </a:p>
+          <a:p>
+            <a:pPr fontAlgn="base"/>
+            <a:r>
+              <a:rPr lang="en-US" dirty="0"/>
+              <a:t>·        Measuring the effectiveness of marketing campaigns</a:t>
+            </a:r>
+          </a:p>
+          <a:p>
+            <a:pPr fontAlgn="base"/>
+            <a:r>
+              <a:rPr lang="en-US" b="1" dirty="0"/>
+              <a:t> </a:t>
+            </a:r>
+            <a:endParaRPr lang="en-US" dirty="0"/>
+          </a:p>
+          <a:p>
+            <a:pPr fontAlgn="base"/>
+            <a:r>
+              <a:rPr lang="en-US" b="1" dirty="0"/>
+              <a:t>Support Vector Machines</a:t>
+            </a:r>
+            <a:r>
+              <a:rPr lang="en-US" dirty="0"/>
+              <a:t>: Support Vector Machine (SVM) is a supervised machine learning technique that is widely used in pattern recognition and classification problems - when your data has exactly two classes.</a:t>
+            </a:r>
+          </a:p>
+          <a:p>
+            <a:pPr fontAlgn="base"/>
+            <a:r>
+              <a:rPr lang="en-US" dirty="0"/>
+              <a:t>In general, SVM can be used in real-world applications such as:</a:t>
+            </a:r>
+          </a:p>
+          <a:p>
+            <a:pPr fontAlgn="base"/>
+            <a:r>
+              <a:rPr lang="en-US" dirty="0"/>
+              <a:t>·        detecting persons with common diseases such as diabetes</a:t>
+            </a:r>
+          </a:p>
+          <a:p>
+            <a:pPr fontAlgn="base"/>
+            <a:r>
+              <a:rPr lang="en-US" dirty="0"/>
+              <a:t>·        hand-written character recognition</a:t>
+            </a:r>
+          </a:p>
+          <a:p>
+            <a:pPr fontAlgn="base"/>
+            <a:r>
+              <a:rPr lang="en-US" dirty="0"/>
+              <a:t>·        text categorization – news articles by topics</a:t>
+            </a:r>
+          </a:p>
+          <a:p>
+            <a:pPr fontAlgn="base"/>
+            <a:r>
+              <a:rPr lang="en-US" dirty="0"/>
+              <a:t>·        stock market price prediction</a:t>
+            </a:r>
+          </a:p>
+          <a:p>
+            <a:pPr fontAlgn="base"/>
+            <a:r>
+              <a:rPr lang="en-US" b="1" dirty="0"/>
+              <a:t> </a:t>
+            </a:r>
+            <a:endParaRPr lang="en-US" dirty="0"/>
+          </a:p>
+          <a:p>
+            <a:pPr fontAlgn="base"/>
+            <a:r>
+              <a:rPr lang="en-US" b="1" dirty="0"/>
+              <a:t>Naive Bayes</a:t>
+            </a:r>
+            <a:r>
+              <a:rPr lang="en-US" dirty="0"/>
+              <a:t>: It is a classification technique based on Bayes’ theorem and very easy to build and particularly useful for very large data sets. Along with simplicity, Naive Bayes is known to outperform even highly sophisticated classification methods. Naive Bayes is also a good choice when CPU and memory resources are a limiting factor</a:t>
+            </a:r>
+          </a:p>
+          <a:p>
+            <a:pPr fontAlgn="base"/>
+            <a:r>
+              <a:rPr lang="en-US" dirty="0"/>
+              <a:t>In general, Naive Bayes can be used in real-world applications such as:</a:t>
+            </a:r>
+          </a:p>
+          <a:p>
+            <a:pPr fontAlgn="base"/>
+            <a:r>
+              <a:rPr lang="en-US" dirty="0"/>
+              <a:t>·        Sentiment analysis and text classification</a:t>
+            </a:r>
+          </a:p>
+          <a:p>
+            <a:pPr fontAlgn="base"/>
+            <a:r>
+              <a:rPr lang="en-US" dirty="0"/>
+              <a:t>·        Recommendation systems like Netflix, Amazon</a:t>
+            </a:r>
+          </a:p>
+          <a:p>
+            <a:pPr fontAlgn="base"/>
+            <a:r>
+              <a:rPr lang="en-US" dirty="0"/>
+              <a:t>·        To mark an email as spam or not spam</a:t>
+            </a:r>
+          </a:p>
+          <a:p>
+            <a:pPr fontAlgn="base"/>
+            <a:r>
+              <a:rPr lang="en-US" dirty="0"/>
+              <a:t>·        Facebook like face recognition</a:t>
+            </a:r>
+          </a:p>
+        </p:txBody>
+      </p:sp>
+    </p:spTree>
+    <p:extLst>
+      <p:ext uri="{BB962C8B-B14F-4D97-AF65-F5344CB8AC3E}">
+        <p14:creationId xmlns:p14="http://schemas.microsoft.com/office/powerpoint/2010/main" val="68059916"/>
+      </p:ext>
+    </p:extLst>
+  </p:cSld>
+  <p:clrMapOvr>
+    <a:masterClrMapping/>
+  </p:clrMapOvr>
+</p:sld>
+</file>
+
+<file path=ppt/slides/slide11.xml><?xml version="1.0" encoding="utf-8"?>
+<p:sld xmlns:a="http://schemas.openxmlformats.org/drawingml/2006/main" xmlns:r="http://schemas.openxmlformats.org/officeDocument/2006/relationships" xmlns:p="http://schemas.openxmlformats.org/presentationml/2006/main">
+  <p:cSld>
+    <p:spTree>
+      <p:nvGrpSpPr>
+        <p:cNvPr id="1" name=""/>
+        <p:cNvGrpSpPr/>
+        <p:nvPr/>
+      </p:nvGrpSpPr>
+      <p:grpSpPr>
+        <a:xfrm>
+          <a:off x="0" y="0"/>
+          <a:ext cx="0" cy="0"/>
+          <a:chOff x="0" y="0"/>
+          <a:chExt cx="0" cy="0"/>
+        </a:xfrm>
+      </p:grpSpPr>
+      <p:sp>
+        <p:nvSpPr>
+          <p:cNvPr id="2" name="Title 1"/>
+          <p:cNvSpPr>
+            <a:spLocks noGrp="1"/>
+          </p:cNvSpPr>
+          <p:nvPr>
+            <p:ph type="title"/>
+          </p:nvPr>
+        </p:nvSpPr>
+        <p:spPr/>
+        <p:txBody>
+          <a:bodyPr/>
+          <a:lstStyle/>
+          <a:p>
+            <a:endParaRPr lang="en-US"/>
+          </a:p>
+        </p:txBody>
+      </p:sp>
+      <p:sp>
+        <p:nvSpPr>
+          <p:cNvPr id="3" name="Content Placeholder 2"/>
+          <p:cNvSpPr>
+            <a:spLocks noGrp="1"/>
+          </p:cNvSpPr>
+          <p:nvPr>
+            <p:ph idx="1"/>
+          </p:nvPr>
+        </p:nvSpPr>
+        <p:spPr/>
+        <p:txBody>
+          <a:bodyPr/>
+          <a:lstStyle/>
+          <a:p>
+            <a:r>
+              <a:rPr lang="en-US" i="1" dirty="0"/>
+              <a:t># either only keep the values that are there or fill in the blanks?</a:t>
+            </a:r>
+            <a:br>
+              <a:rPr lang="en-US" i="1" dirty="0"/>
+            </a:br>
+            <a:r>
+              <a:rPr lang="en-US" i="1" dirty="0"/>
+              <a:t># missing BLAST values - there was no alignment</a:t>
+            </a:r>
+            <a:br>
+              <a:rPr lang="en-US" i="1" dirty="0"/>
+            </a:br>
+            <a:r>
+              <a:rPr lang="en-US" i="1" dirty="0"/>
+              <a:t># </a:t>
+            </a:r>
+            <a:r>
+              <a:rPr lang="en-US" i="1" dirty="0" err="1"/>
+              <a:t>pident</a:t>
+            </a:r>
+            <a:r>
+              <a:rPr lang="en-US" i="1" dirty="0"/>
+              <a:t> is 0, </a:t>
+            </a:r>
+            <a:r>
+              <a:rPr lang="en-US" i="1" dirty="0" err="1"/>
+              <a:t>bitscore</a:t>
+            </a:r>
+            <a:r>
+              <a:rPr lang="en-US" i="1" dirty="0"/>
+              <a:t> is 0, </a:t>
+            </a:r>
+            <a:r>
+              <a:rPr lang="en-US" i="1" dirty="0" err="1"/>
+              <a:t>sstart</a:t>
+            </a:r>
+            <a:r>
+              <a:rPr lang="en-US" i="1" dirty="0"/>
+              <a:t> is ? -- remove this column?</a:t>
+            </a:r>
+            <a:br>
+              <a:rPr lang="en-US" i="1" dirty="0"/>
+            </a:br>
+            <a:r>
+              <a:rPr lang="en-US" i="1" dirty="0"/>
+              <a:t># missing HMM </a:t>
+            </a:r>
+            <a:r>
+              <a:rPr lang="en-US" i="1" dirty="0" err="1"/>
+              <a:t>alignemnts</a:t>
+            </a:r>
+            <a:r>
+              <a:rPr lang="en-US" i="1" dirty="0"/>
+              <a:t/>
+            </a:r>
+            <a:br>
+              <a:rPr lang="en-US" i="1" dirty="0"/>
+            </a:br>
+            <a:r>
+              <a:rPr lang="en-US" i="1" dirty="0"/>
+              <a:t># score is 0, </a:t>
+            </a:r>
+            <a:r>
+              <a:rPr lang="en-US" i="1" dirty="0" err="1"/>
+              <a:t>hf</a:t>
+            </a:r>
+            <a:r>
+              <a:rPr lang="en-US" i="1" dirty="0"/>
+              <a:t> is high</a:t>
+            </a:r>
+            <a:br>
+              <a:rPr lang="en-US" i="1" dirty="0"/>
+            </a:br>
+            <a:endParaRPr lang="en-US" dirty="0"/>
+          </a:p>
+        </p:txBody>
+      </p:sp>
+    </p:spTree>
+    <p:extLst>
+      <p:ext uri="{BB962C8B-B14F-4D97-AF65-F5344CB8AC3E}">
+        <p14:creationId xmlns:p14="http://schemas.microsoft.com/office/powerpoint/2010/main" val="2122741427"/>
+      </p:ext>
+    </p:extLst>
+  </p:cSld>
+  <p:clrMapOvr>
+    <a:masterClrMapping/>
+  </p:clrMapOvr>
+</p:sld>
+</file>
+
+<file path=ppt/slides/slide12.xml><?xml version="1.0" encoding="utf-8"?>
+<p:sld xmlns:a="http://schemas.openxmlformats.org/drawingml/2006/main" xmlns:r="http://schemas.openxmlformats.org/officeDocument/2006/relationships" xmlns:p="http://schemas.openxmlformats.org/presentationml/2006/main">
+  <p:cSld>
+    <p:spTree>
+      <p:nvGrpSpPr>
+        <p:cNvPr id="1" name=""/>
+        <p:cNvGrpSpPr/>
+        <p:nvPr/>
+      </p:nvGrpSpPr>
+      <p:grpSpPr>
+        <a:xfrm>
+          <a:off x="0" y="0"/>
+          <a:ext cx="0" cy="0"/>
+          <a:chOff x="0" y="0"/>
+          <a:chExt cx="0" cy="0"/>
+        </a:xfrm>
+      </p:grpSpPr>
+      <p:sp>
+        <p:nvSpPr>
+          <p:cNvPr id="2" name="Title 1"/>
+          <p:cNvSpPr>
+            <a:spLocks noGrp="1"/>
+          </p:cNvSpPr>
+          <p:nvPr>
+            <p:ph type="title"/>
+          </p:nvPr>
+        </p:nvSpPr>
+        <p:spPr/>
+        <p:txBody>
+          <a:bodyPr/>
+          <a:lstStyle/>
+          <a:p>
+            <a:r>
+              <a:rPr lang="en-US" dirty="0" smtClean="0"/>
+              <a:t>Cross validation</a:t>
+            </a:r>
+            <a:endParaRPr lang="en-US" dirty="0"/>
+          </a:p>
+        </p:txBody>
+      </p:sp>
+      <p:sp>
+        <p:nvSpPr>
+          <p:cNvPr id="3" name="Content Placeholder 2"/>
+          <p:cNvSpPr>
+            <a:spLocks noGrp="1"/>
+          </p:cNvSpPr>
+          <p:nvPr>
+            <p:ph idx="1"/>
+          </p:nvPr>
+        </p:nvSpPr>
+        <p:spPr/>
+        <p:txBody>
+          <a:bodyPr/>
+          <a:lstStyle/>
+          <a:p>
+            <a:r>
+              <a:rPr lang="en-US" i="1" dirty="0"/>
+              <a:t># We are using the metric of ‘accuracy‘ to evaluate models. This is a ratio of the number of correctly predicted</a:t>
+            </a:r>
+            <a:br>
+              <a:rPr lang="en-US" i="1" dirty="0"/>
+            </a:br>
+            <a:r>
+              <a:rPr lang="en-US" i="1" dirty="0"/>
+              <a:t># instances in divided by the total number of instances in the dataset multiplied by 100 to give a percentage</a:t>
+            </a:r>
+            <a:br>
+              <a:rPr lang="en-US" i="1" dirty="0"/>
+            </a:br>
+            <a:r>
+              <a:rPr lang="en-US" i="1" dirty="0"/>
+              <a:t># (e.g. 95% accurate). We will be using the scoring variable when we run build and evaluate each model next.</a:t>
+            </a:r>
+            <a:endParaRPr lang="en-US" dirty="0"/>
+          </a:p>
+        </p:txBody>
+      </p:sp>
+    </p:spTree>
+    <p:extLst>
+      <p:ext uri="{BB962C8B-B14F-4D97-AF65-F5344CB8AC3E}">
+        <p14:creationId xmlns:p14="http://schemas.microsoft.com/office/powerpoint/2010/main" val="1206999701"/>
+      </p:ext>
+    </p:extLst>
+  </p:cSld>
+  <p:clrMapOvr>
+    <a:masterClrMapping/>
+  </p:clrMapOvr>
+</p:sld>
+</file>
+
+<file path=ppt/slides/slide13.xml><?xml version="1.0" encoding="utf-8"?>
+<p:sld xmlns:a="http://schemas.openxmlformats.org/drawingml/2006/main" xmlns:r="http://schemas.openxmlformats.org/officeDocument/2006/relationships" xmlns:p="http://schemas.openxmlformats.org/presentationml/2006/main">
+  <p:cSld>
+    <p:spTree>
+      <p:nvGrpSpPr>
+        <p:cNvPr id="1" name=""/>
+        <p:cNvGrpSpPr/>
+        <p:nvPr/>
+      </p:nvGrpSpPr>
+      <p:grpSpPr>
+        <a:xfrm>
+          <a:off x="0" y="0"/>
+          <a:ext cx="0" cy="0"/>
+          <a:chOff x="0" y="0"/>
+          <a:chExt cx="0" cy="0"/>
+        </a:xfrm>
+      </p:grpSpPr>
+      <p:sp>
+        <p:nvSpPr>
+          <p:cNvPr id="2" name="Title 1"/>
+          <p:cNvSpPr>
+            <a:spLocks noGrp="1"/>
+          </p:cNvSpPr>
+          <p:nvPr>
+            <p:ph type="title"/>
+          </p:nvPr>
+        </p:nvSpPr>
+        <p:spPr/>
+        <p:txBody>
+          <a:bodyPr/>
+          <a:lstStyle/>
+          <a:p>
+            <a:r>
+              <a:rPr lang="en-US" dirty="0" smtClean="0"/>
+              <a:t>Logistic regression</a:t>
+            </a:r>
+            <a:endParaRPr lang="en-US" dirty="0"/>
+          </a:p>
+        </p:txBody>
+      </p:sp>
+      <p:sp>
+        <p:nvSpPr>
+          <p:cNvPr id="3" name="Content Placeholder 2"/>
+          <p:cNvSpPr>
+            <a:spLocks noGrp="1"/>
+          </p:cNvSpPr>
+          <p:nvPr>
+            <p:ph idx="1"/>
+          </p:nvPr>
+        </p:nvSpPr>
+        <p:spPr/>
+        <p:txBody>
+          <a:bodyPr>
+            <a:normAutofit fontScale="77500" lnSpcReduction="20000"/>
+          </a:bodyPr>
+          <a:lstStyle/>
+          <a:p>
+            <a:pPr fontAlgn="base"/>
+            <a:r>
+              <a:rPr lang="en-US" dirty="0"/>
+              <a:t>Linear regression is an approach for modeling the relationship between a continuous dependent variable </a:t>
+            </a:r>
+            <a:r>
+              <a:rPr lang="en-US" dirty="0" err="1"/>
+              <a:t>yy</a:t>
+            </a:r>
+            <a:r>
+              <a:rPr lang="en-US" dirty="0"/>
+              <a:t> and one or more predictors XX. The relationship between </a:t>
+            </a:r>
+            <a:r>
+              <a:rPr lang="en-US" dirty="0" err="1"/>
+              <a:t>yyand</a:t>
+            </a:r>
+            <a:r>
+              <a:rPr lang="en-US" dirty="0"/>
+              <a:t> XX can be linearly modeled as y=βTX+ϵy=βTX+ϵ Given the training examples {</a:t>
+            </a:r>
+            <a:r>
+              <a:rPr lang="en-US" dirty="0" err="1"/>
+              <a:t>xi,yi</a:t>
+            </a:r>
+            <a:r>
+              <a:rPr lang="en-US" dirty="0"/>
+              <a:t>}Ni=1{</a:t>
+            </a:r>
+            <a:r>
+              <a:rPr lang="en-US" dirty="0" err="1"/>
+              <a:t>xi,yi</a:t>
+            </a:r>
+            <a:r>
+              <a:rPr lang="en-US" dirty="0"/>
+              <a:t>}</a:t>
+            </a:r>
+            <a:r>
+              <a:rPr lang="en-US" dirty="0" err="1"/>
+              <a:t>i</a:t>
+            </a:r>
+            <a:r>
+              <a:rPr lang="en-US" dirty="0"/>
+              <a:t>=1N, the parameter vector ββ can be learnt.</a:t>
+            </a:r>
+          </a:p>
+          <a:p>
+            <a:pPr fontAlgn="base"/>
+            <a:r>
+              <a:rPr lang="en-US" dirty="0"/>
+              <a:t>If the dependent variable is not continuous but categorical, linear regression can be transformed to logistic regression using a logit link function. Logistic regression is a simple, fast yet powerful classification algorithm. Here we discuss the binary case where the dependent variable </a:t>
+            </a:r>
+            <a:r>
+              <a:rPr lang="en-US" dirty="0" err="1"/>
+              <a:t>yy</a:t>
+            </a:r>
+            <a:r>
+              <a:rPr lang="en-US" dirty="0"/>
+              <a:t> only takes binary values {</a:t>
+            </a:r>
+            <a:r>
+              <a:rPr lang="en-US" dirty="0" err="1"/>
+              <a:t>yi</a:t>
+            </a:r>
+            <a:r>
+              <a:rPr lang="en-US" dirty="0"/>
+              <a:t>∈(−1,1)}Ni=1{</a:t>
+            </a:r>
+            <a:r>
+              <a:rPr lang="en-US" dirty="0" err="1"/>
+              <a:t>yi</a:t>
+            </a:r>
+            <a:r>
+              <a:rPr lang="en-US" dirty="0"/>
+              <a:t>∈(−1,1)}</a:t>
+            </a:r>
+            <a:r>
+              <a:rPr lang="en-US" dirty="0" err="1"/>
+              <a:t>i</a:t>
+            </a:r>
+            <a:r>
+              <a:rPr lang="en-US" dirty="0"/>
+              <a:t>=1N (it which can be easily extended to multi-class classification problems).</a:t>
+            </a:r>
+          </a:p>
+          <a:p>
+            <a:pPr fontAlgn="base"/>
+            <a:r>
+              <a:rPr lang="en-US" dirty="0"/>
+              <a:t>In logistic regression we use a different hypothesis class to try to predict the probability that a given example belongs to the "1" class versus the probability that it belongs to the "-1" class. Specifically, we will try to learn a function of the </a:t>
+            </a:r>
+            <a:r>
+              <a:rPr lang="en-US" dirty="0" err="1"/>
+              <a:t>form:p</a:t>
+            </a:r>
+            <a:r>
+              <a:rPr lang="en-US" dirty="0"/>
+              <a:t>(</a:t>
+            </a:r>
+            <a:r>
+              <a:rPr lang="en-US" dirty="0" err="1"/>
+              <a:t>yi</a:t>
+            </a:r>
+            <a:r>
+              <a:rPr lang="en-US" dirty="0"/>
+              <a:t>=1|xi)=</a:t>
+            </a:r>
+            <a:r>
+              <a:rPr lang="en-US" dirty="0" err="1"/>
+              <a:t>σ</a:t>
+            </a:r>
+            <a:r>
+              <a:rPr lang="en-US" dirty="0"/>
+              <a:t>(β</a:t>
+            </a:r>
+            <a:r>
+              <a:rPr lang="en-US" dirty="0" err="1"/>
+              <a:t>Txi</a:t>
+            </a:r>
+            <a:r>
+              <a:rPr lang="en-US" dirty="0"/>
+              <a:t>)p(</a:t>
+            </a:r>
+            <a:r>
+              <a:rPr lang="en-US" dirty="0" err="1"/>
+              <a:t>yi</a:t>
+            </a:r>
+            <a:r>
+              <a:rPr lang="en-US" dirty="0"/>
+              <a:t>=1|xi)=</a:t>
+            </a:r>
+            <a:r>
+              <a:rPr lang="en-US" dirty="0" err="1"/>
+              <a:t>σ</a:t>
+            </a:r>
+            <a:r>
+              <a:rPr lang="en-US" dirty="0"/>
+              <a:t>(β</a:t>
+            </a:r>
+            <a:r>
+              <a:rPr lang="en-US" dirty="0" err="1"/>
+              <a:t>Txi</a:t>
+            </a:r>
+            <a:r>
+              <a:rPr lang="en-US" dirty="0"/>
+              <a:t>) and p(</a:t>
+            </a:r>
+            <a:r>
+              <a:rPr lang="en-US" dirty="0" err="1"/>
+              <a:t>yi</a:t>
+            </a:r>
+            <a:r>
+              <a:rPr lang="en-US" dirty="0"/>
+              <a:t>=−1|xi)=1−σ(β</a:t>
+            </a:r>
+            <a:r>
+              <a:rPr lang="en-US" dirty="0" err="1"/>
+              <a:t>Txi</a:t>
+            </a:r>
+            <a:r>
+              <a:rPr lang="en-US" dirty="0"/>
+              <a:t>)p(</a:t>
+            </a:r>
+            <a:r>
+              <a:rPr lang="en-US" dirty="0" err="1"/>
+              <a:t>yi</a:t>
+            </a:r>
+            <a:r>
+              <a:rPr lang="en-US" dirty="0"/>
+              <a:t>=−1|xi)=1−σ(β</a:t>
+            </a:r>
+            <a:r>
+              <a:rPr lang="en-US" dirty="0" err="1"/>
+              <a:t>Txi</a:t>
+            </a:r>
+            <a:r>
+              <a:rPr lang="en-US" dirty="0"/>
+              <a:t>). Here </a:t>
+            </a:r>
+            <a:r>
+              <a:rPr lang="en-US" dirty="0" err="1"/>
+              <a:t>σ</a:t>
+            </a:r>
+            <a:r>
+              <a:rPr lang="en-US" dirty="0"/>
+              <a:t>(x)=11+exp(−x)</a:t>
+            </a:r>
+            <a:r>
+              <a:rPr lang="en-US" dirty="0" err="1"/>
+              <a:t>σ</a:t>
+            </a:r>
+            <a:r>
+              <a:rPr lang="en-US" dirty="0"/>
+              <a:t>(x)=11+exp(−x) is a sigmoid function. Given the training examples{</a:t>
+            </a:r>
+            <a:r>
+              <a:rPr lang="en-US" dirty="0" err="1"/>
+              <a:t>xi,yi</a:t>
+            </a:r>
+            <a:r>
+              <a:rPr lang="en-US" dirty="0"/>
+              <a:t>}Ni=1{</a:t>
+            </a:r>
+            <a:r>
+              <a:rPr lang="en-US" dirty="0" err="1"/>
+              <a:t>xi,yi</a:t>
+            </a:r>
+            <a:r>
+              <a:rPr lang="en-US" dirty="0"/>
+              <a:t>}</a:t>
+            </a:r>
+            <a:r>
+              <a:rPr lang="en-US" dirty="0" err="1"/>
+              <a:t>i</a:t>
+            </a:r>
+            <a:r>
+              <a:rPr lang="en-US" dirty="0"/>
+              <a:t>=1N, the parameter vector ββ can be learnt by maximizing the log-likelihood of ββ given the data set.</a:t>
+            </a:r>
+          </a:p>
+          <a:p>
+            <a:endParaRPr lang="en-US" dirty="0"/>
+          </a:p>
+        </p:txBody>
+      </p:sp>
+    </p:spTree>
+    <p:extLst>
+      <p:ext uri="{BB962C8B-B14F-4D97-AF65-F5344CB8AC3E}">
+        <p14:creationId xmlns:p14="http://schemas.microsoft.com/office/powerpoint/2010/main" val="1421708008"/>
+      </p:ext>
+    </p:extLst>
+  </p:cSld>
+  <p:clrMapOvr>
+    <a:masterClrMapping/>
+  </p:clrMapOvr>
+</p:sld>
+</file>
+
+<file path=ppt/slides/slide14.xml><?xml version="1.0" encoding="utf-8"?>
+<p:sld xmlns:a="http://schemas.openxmlformats.org/drawingml/2006/main" xmlns:r="http://schemas.openxmlformats.org/officeDocument/2006/relationships" xmlns:p="http://schemas.openxmlformats.org/presentationml/2006/main">
+  <p:cSld>
+    <p:spTree>
+      <p:nvGrpSpPr>
+        <p:cNvPr id="1" name=""/>
+        <p:cNvGrpSpPr/>
+        <p:nvPr/>
+      </p:nvGrpSpPr>
+      <p:grpSpPr>
+        <a:xfrm>
+          <a:off x="0" y="0"/>
+          <a:ext cx="0" cy="0"/>
+          <a:chOff x="0" y="0"/>
+          <a:chExt cx="0" cy="0"/>
+        </a:xfrm>
+      </p:grpSpPr>
+      <p:sp>
+        <p:nvSpPr>
+          <p:cNvPr id="2" name="Title 1"/>
+          <p:cNvSpPr>
+            <a:spLocks noGrp="1"/>
+          </p:cNvSpPr>
+          <p:nvPr>
+            <p:ph type="title"/>
+          </p:nvPr>
+        </p:nvSpPr>
+        <p:spPr/>
+        <p:txBody>
+          <a:bodyPr/>
+          <a:lstStyle/>
+          <a:p>
+            <a:endParaRPr lang="en-US"/>
+          </a:p>
+        </p:txBody>
+      </p:sp>
+      <p:pic>
+        <p:nvPicPr>
+          <p:cNvPr id="4" name="Content Placeholder 3"/>
+          <p:cNvPicPr>
+            <a:picLocks noGrp="1" noChangeAspect="1"/>
+          </p:cNvPicPr>
+          <p:nvPr>
+            <p:ph idx="1"/>
+          </p:nvPr>
+        </p:nvPicPr>
+        <p:blipFill>
+          <a:blip r:embed="rId2">
+            <a:extLst>
+              <a:ext uri="{28A0092B-C50C-407E-A947-70E740481C1C}">
+                <a14:useLocalDpi xmlns:a14="http://schemas.microsoft.com/office/drawing/2010/main" val="0"/>
+              </a:ext>
+            </a:extLst>
+          </a:blip>
+          <a:stretch>
+            <a:fillRect/>
+          </a:stretch>
+        </p:blipFill>
+        <p:spPr>
+          <a:xfrm>
+            <a:off x="2388250" y="1825625"/>
+            <a:ext cx="7415500" cy="4351338"/>
+          </a:xfrm>
+        </p:spPr>
+      </p:pic>
+    </p:spTree>
+    <p:extLst>
+      <p:ext uri="{BB962C8B-B14F-4D97-AF65-F5344CB8AC3E}">
+        <p14:creationId xmlns:p14="http://schemas.microsoft.com/office/powerpoint/2010/main" val="20801766"/>
+      </p:ext>
+    </p:extLst>
+  </p:cSld>
+  <p:clrMapOvr>
+    <a:masterClrMapping/>
+  </p:clrMapOvr>
+</p:sld>
+</file>
+
+<file path=ppt/slides/slide15.xml><?xml version="1.0" encoding="utf-8"?>
+<p:sld xmlns:a="http://schemas.openxmlformats.org/drawingml/2006/main" xmlns:r="http://schemas.openxmlformats.org/officeDocument/2006/relationships" xmlns:p="http://schemas.openxmlformats.org/presentationml/2006/main">
+  <p:cSld>
+    <p:spTree>
+      <p:nvGrpSpPr>
+        <p:cNvPr id="1" name=""/>
+        <p:cNvGrpSpPr/>
+        <p:nvPr/>
+      </p:nvGrpSpPr>
+      <p:grpSpPr>
+        <a:xfrm>
+          <a:off x="0" y="0"/>
+          <a:ext cx="0" cy="0"/>
+          <a:chOff x="0" y="0"/>
+          <a:chExt cx="0" cy="0"/>
+        </a:xfrm>
+      </p:grpSpPr>
+      <p:sp>
+        <p:nvSpPr>
+          <p:cNvPr id="2" name="Title 1"/>
+          <p:cNvSpPr>
+            <a:spLocks noGrp="1"/>
+          </p:cNvSpPr>
+          <p:nvPr>
+            <p:ph type="title"/>
+          </p:nvPr>
+        </p:nvSpPr>
+        <p:spPr/>
+        <p:txBody>
+          <a:bodyPr/>
+          <a:lstStyle/>
+          <a:p>
+            <a:r>
+              <a:rPr lang="en-US" dirty="0" smtClean="0"/>
+              <a:t>Checklist</a:t>
+            </a:r>
+            <a:endParaRPr lang="en-US" dirty="0"/>
+          </a:p>
+        </p:txBody>
+      </p:sp>
+      <p:sp>
+        <p:nvSpPr>
+          <p:cNvPr id="3" name="Content Placeholder 2"/>
+          <p:cNvSpPr>
+            <a:spLocks noGrp="1"/>
+          </p:cNvSpPr>
+          <p:nvPr>
+            <p:ph idx="1"/>
+          </p:nvPr>
+        </p:nvSpPr>
+        <p:spPr/>
+        <p:txBody>
+          <a:bodyPr>
+            <a:normAutofit/>
+          </a:bodyPr>
+          <a:lstStyle/>
+          <a:p>
+            <a:r>
+              <a:rPr lang="en-US" i="1" dirty="0"/>
+              <a:t># code documentation</a:t>
+            </a:r>
+            <a:br>
+              <a:rPr lang="en-US" i="1" dirty="0"/>
+            </a:br>
+            <a:r>
+              <a:rPr lang="en-US" i="1" dirty="0"/>
+              <a:t># </a:t>
+            </a:r>
+            <a:r>
+              <a:rPr lang="en-US" i="1" dirty="0" err="1"/>
+              <a:t>communicaiton</a:t>
+            </a:r>
+            <a:r>
+              <a:rPr lang="en-US" i="1" dirty="0"/>
+              <a:t> plan</a:t>
+            </a:r>
+            <a:br>
+              <a:rPr lang="en-US" i="1" dirty="0"/>
+            </a:br>
+            <a:r>
+              <a:rPr lang="en-US" i="1" dirty="0"/>
+              <a:t># </a:t>
+            </a:r>
+            <a:r>
+              <a:rPr lang="en-US" i="1" dirty="0" err="1"/>
+              <a:t>powerpoint</a:t>
+            </a:r>
+            <a:r>
+              <a:rPr lang="en-US" i="1" dirty="0"/>
+              <a:t> </a:t>
+            </a:r>
+            <a:r>
+              <a:rPr lang="en-US" i="1" dirty="0" smtClean="0"/>
+              <a:t>slides</a:t>
+            </a:r>
+            <a:r>
+              <a:rPr lang="en-US" i="1" dirty="0"/>
+              <a:t/>
+            </a:r>
+            <a:br>
+              <a:rPr lang="en-US" i="1" dirty="0"/>
+            </a:br>
+            <a:r>
+              <a:rPr lang="en-US" i="1" dirty="0"/>
+              <a:t>#  &gt; a brief description of the problem (it helps to hear your version of it)</a:t>
+            </a:r>
+            <a:br>
+              <a:rPr lang="en-US" i="1" dirty="0"/>
+            </a:br>
+            <a:r>
+              <a:rPr lang="en-US" i="1" dirty="0"/>
+              <a:t>#  &gt; a brief description of the data</a:t>
+            </a:r>
+            <a:br>
+              <a:rPr lang="en-US" i="1" dirty="0"/>
+            </a:br>
+            <a:r>
+              <a:rPr lang="en-US" i="1" dirty="0"/>
+              <a:t>#  &gt; your choice of features engineered from the protein sequences</a:t>
+            </a:r>
+            <a:br>
+              <a:rPr lang="en-US" i="1" dirty="0"/>
+            </a:br>
+            <a:r>
+              <a:rPr lang="en-US" i="1" dirty="0"/>
+              <a:t>#  &gt; your feature selection </a:t>
+            </a:r>
+            <a:r>
+              <a:rPr lang="en-US" i="1" dirty="0" err="1"/>
+              <a:t>methodolgy</a:t>
+            </a:r>
+            <a:r>
+              <a:rPr lang="en-US" i="1" dirty="0"/>
+              <a:t>, if any</a:t>
+            </a:r>
+            <a:br>
+              <a:rPr lang="en-US" i="1" dirty="0"/>
+            </a:br>
+            <a:r>
+              <a:rPr lang="en-US" i="1" dirty="0"/>
+              <a:t>#  &gt; your choice of model or models</a:t>
+            </a:r>
+            <a:br>
+              <a:rPr lang="en-US" i="1" dirty="0"/>
+            </a:br>
+            <a:r>
+              <a:rPr lang="en-US" i="1" dirty="0"/>
+              <a:t>#  &gt; your validation method(s)</a:t>
+            </a:r>
+            <a:br>
+              <a:rPr lang="en-US" i="1" dirty="0"/>
+            </a:br>
+            <a:r>
+              <a:rPr lang="en-US" i="1" dirty="0"/>
+              <a:t>#  &gt; the quality of your model ($$$)</a:t>
+            </a:r>
+            <a:endParaRPr lang="en-US" dirty="0"/>
+          </a:p>
+        </p:txBody>
+      </p:sp>
+    </p:spTree>
+    <p:extLst>
+      <p:ext uri="{BB962C8B-B14F-4D97-AF65-F5344CB8AC3E}">
+        <p14:creationId xmlns:p14="http://schemas.microsoft.com/office/powerpoint/2010/main" val="1817780750"/>
       </p:ext>
     </p:extLst>
   </p:cSld>
@@ -4417,129 +5793,80 @@
           <a:lstStyle/>
           <a:p>
             <a:r>
+              <a:rPr lang="en-US" smtClean="0"/>
+              <a:t>How to pick a model</a:t>
+            </a:r>
+            <a:endParaRPr lang="en-US"/>
+          </a:p>
+        </p:txBody>
+      </p:sp>
+      <p:sp>
+        <p:nvSpPr>
+          <p:cNvPr id="3" name="Content Placeholder 2"/>
+          <p:cNvSpPr>
+            <a:spLocks noGrp="1"/>
+          </p:cNvSpPr>
+          <p:nvPr>
+            <p:ph idx="1"/>
+          </p:nvPr>
+        </p:nvSpPr>
+        <p:spPr/>
+        <p:txBody>
+          <a:bodyPr>
+            <a:normAutofit fontScale="70000" lnSpcReduction="20000"/>
+          </a:bodyPr>
+          <a:lstStyle/>
+          <a:p>
+            <a:r>
+              <a:rPr lang="en-US" dirty="0" err="1"/>
+              <a:t>everal</a:t>
+            </a:r>
+            <a:r>
+              <a:rPr lang="en-US" dirty="0"/>
+              <a:t> methods, including logistic regression and the Bayes point machine, assume </a:t>
+            </a:r>
+            <a:r>
+              <a:rPr lang="en-US" b="1" dirty="0"/>
+              <a:t>linear class boundaries</a:t>
+            </a:r>
+            <a:r>
+              <a:rPr lang="en-US" dirty="0"/>
+              <a:t>. That is, they assume that the boundaries between classes are approximately straight lines (or hyperplanes in the more general case). Often this is a characteristic of the data that you don’t know until after you’ve tried to separate it, but it’s something that typically can be learned by visualizing beforehand. If the class boundaries look very irregular, stick with decision trees, decision jungles, support vector machines, or neural networks</a:t>
+            </a:r>
+            <a:r>
               <a:rPr lang="en-US" dirty="0" smtClean="0"/>
-              <a:t>Checklist</a:t>
-            </a:r>
-            <a:endParaRPr lang="en-US" dirty="0"/>
-          </a:p>
-        </p:txBody>
-      </p:sp>
-      <p:sp>
-        <p:nvSpPr>
-          <p:cNvPr id="3" name="Content Placeholder 2"/>
-          <p:cNvSpPr>
-            <a:spLocks noGrp="1"/>
-          </p:cNvSpPr>
-          <p:nvPr>
-            <p:ph idx="1"/>
-          </p:nvPr>
-        </p:nvSpPr>
-        <p:spPr/>
-        <p:txBody>
-          <a:bodyPr>
-            <a:normAutofit/>
-          </a:bodyPr>
-          <a:lstStyle/>
-          <a:p>
-            <a:r>
-              <a:rPr lang="en-US" i="1" dirty="0"/>
-              <a:t># code documentation</a:t>
-            </a:r>
-            <a:br>
-              <a:rPr lang="en-US" i="1" dirty="0"/>
-            </a:br>
-            <a:r>
-              <a:rPr lang="en-US" i="1" dirty="0"/>
-              <a:t># </a:t>
-            </a:r>
-            <a:r>
-              <a:rPr lang="en-US" i="1" dirty="0" err="1"/>
-              <a:t>communicaiton</a:t>
-            </a:r>
-            <a:r>
-              <a:rPr lang="en-US" i="1" dirty="0"/>
-              <a:t> plan</a:t>
-            </a:r>
-            <a:br>
-              <a:rPr lang="en-US" i="1" dirty="0"/>
-            </a:br>
-            <a:r>
-              <a:rPr lang="en-US" i="1" dirty="0"/>
-              <a:t># </a:t>
-            </a:r>
-            <a:r>
-              <a:rPr lang="en-US" i="1" dirty="0" err="1"/>
-              <a:t>powerpoint</a:t>
-            </a:r>
-            <a:r>
-              <a:rPr lang="en-US" i="1" dirty="0"/>
-              <a:t> </a:t>
-            </a:r>
-            <a:r>
-              <a:rPr lang="en-US" i="1" dirty="0" smtClean="0"/>
-              <a:t>slides</a:t>
-            </a:r>
-            <a:r>
-              <a:rPr lang="en-US" i="1" dirty="0"/>
-              <a:t/>
-            </a:r>
-            <a:br>
-              <a:rPr lang="en-US" i="1" dirty="0"/>
-            </a:br>
-            <a:r>
-              <a:rPr lang="en-US" i="1" dirty="0"/>
-              <a:t>#  &gt; a brief description of the problem (it helps to hear your version of it)</a:t>
-            </a:r>
-            <a:br>
-              <a:rPr lang="en-US" i="1" dirty="0"/>
-            </a:br>
-            <a:r>
-              <a:rPr lang="en-US" i="1" dirty="0"/>
-              <a:t>#  &gt; a brief description of the data</a:t>
-            </a:r>
-            <a:br>
-              <a:rPr lang="en-US" i="1" dirty="0"/>
-            </a:br>
-            <a:r>
-              <a:rPr lang="en-US" i="1" dirty="0"/>
-              <a:t>#  &gt; your choice of features engineered from the protein sequences</a:t>
-            </a:r>
-            <a:br>
-              <a:rPr lang="en-US" i="1" dirty="0"/>
-            </a:br>
-            <a:r>
-              <a:rPr lang="en-US" i="1" dirty="0"/>
-              <a:t>#  &gt; your feature selection </a:t>
-            </a:r>
-            <a:r>
-              <a:rPr lang="en-US" i="1" dirty="0" err="1"/>
-              <a:t>methodolgy</a:t>
-            </a:r>
-            <a:r>
-              <a:rPr lang="en-US" i="1" dirty="0"/>
-              <a:t>, if any</a:t>
-            </a:r>
-            <a:br>
-              <a:rPr lang="en-US" i="1" dirty="0"/>
-            </a:br>
-            <a:r>
-              <a:rPr lang="en-US" i="1" dirty="0"/>
-              <a:t>#  &gt; your choice of model or models</a:t>
-            </a:r>
-            <a:br>
-              <a:rPr lang="en-US" i="1" dirty="0"/>
-            </a:br>
-            <a:r>
-              <a:rPr lang="en-US" i="1" dirty="0"/>
-              <a:t>#  &gt; your validation method(s)</a:t>
-            </a:r>
-            <a:br>
-              <a:rPr lang="en-US" i="1" dirty="0"/>
-            </a:br>
-            <a:r>
-              <a:rPr lang="en-US" i="1" dirty="0"/>
-              <a:t>#  &gt; the quality of your model ($$$)</a:t>
-            </a:r>
+              <a:t>.</a:t>
+            </a:r>
+          </a:p>
+          <a:p>
+            <a:r>
+              <a:rPr lang="en-US" b="1" dirty="0"/>
+              <a:t>Bayesian methods</a:t>
+            </a:r>
+            <a:r>
+              <a:rPr lang="en-US" dirty="0"/>
+              <a:t> make the assumption of statistically independent data points. This means that the </a:t>
+            </a:r>
+            <a:r>
+              <a:rPr lang="en-US" dirty="0" err="1"/>
+              <a:t>unmodeled</a:t>
+            </a:r>
+            <a:r>
+              <a:rPr lang="en-US" dirty="0"/>
+              <a:t> variability in one data point is uncorrelated with others, that is, it can’t be predicted. For example, if the data being recorded is the number of minutes until the next subway train arrives, two measurements taken a day apart are statistically independent. However, two measurements taken a minute apart are not statistically independent - the value of one is highly predictive of the value of the other.</a:t>
+            </a:r>
+          </a:p>
+          <a:p>
+            <a:r>
+              <a:rPr lang="en-US" b="1" dirty="0"/>
+              <a:t>Boosted decision tree regression</a:t>
+            </a:r>
+            <a:r>
+              <a:rPr lang="en-US" dirty="0"/>
+              <a:t> takes advantage of feature overlap or interaction among features. That means that, in any given data point, the value of one feature is somewhat predictive of the value of another. For example, in daily high/low temperature data, knowing the low temperature for the day allows you to make a reasonable guess at the high. The information contained in the two features is somewhat redundant.</a:t>
+            </a:r>
+          </a:p>
+          <a:p>
             <a:endParaRPr lang="en-US" dirty="0"/>
           </a:p>
         </p:txBody>
@@ -4547,7 +5874,126 @@
     </p:spTree>
     <p:extLst>
       <p:ext uri="{BB962C8B-B14F-4D97-AF65-F5344CB8AC3E}">
-        <p14:creationId xmlns:p14="http://schemas.microsoft.com/office/powerpoint/2010/main" val="1817780750"/>
+        <p14:creationId xmlns:p14="http://schemas.microsoft.com/office/powerpoint/2010/main" val="14993542"/>
+      </p:ext>
+    </p:extLst>
+  </p:cSld>
+  <p:clrMapOvr>
+    <a:masterClrMapping/>
+  </p:clrMapOvr>
+</p:sld>
+</file>
+
+<file path=ppt/slides/slide9.xml><?xml version="1.0" encoding="utf-8"?>
+<p:sld xmlns:a="http://schemas.openxmlformats.org/drawingml/2006/main" xmlns:r="http://schemas.openxmlformats.org/officeDocument/2006/relationships" xmlns:p="http://schemas.openxmlformats.org/presentationml/2006/main">
+  <p:cSld>
+    <p:spTree>
+      <p:nvGrpSpPr>
+        <p:cNvPr id="1" name=""/>
+        <p:cNvGrpSpPr/>
+        <p:nvPr/>
+      </p:nvGrpSpPr>
+      <p:grpSpPr>
+        <a:xfrm>
+          <a:off x="0" y="0"/>
+          <a:ext cx="0" cy="0"/>
+          <a:chOff x="0" y="0"/>
+          <a:chExt cx="0" cy="0"/>
+        </a:xfrm>
+      </p:grpSpPr>
+      <p:sp>
+        <p:nvSpPr>
+          <p:cNvPr id="2" name="Title 1"/>
+          <p:cNvSpPr>
+            <a:spLocks noGrp="1"/>
+          </p:cNvSpPr>
+          <p:nvPr>
+            <p:ph type="title"/>
+          </p:nvPr>
+        </p:nvSpPr>
+        <p:spPr/>
+        <p:txBody>
+          <a:bodyPr/>
+          <a:lstStyle/>
+          <a:p>
+            <a:endParaRPr lang="en-US" dirty="0"/>
+          </a:p>
+        </p:txBody>
+      </p:sp>
+      <p:sp>
+        <p:nvSpPr>
+          <p:cNvPr id="3" name="Content Placeholder 2"/>
+          <p:cNvSpPr>
+            <a:spLocks noGrp="1"/>
+          </p:cNvSpPr>
+          <p:nvPr>
+            <p:ph idx="1"/>
+          </p:nvPr>
+        </p:nvSpPr>
+        <p:spPr/>
+        <p:txBody>
+          <a:bodyPr/>
+          <a:lstStyle/>
+          <a:p>
+            <a:pPr fontAlgn="base"/>
+            <a:r>
+              <a:rPr lang="en-US" dirty="0"/>
+              <a:t>Examples of the type of answers I'm looking for (from Manning et al.'s </a:t>
+            </a:r>
+            <a:r>
+              <a:rPr lang="en-US" i="1" dirty="0">
+                <a:hlinkClick r:id="rId2"/>
+              </a:rPr>
+              <a:t>Introduction to Information Retrieval</a:t>
+            </a:r>
+            <a:r>
+              <a:rPr lang="en-US" dirty="0"/>
+              <a:t> book):</a:t>
+            </a:r>
+          </a:p>
+          <a:p>
+            <a:pPr fontAlgn="base"/>
+            <a:r>
+              <a:rPr lang="en-US" dirty="0"/>
+              <a:t>a. </a:t>
+            </a:r>
+            <a:r>
+              <a:rPr lang="en-US" i="1" dirty="0"/>
+              <a:t>If your data is labeled, but you only have a limited amount, you should use a classifier with high bias (for example, Naive Bayes)</a:t>
+            </a:r>
+            <a:r>
+              <a:rPr lang="en-US" dirty="0"/>
+              <a:t>.</a:t>
+            </a:r>
+          </a:p>
+          <a:p>
+            <a:pPr fontAlgn="base"/>
+            <a:r>
+              <a:rPr lang="en-US" dirty="0"/>
+              <a:t>I'm guessing this is because a higher-bias classifier will have lower variance, which is good because of the small amount of data.</a:t>
+            </a:r>
+          </a:p>
+          <a:p>
+            <a:pPr fontAlgn="base"/>
+            <a:r>
+              <a:rPr lang="en-US" dirty="0"/>
+              <a:t>b. </a:t>
+            </a:r>
+            <a:r>
+              <a:rPr lang="en-US" i="1" dirty="0"/>
+              <a:t>If you have a ton of data, then the classifier doesn't really matter so much, so you should probably just choose a classifier with good scalability.</a:t>
+            </a:r>
+            <a:endParaRPr lang="en-US" dirty="0"/>
+          </a:p>
+          <a:p>
+            <a:endParaRPr lang="en-US" dirty="0"/>
+          </a:p>
+        </p:txBody>
+      </p:sp>
+    </p:spTree>
+    <p:extLst>
+      <p:ext uri="{BB962C8B-B14F-4D97-AF65-F5344CB8AC3E}">
+        <p14:creationId xmlns:p14="http://schemas.microsoft.com/office/powerpoint/2010/main" val="1089270313"/>
       </p:ext>
     </p:extLst>
   </p:cSld>
@@ -4816,4 +6262,265 @@
     </a:ext>
   </a:extLst>
 </a:theme>
+</file>
+
+<file path=ppt/theme/theme2.xml><?xml version="1.0" encoding="utf-8"?>
+<a:theme xmlns:a="http://schemas.openxmlformats.org/drawingml/2006/main" name="Office Theme">
+  <a:themeElements>
+    <a:clrScheme name="Office">
+      <a:dk1>
+        <a:sysClr val="windowText" lastClr="000000"/>
+      </a:dk1>
+      <a:lt1>
+        <a:sysClr val="window" lastClr="FFFFFF"/>
+      </a:lt1>
+      <a:dk2>
+        <a:srgbClr val="44546A"/>
+      </a:dk2>
+      <a:lt2>
+        <a:srgbClr val="E7E6E6"/>
+      </a:lt2>
+      <a:accent1>
+        <a:srgbClr val="4472C4"/>
+      </a:accent1>
+      <a:accent2>
+        <a:srgbClr val="ED7D31"/>
+      </a:accent2>
+      <a:accent3>
+        <a:srgbClr val="A5A5A5"/>
+      </a:accent3>
+      <a:accent4>
+        <a:srgbClr val="FFC000"/>
+      </a:accent4>
+      <a:accent5>
+        <a:srgbClr val="5B9BD5"/>
+      </a:accent5>
+      <a:accent6>
+        <a:srgbClr val="70AD47"/>
+      </a:accent6>
+      <a:hlink>
+        <a:srgbClr val="0563C1"/>
+      </a:hlink>
+      <a:folHlink>
+        <a:srgbClr val="954F72"/>
+      </a:folHlink>
+    </a:clrScheme>
+    <a:fontScheme name="Office">
+      <a:majorFont>
+        <a:latin typeface="Calibri Light" panose="020F0302020204030204"/>
+        <a:ea typeface=""/>
+        <a:cs typeface=""/>
+        <a:font script="Jpan" typeface="Yu Gothic Light"/>
+        <a:font script="Hang" typeface="맑은 고딕"/>
+        <a:font script="Hans" typeface="DengXian Light"/>
+        <a:font script="Hant" typeface="新細明體"/>
+        <a:font script="Arab" typeface="Times New Roman"/>
+        <a:font script="Hebr" typeface="Times New Roman"/>
+        <a:font script="Thai" typeface="Angsana New"/>
+        <a:font script="Ethi" typeface="Nyala"/>
+        <a:font script="Beng" typeface="Vrinda"/>
+        <a:font script="Gujr" typeface="Shruti"/>
+        <a:font script="Khmr" typeface="MoolBoran"/>
+        <a:font script="Knda" typeface="Tunga"/>
+        <a:font script="Guru" typeface="Raavi"/>
+        <a:font script="Cans" typeface="Euphemia"/>
+        <a:font script="Cher" typeface="Plantagenet Cherokee"/>
+        <a:font script="Yiii" typeface="Microsoft Yi Baiti"/>
+        <a:font script="Tibt" typeface="Microsoft Himalaya"/>
+        <a:font script="Thaa" typeface="MV Boli"/>
+        <a:font script="Deva" typeface="Mangal"/>
+        <a:font script="Telu" typeface="Gautami"/>
+        <a:font script="Taml" typeface="Latha"/>
+        <a:font script="Syrc" typeface="Estrangelo Edessa"/>
+        <a:font script="Orya" typeface="Kalinga"/>
+        <a:font script="Mlym" typeface="Kartika"/>
+        <a:font script="Laoo" typeface="DokChampa"/>
+        <a:font script="Sinh" typeface="Iskoola Pota"/>
+        <a:font script="Mong" typeface="Mongolian Baiti"/>
+        <a:font script="Viet" typeface="Times New Roman"/>
+        <a:font script="Uigh" typeface="Microsoft Uighur"/>
+        <a:font script="Geor" typeface="Sylfaen"/>
+      </a:majorFont>
+      <a:minorFont>
+        <a:latin typeface="Calibri" panose="020F0502020204030204"/>
+        <a:ea typeface=""/>
+        <a:cs typeface=""/>
+        <a:font script="Jpan" typeface="Yu Gothic"/>
+        <a:font script="Hang" typeface="맑은 고딕"/>
+        <a:font script="Hans" typeface="DengXian"/>
+        <a:font script="Hant" typeface="新細明體"/>
+        <a:font script="Arab" typeface="Arial"/>
+        <a:font script="Hebr" typeface="Arial"/>
+        <a:font script="Thai" typeface="Cordia New"/>
+        <a:font script="Ethi" typeface="Nyala"/>
+        <a:font script="Beng" typeface="Vrinda"/>
+        <a:font script="Gujr" typeface="Shruti"/>
+        <a:font script="Khmr" typeface="DaunPenh"/>
+        <a:font script="Knda" typeface="Tunga"/>
+        <a:font script="Guru" typeface="Raavi"/>
+        <a:font script="Cans" typeface="Euphemia"/>
+        <a:font script="Cher" typeface="Plantagenet Cherokee"/>
+        <a:font script="Yiii" typeface="Microsoft Yi Baiti"/>
+        <a:font script="Tibt" typeface="Microsoft Himalaya"/>
+        <a:font script="Thaa" typeface="MV Boli"/>
+        <a:font script="Deva" typeface="Mangal"/>
+        <a:font script="Telu" typeface="Gautami"/>
+        <a:font script="Taml" typeface="Latha"/>
+        <a:font script="Syrc" typeface="Estrangelo Edessa"/>
+        <a:font script="Orya" typeface="Kalinga"/>
+        <a:font script="Mlym" typeface="Kartika"/>
+        <a:font script="Laoo" typeface="DokChampa"/>
+        <a:font script="Sinh" typeface="Iskoola Pota"/>
+        <a:font script="Mong" typeface="Mongolian Baiti"/>
+        <a:font script="Viet" typeface="Arial"/>
+        <a:font script="Uigh" typeface="Microsoft Uighur"/>
+        <a:font script="Geor" typeface="Sylfaen"/>
+      </a:minorFont>
+    </a:fontScheme>
+    <a:fmtScheme name="Office">
+      <a:fillStyleLst>
+        <a:solidFill>
+          <a:schemeClr val="phClr"/>
+        </a:solidFill>
+        <a:gradFill rotWithShape="1">
+          <a:gsLst>
+            <a:gs pos="0">
+              <a:schemeClr val="phClr">
+                <a:lumMod val="110000"/>
+                <a:satMod val="105000"/>
+                <a:tint val="67000"/>
+              </a:schemeClr>
+            </a:gs>
+            <a:gs pos="50000">
+              <a:schemeClr val="phClr">
+                <a:lumMod val="105000"/>
+                <a:satMod val="103000"/>
+                <a:tint val="73000"/>
+              </a:schemeClr>
+            </a:gs>
+            <a:gs pos="100000">
+              <a:schemeClr val="phClr">
+                <a:lumMod val="105000"/>
+                <a:satMod val="109000"/>
+                <a:tint val="81000"/>
+              </a:schemeClr>
+            </a:gs>
+          </a:gsLst>
+          <a:lin ang="5400000" scaled="0"/>
+        </a:gradFill>
+        <a:gradFill rotWithShape="1">
+          <a:gsLst>
+            <a:gs pos="0">
+              <a:schemeClr val="phClr">
+                <a:satMod val="103000"/>
+                <a:lumMod val="102000"/>
+                <a:tint val="94000"/>
+              </a:schemeClr>
+            </a:gs>
+            <a:gs pos="50000">
+              <a:schemeClr val="phClr">
+                <a:satMod val="110000"/>
+                <a:lumMod val="100000"/>
+                <a:shade val="100000"/>
+              </a:schemeClr>
+            </a:gs>
+            <a:gs pos="100000">
+              <a:schemeClr val="phClr">
+                <a:lumMod val="99000"/>
+                <a:satMod val="120000"/>
+                <a:shade val="78000"/>
+              </a:schemeClr>
+            </a:gs>
+          </a:gsLst>
+          <a:lin ang="5400000" scaled="0"/>
+        </a:gradFill>
+      </a:fillStyleLst>
+      <a:lnStyleLst>
+        <a:ln w="6350" cap="flat" cmpd="sng" algn="ctr">
+          <a:solidFill>
+            <a:schemeClr val="phClr"/>
+          </a:solidFill>
+          <a:prstDash val="solid"/>
+          <a:miter lim="800000"/>
+        </a:ln>
+        <a:ln w="12700" cap="flat" cmpd="sng" algn="ctr">
+          <a:solidFill>
+            <a:schemeClr val="phClr"/>
+          </a:solidFill>
+          <a:prstDash val="solid"/>
+          <a:miter lim="800000"/>
+        </a:ln>
+        <a:ln w="19050" cap="flat" cmpd="sng" algn="ctr">
+          <a:solidFill>
+            <a:schemeClr val="phClr"/>
+          </a:solidFill>
+          <a:prstDash val="solid"/>
+          <a:miter lim="800000"/>
+        </a:ln>
+      </a:lnStyleLst>
+      <a:effectStyleLst>
+        <a:effectStyle>
+          <a:effectLst/>
+        </a:effectStyle>
+        <a:effectStyle>
+          <a:effectLst/>
+        </a:effectStyle>
+        <a:effectStyle>
+          <a:effectLst>
+            <a:outerShdw blurRad="57150" dist="19050" dir="5400000" algn="ctr" rotWithShape="0">
+              <a:srgbClr val="000000">
+                <a:alpha val="63000"/>
+              </a:srgbClr>
+            </a:outerShdw>
+          </a:effectLst>
+        </a:effectStyle>
+      </a:effectStyleLst>
+      <a:bgFillStyleLst>
+        <a:solidFill>
+          <a:schemeClr val="phClr"/>
+        </a:solidFill>
+        <a:solidFill>
+          <a:schemeClr val="phClr">
+            <a:tint val="95000"/>
+            <a:satMod val="170000"/>
+          </a:schemeClr>
+        </a:solidFill>
+        <a:gradFill rotWithShape="1">
+          <a:gsLst>
+            <a:gs pos="0">
+              <a:schemeClr val="phClr">
+                <a:tint val="93000"/>
+                <a:satMod val="150000"/>
+                <a:shade val="98000"/>
+                <a:lumMod val="102000"/>
+              </a:schemeClr>
+            </a:gs>
+            <a:gs pos="50000">
+              <a:schemeClr val="phClr">
+                <a:tint val="98000"/>
+                <a:satMod val="130000"/>
+                <a:shade val="90000"/>
+                <a:lumMod val="103000"/>
+              </a:schemeClr>
+            </a:gs>
+            <a:gs pos="100000">
+              <a:schemeClr val="phClr">
+                <a:shade val="63000"/>
+                <a:satMod val="120000"/>
+              </a:schemeClr>
+            </a:gs>
+          </a:gsLst>
+          <a:lin ang="5400000" scaled="0"/>
+        </a:gradFill>
+      </a:bgFillStyleLst>
+    </a:fmtScheme>
+  </a:themeElements>
+  <a:objectDefaults/>
+  <a:extraClrSchemeLst/>
+  <a:extLst>
+    <a:ext uri="{05A4C25C-085E-4340-85A3-A5531E510DB2}">
+      <thm15:themeFamily xmlns:thm15="http://schemas.microsoft.com/office/thememl/2012/main" name="Office Theme" id="{62F939B6-93AF-4DB8-9C6B-D6C7DFDC589F}" vid="{4A3C46E8-61CC-4603-A589-7422A47A8E4A}"/>
+    </a:ext>
+  </a:extLst>
+</a:theme>
 </file>
--- a/drugpro-jd.pptx
+++ b/drugpro-jd.pptx
@@ -5,7 +5,7 @@
     <p:sldMasterId id="2147483648" r:id="rId1"/>
   </p:sldMasterIdLst>
   <p:notesMasterIdLst>
-    <p:notesMasterId r:id="rId17"/>
+    <p:notesMasterId r:id="rId18"/>
   </p:notesMasterIdLst>
   <p:sldIdLst>
     <p:sldId id="256" r:id="rId2"/>
@@ -23,6 +23,7 @@
     <p:sldId id="269" r:id="rId14"/>
     <p:sldId id="270" r:id="rId15"/>
     <p:sldId id="257" r:id="rId16"/>
+    <p:sldId id="273" r:id="rId17"/>
   </p:sldIdLst>
   <p:sldSz cx="12192000" cy="6858000"/>
   <p:notesSz cx="6858000" cy="9144000"/>
@@ -141,6 +142,7 @@
             <p14:sldId id="269"/>
             <p14:sldId id="270"/>
             <p14:sldId id="257"/>
+            <p14:sldId id="273"/>
           </p14:sldIdLst>
         </p14:section>
       </p14:sectionLst>
@@ -234,7 +236,7 @@
           <a:p>
             <a:fld id="{C248C1D5-31D5-CB42-9CCA-A2AE05BB1EA1}" type="datetimeFigureOut">
               <a:rPr lang="en-US" smtClean="0"/>
-              <a:t>9/24/17</a:t>
+              <a:t>9/25/17</a:t>
             </a:fld>
             <a:endParaRPr lang="en-US"/>
           </a:p>
@@ -633,7 +635,7 @@
           <a:p>
             <a:fld id="{8E95A903-5B18-354A-9EB7-09131C6D77BE}" type="datetimeFigureOut">
               <a:rPr lang="en-US" smtClean="0"/>
-              <a:t>9/24/17</a:t>
+              <a:t>9/25/17</a:t>
             </a:fld>
             <a:endParaRPr lang="en-US"/>
           </a:p>
@@ -803,7 +805,7 @@
           <a:p>
             <a:fld id="{8E95A903-5B18-354A-9EB7-09131C6D77BE}" type="datetimeFigureOut">
               <a:rPr lang="en-US" smtClean="0"/>
-              <a:t>9/24/17</a:t>
+              <a:t>9/25/17</a:t>
             </a:fld>
             <a:endParaRPr lang="en-US"/>
           </a:p>
@@ -983,7 +985,7 @@
           <a:p>
             <a:fld id="{8E95A903-5B18-354A-9EB7-09131C6D77BE}" type="datetimeFigureOut">
               <a:rPr lang="en-US" smtClean="0"/>
-              <a:t>9/24/17</a:t>
+              <a:t>9/25/17</a:t>
             </a:fld>
             <a:endParaRPr lang="en-US"/>
           </a:p>
@@ -1153,7 +1155,7 @@
           <a:p>
             <a:fld id="{8E95A903-5B18-354A-9EB7-09131C6D77BE}" type="datetimeFigureOut">
               <a:rPr lang="en-US" smtClean="0"/>
-              <a:t>9/24/17</a:t>
+              <a:t>9/25/17</a:t>
             </a:fld>
             <a:endParaRPr lang="en-US"/>
           </a:p>
@@ -1399,7 +1401,7 @@
           <a:p>
             <a:fld id="{8E95A903-5B18-354A-9EB7-09131C6D77BE}" type="datetimeFigureOut">
               <a:rPr lang="en-US" smtClean="0"/>
-              <a:t>9/24/17</a:t>
+              <a:t>9/25/17</a:t>
             </a:fld>
             <a:endParaRPr lang="en-US"/>
           </a:p>
@@ -1631,7 +1633,7 @@
           <a:p>
             <a:fld id="{8E95A903-5B18-354A-9EB7-09131C6D77BE}" type="datetimeFigureOut">
               <a:rPr lang="en-US" smtClean="0"/>
-              <a:t>9/24/17</a:t>
+              <a:t>9/25/17</a:t>
             </a:fld>
             <a:endParaRPr lang="en-US"/>
           </a:p>
@@ -1998,7 +2000,7 @@
           <a:p>
             <a:fld id="{8E95A903-5B18-354A-9EB7-09131C6D77BE}" type="datetimeFigureOut">
               <a:rPr lang="en-US" smtClean="0"/>
-              <a:t>9/24/17</a:t>
+              <a:t>9/25/17</a:t>
             </a:fld>
             <a:endParaRPr lang="en-US"/>
           </a:p>
@@ -2116,7 +2118,7 @@
           <a:p>
             <a:fld id="{8E95A903-5B18-354A-9EB7-09131C6D77BE}" type="datetimeFigureOut">
               <a:rPr lang="en-US" smtClean="0"/>
-              <a:t>9/24/17</a:t>
+              <a:t>9/25/17</a:t>
             </a:fld>
             <a:endParaRPr lang="en-US"/>
           </a:p>
@@ -2211,7 +2213,7 @@
           <a:p>
             <a:fld id="{8E95A903-5B18-354A-9EB7-09131C6D77BE}" type="datetimeFigureOut">
               <a:rPr lang="en-US" smtClean="0"/>
-              <a:t>9/24/17</a:t>
+              <a:t>9/25/17</a:t>
             </a:fld>
             <a:endParaRPr lang="en-US"/>
           </a:p>
@@ -2488,7 +2490,7 @@
           <a:p>
             <a:fld id="{8E95A903-5B18-354A-9EB7-09131C6D77BE}" type="datetimeFigureOut">
               <a:rPr lang="en-US" smtClean="0"/>
-              <a:t>9/24/17</a:t>
+              <a:t>9/25/17</a:t>
             </a:fld>
             <a:endParaRPr lang="en-US"/>
           </a:p>
@@ -2741,7 +2743,7 @@
           <a:p>
             <a:fld id="{8E95A903-5B18-354A-9EB7-09131C6D77BE}" type="datetimeFigureOut">
               <a:rPr lang="en-US" smtClean="0"/>
-              <a:t>9/24/17</a:t>
+              <a:t>9/25/17</a:t>
             </a:fld>
             <a:endParaRPr lang="en-US"/>
           </a:p>
@@ -2954,7 +2956,7 @@
           <a:p>
             <a:fld id="{8E95A903-5B18-354A-9EB7-09131C6D77BE}" type="datetimeFigureOut">
               <a:rPr lang="en-US" smtClean="0"/>
-              <a:t>9/24/17</a:t>
+              <a:t>9/25/17</a:t>
             </a:fld>
             <a:endParaRPr lang="en-US"/>
           </a:p>
@@ -4428,6 +4430,118 @@
     <p:extLst>
       <p:ext uri="{BB962C8B-B14F-4D97-AF65-F5344CB8AC3E}">
         <p14:creationId xmlns:p14="http://schemas.microsoft.com/office/powerpoint/2010/main" val="1817780750"/>
+      </p:ext>
+    </p:extLst>
+  </p:cSld>
+  <p:clrMapOvr>
+    <a:masterClrMapping/>
+  </p:clrMapOvr>
+</p:sld>
+</file>
+
+<file path=ppt/slides/slide16.xml><?xml version="1.0" encoding="utf-8"?>
+<p:sld xmlns:a="http://schemas.openxmlformats.org/drawingml/2006/main" xmlns:r="http://schemas.openxmlformats.org/officeDocument/2006/relationships" xmlns:p="http://schemas.openxmlformats.org/presentationml/2006/main">
+  <p:cSld>
+    <p:spTree>
+      <p:nvGrpSpPr>
+        <p:cNvPr id="1" name=""/>
+        <p:cNvGrpSpPr/>
+        <p:nvPr/>
+      </p:nvGrpSpPr>
+      <p:grpSpPr>
+        <a:xfrm>
+          <a:off x="0" y="0"/>
+          <a:ext cx="0" cy="0"/>
+          <a:chOff x="0" y="0"/>
+          <a:chExt cx="0" cy="0"/>
+        </a:xfrm>
+      </p:grpSpPr>
+      <p:sp>
+        <p:nvSpPr>
+          <p:cNvPr id="2" name="Title 1"/>
+          <p:cNvSpPr>
+            <a:spLocks noGrp="1"/>
+          </p:cNvSpPr>
+          <p:nvPr>
+            <p:ph type="title"/>
+          </p:nvPr>
+        </p:nvSpPr>
+        <p:spPr/>
+        <p:txBody>
+          <a:bodyPr/>
+          <a:lstStyle/>
+          <a:p>
+            <a:r>
+              <a:rPr lang="en-US" dirty="0" err="1" smtClean="0"/>
+              <a:t>Imporving</a:t>
+            </a:r>
+            <a:r>
+              <a:rPr lang="en-US" dirty="0" smtClean="0"/>
+              <a:t> model</a:t>
+            </a:r>
+            <a:endParaRPr lang="en-US" dirty="0"/>
+          </a:p>
+        </p:txBody>
+      </p:sp>
+      <p:sp>
+        <p:nvSpPr>
+          <p:cNvPr id="3" name="Content Placeholder 2"/>
+          <p:cNvSpPr>
+            <a:spLocks noGrp="1"/>
+          </p:cNvSpPr>
+          <p:nvPr>
+            <p:ph idx="1"/>
+          </p:nvPr>
+        </p:nvSpPr>
+        <p:spPr/>
+        <p:txBody>
+          <a:bodyPr/>
+          <a:lstStyle/>
+          <a:p>
+            <a:r>
+              <a:rPr lang="en-US" dirty="0" smtClean="0"/>
+              <a:t>Boosting/bagging</a:t>
+            </a:r>
+          </a:p>
+          <a:p>
+            <a:r>
+              <a:rPr lang="en-US" dirty="0" smtClean="0"/>
+              <a:t>Features </a:t>
+            </a:r>
+            <a:r>
+              <a:rPr lang="mr-IN" dirty="0" smtClean="0"/>
+              <a:t>–</a:t>
+            </a:r>
+            <a:r>
+              <a:rPr lang="en-US" dirty="0" smtClean="0"/>
+              <a:t> from </a:t>
+            </a:r>
+            <a:r>
+              <a:rPr lang="en-US" dirty="0" err="1" smtClean="0"/>
+              <a:t>pydpi</a:t>
+            </a:r>
+            <a:r>
+              <a:rPr lang="en-US" dirty="0" smtClean="0"/>
+              <a:t> other sets</a:t>
+            </a:r>
+          </a:p>
+          <a:p>
+            <a:r>
+              <a:rPr lang="en-US" dirty="0" smtClean="0"/>
+              <a:t>Embedded </a:t>
+            </a:r>
+            <a:r>
+              <a:rPr lang="en-US" smtClean="0"/>
+              <a:t>feature selection</a:t>
+            </a:r>
+            <a:endParaRPr lang="en-US"/>
+          </a:p>
+        </p:txBody>
+      </p:sp>
+    </p:spTree>
+    <p:extLst>
+      <p:ext uri="{BB962C8B-B14F-4D97-AF65-F5344CB8AC3E}">
+        <p14:creationId xmlns:p14="http://schemas.microsoft.com/office/powerpoint/2010/main" val="749336424"/>
       </p:ext>
     </p:extLst>
   </p:cSld>

--- a/drugpro-jd.pptx
+++ b/drugpro-jd.pptx
@@ -4528,13 +4528,9 @@
           <a:p>
             <a:r>
               <a:rPr lang="en-US" dirty="0" smtClean="0"/>
-              <a:t>Embedded </a:t>
-            </a:r>
-            <a:r>
-              <a:rPr lang="en-US" smtClean="0"/>
-              <a:t>feature selection</a:t>
-            </a:r>
-            <a:endParaRPr lang="en-US"/>
+              <a:t>Embedded feature selection</a:t>
+            </a:r>
+            <a:endParaRPr lang="en-US" dirty="0"/>
           </a:p>
         </p:txBody>
       </p:sp>

--- a/drugpro-jd.pptx
+++ b/drugpro-jd.pptx
@@ -5,25 +5,28 @@
     <p:sldMasterId id="2147483648" r:id="rId1"/>
   </p:sldMasterIdLst>
   <p:notesMasterIdLst>
-    <p:notesMasterId r:id="rId18"/>
+    <p:notesMasterId r:id="rId21"/>
   </p:notesMasterIdLst>
   <p:sldIdLst>
     <p:sldId id="256" r:id="rId2"/>
     <p:sldId id="262" r:id="rId3"/>
     <p:sldId id="265" r:id="rId4"/>
-    <p:sldId id="264" r:id="rId5"/>
-    <p:sldId id="258" r:id="rId6"/>
-    <p:sldId id="260" r:id="rId7"/>
-    <p:sldId id="259" r:id="rId8"/>
-    <p:sldId id="266" r:id="rId9"/>
-    <p:sldId id="267" r:id="rId10"/>
-    <p:sldId id="268" r:id="rId11"/>
-    <p:sldId id="271" r:id="rId12"/>
-    <p:sldId id="272" r:id="rId13"/>
-    <p:sldId id="269" r:id="rId14"/>
-    <p:sldId id="270" r:id="rId15"/>
-    <p:sldId id="257" r:id="rId16"/>
-    <p:sldId id="273" r:id="rId17"/>
+    <p:sldId id="274" r:id="rId5"/>
+    <p:sldId id="275" r:id="rId6"/>
+    <p:sldId id="276" r:id="rId7"/>
+    <p:sldId id="277" r:id="rId8"/>
+    <p:sldId id="278" r:id="rId9"/>
+    <p:sldId id="283" r:id="rId10"/>
+    <p:sldId id="279" r:id="rId11"/>
+    <p:sldId id="280" r:id="rId12"/>
+    <p:sldId id="281" r:id="rId13"/>
+    <p:sldId id="282" r:id="rId14"/>
+    <p:sldId id="266" r:id="rId15"/>
+    <p:sldId id="270" r:id="rId16"/>
+    <p:sldId id="272" r:id="rId17"/>
+    <p:sldId id="264" r:id="rId18"/>
+    <p:sldId id="273" r:id="rId19"/>
+    <p:sldId id="259" r:id="rId20"/>
   </p:sldIdLst>
   <p:sldSz cx="12192000" cy="6858000"/>
   <p:notesSz cx="6858000" cy="9144000"/>
@@ -130,19 +133,22 @@
             <p14:sldId id="256"/>
             <p14:sldId id="262"/>
             <p14:sldId id="265"/>
+            <p14:sldId id="274"/>
+            <p14:sldId id="275"/>
+            <p14:sldId id="276"/>
+            <p14:sldId id="277"/>
+            <p14:sldId id="278"/>
+            <p14:sldId id="283"/>
+            <p14:sldId id="279"/>
+            <p14:sldId id="280"/>
+            <p14:sldId id="281"/>
+            <p14:sldId id="282"/>
+            <p14:sldId id="266"/>
+            <p14:sldId id="270"/>
+            <p14:sldId id="272"/>
             <p14:sldId id="264"/>
-            <p14:sldId id="258"/>
-            <p14:sldId id="260"/>
+            <p14:sldId id="273"/>
             <p14:sldId id="259"/>
-            <p14:sldId id="266"/>
-            <p14:sldId id="267"/>
-            <p14:sldId id="268"/>
-            <p14:sldId id="271"/>
-            <p14:sldId id="272"/>
-            <p14:sldId id="269"/>
-            <p14:sldId id="270"/>
-            <p14:sldId id="257"/>
-            <p14:sldId id="273"/>
           </p14:sldIdLst>
         </p14:section>
       </p14:sectionLst>
@@ -502,6 +508,280 @@
     </a:lvl9pPr>
   </p:notesStyle>
 </p:notesMaster>
+</file>
+
+<file path=ppt/notesSlides/notesSlide1.xml><?xml version="1.0" encoding="utf-8"?>
+<p:notes xmlns:a="http://schemas.openxmlformats.org/drawingml/2006/main" xmlns:r="http://schemas.openxmlformats.org/officeDocument/2006/relationships" xmlns:p="http://schemas.openxmlformats.org/presentationml/2006/main">
+  <p:cSld>
+    <p:spTree>
+      <p:nvGrpSpPr>
+        <p:cNvPr id="1" name=""/>
+        <p:cNvGrpSpPr/>
+        <p:nvPr/>
+      </p:nvGrpSpPr>
+      <p:grpSpPr>
+        <a:xfrm>
+          <a:off x="0" y="0"/>
+          <a:ext cx="0" cy="0"/>
+          <a:chOff x="0" y="0"/>
+          <a:chExt cx="0" cy="0"/>
+        </a:xfrm>
+      </p:grpSpPr>
+      <p:sp>
+        <p:nvSpPr>
+          <p:cNvPr id="2" name="Slide Image Placeholder 1"/>
+          <p:cNvSpPr>
+            <a:spLocks noGrp="1" noRot="1" noChangeAspect="1"/>
+          </p:cNvSpPr>
+          <p:nvPr>
+            <p:ph type="sldImg"/>
+          </p:nvPr>
+        </p:nvSpPr>
+        <p:spPr/>
+      </p:sp>
+      <p:sp>
+        <p:nvSpPr>
+          <p:cNvPr id="3" name="Notes Placeholder 2"/>
+          <p:cNvSpPr>
+            <a:spLocks noGrp="1"/>
+          </p:cNvSpPr>
+          <p:nvPr>
+            <p:ph type="body" idx="1"/>
+          </p:nvPr>
+        </p:nvSpPr>
+        <p:spPr/>
+        <p:txBody>
+          <a:bodyPr/>
+          <a:lstStyle/>
+          <a:p>
+            <a:r>
+              <a:rPr lang="en-US" dirty="0" smtClean="0"/>
+              <a:t>Need</a:t>
+            </a:r>
+            <a:r>
+              <a:rPr lang="en-US" baseline="0" dirty="0" smtClean="0"/>
+              <a:t> to build a classifier (0 or 1) machine learning model to run on the putative set</a:t>
+            </a:r>
+          </a:p>
+          <a:p>
+            <a:r>
+              <a:rPr lang="en-US" baseline="0" dirty="0" smtClean="0"/>
+              <a:t>These are the steps involved</a:t>
+            </a:r>
+            <a:endParaRPr lang="en-US" dirty="0"/>
+          </a:p>
+        </p:txBody>
+      </p:sp>
+      <p:sp>
+        <p:nvSpPr>
+          <p:cNvPr id="4" name="Slide Number Placeholder 3"/>
+          <p:cNvSpPr>
+            <a:spLocks noGrp="1"/>
+          </p:cNvSpPr>
+          <p:nvPr>
+            <p:ph type="sldNum" sz="quarter" idx="10"/>
+          </p:nvPr>
+        </p:nvSpPr>
+        <p:spPr/>
+        <p:txBody>
+          <a:bodyPr/>
+          <a:lstStyle/>
+          <a:p>
+            <a:fld id="{6A27897D-5EE2-B14B-BA91-F964A1DD0C81}" type="slidenum">
+              <a:rPr lang="en-US" smtClean="0"/>
+              <a:t>3</a:t>
+            </a:fld>
+            <a:endParaRPr lang="en-US"/>
+          </a:p>
+        </p:txBody>
+      </p:sp>
+    </p:spTree>
+    <p:extLst>
+      <p:ext uri="{BB962C8B-B14F-4D97-AF65-F5344CB8AC3E}">
+        <p14:creationId xmlns:p14="http://schemas.microsoft.com/office/powerpoint/2010/main" val="332247745"/>
+      </p:ext>
+    </p:extLst>
+  </p:cSld>
+  <p:clrMapOvr>
+    <a:masterClrMapping/>
+  </p:clrMapOvr>
+</p:notes>
+</file>
+
+<file path=ppt/notesSlides/notesSlide2.xml><?xml version="1.0" encoding="utf-8"?>
+<p:notes xmlns:a="http://schemas.openxmlformats.org/drawingml/2006/main" xmlns:r="http://schemas.openxmlformats.org/officeDocument/2006/relationships" xmlns:p="http://schemas.openxmlformats.org/presentationml/2006/main">
+  <p:cSld>
+    <p:spTree>
+      <p:nvGrpSpPr>
+        <p:cNvPr id="1" name=""/>
+        <p:cNvGrpSpPr/>
+        <p:nvPr/>
+      </p:nvGrpSpPr>
+      <p:grpSpPr>
+        <a:xfrm>
+          <a:off x="0" y="0"/>
+          <a:ext cx="0" cy="0"/>
+          <a:chOff x="0" y="0"/>
+          <a:chExt cx="0" cy="0"/>
+        </a:xfrm>
+      </p:grpSpPr>
+      <p:sp>
+        <p:nvSpPr>
+          <p:cNvPr id="2" name="Slide Image Placeholder 1"/>
+          <p:cNvSpPr>
+            <a:spLocks noGrp="1" noRot="1" noChangeAspect="1"/>
+          </p:cNvSpPr>
+          <p:nvPr>
+            <p:ph type="sldImg"/>
+          </p:nvPr>
+        </p:nvSpPr>
+        <p:spPr/>
+      </p:sp>
+      <p:sp>
+        <p:nvSpPr>
+          <p:cNvPr id="3" name="Notes Placeholder 2"/>
+          <p:cNvSpPr>
+            <a:spLocks noGrp="1"/>
+          </p:cNvSpPr>
+          <p:nvPr>
+            <p:ph type="body" idx="1"/>
+          </p:nvPr>
+        </p:nvSpPr>
+        <p:spPr/>
+        <p:txBody>
+          <a:bodyPr/>
+          <a:lstStyle/>
+          <a:p>
+            <a:r>
+              <a:rPr lang="en-US" dirty="0" smtClean="0"/>
+              <a:t>Starting</a:t>
+            </a:r>
+            <a:r>
+              <a:rPr lang="en-US" baseline="0" dirty="0" smtClean="0"/>
+              <a:t> point is the protein sequence, from this we get the following information</a:t>
+            </a:r>
+            <a:endParaRPr lang="en-US" dirty="0"/>
+          </a:p>
+        </p:txBody>
+      </p:sp>
+      <p:sp>
+        <p:nvSpPr>
+          <p:cNvPr id="4" name="Slide Number Placeholder 3"/>
+          <p:cNvSpPr>
+            <a:spLocks noGrp="1"/>
+          </p:cNvSpPr>
+          <p:nvPr>
+            <p:ph type="sldNum" sz="quarter" idx="10"/>
+          </p:nvPr>
+        </p:nvSpPr>
+        <p:spPr/>
+        <p:txBody>
+          <a:bodyPr/>
+          <a:lstStyle/>
+          <a:p>
+            <a:fld id="{6A27897D-5EE2-B14B-BA91-F964A1DD0C81}" type="slidenum">
+              <a:rPr lang="en-US" smtClean="0"/>
+              <a:t>4</a:t>
+            </a:fld>
+            <a:endParaRPr lang="en-US"/>
+          </a:p>
+        </p:txBody>
+      </p:sp>
+    </p:spTree>
+    <p:extLst>
+      <p:ext uri="{BB962C8B-B14F-4D97-AF65-F5344CB8AC3E}">
+        <p14:creationId xmlns:p14="http://schemas.microsoft.com/office/powerpoint/2010/main" val="1682665983"/>
+      </p:ext>
+    </p:extLst>
+  </p:cSld>
+  <p:clrMapOvr>
+    <a:masterClrMapping/>
+  </p:clrMapOvr>
+</p:notes>
+</file>
+
+<file path=ppt/notesSlides/notesSlide3.xml><?xml version="1.0" encoding="utf-8"?>
+<p:notes xmlns:a="http://schemas.openxmlformats.org/drawingml/2006/main" xmlns:r="http://schemas.openxmlformats.org/officeDocument/2006/relationships" xmlns:p="http://schemas.openxmlformats.org/presentationml/2006/main">
+  <p:cSld>
+    <p:spTree>
+      <p:nvGrpSpPr>
+        <p:cNvPr id="1" name=""/>
+        <p:cNvGrpSpPr/>
+        <p:nvPr/>
+      </p:nvGrpSpPr>
+      <p:grpSpPr>
+        <a:xfrm>
+          <a:off x="0" y="0"/>
+          <a:ext cx="0" cy="0"/>
+          <a:chOff x="0" y="0"/>
+          <a:chExt cx="0" cy="0"/>
+        </a:xfrm>
+      </p:grpSpPr>
+      <p:sp>
+        <p:nvSpPr>
+          <p:cNvPr id="2" name="Slide Image Placeholder 1"/>
+          <p:cNvSpPr>
+            <a:spLocks noGrp="1" noRot="1" noChangeAspect="1"/>
+          </p:cNvSpPr>
+          <p:nvPr>
+            <p:ph type="sldImg"/>
+          </p:nvPr>
+        </p:nvSpPr>
+        <p:spPr/>
+      </p:sp>
+      <p:sp>
+        <p:nvSpPr>
+          <p:cNvPr id="3" name="Notes Placeholder 2"/>
+          <p:cNvSpPr>
+            <a:spLocks noGrp="1"/>
+          </p:cNvSpPr>
+          <p:nvPr>
+            <p:ph type="body" idx="1"/>
+          </p:nvPr>
+        </p:nvSpPr>
+        <p:spPr/>
+        <p:txBody>
+          <a:bodyPr/>
+          <a:lstStyle/>
+          <a:p>
+            <a:endParaRPr lang="en-US" dirty="0"/>
+          </a:p>
+        </p:txBody>
+      </p:sp>
+      <p:sp>
+        <p:nvSpPr>
+          <p:cNvPr id="4" name="Slide Number Placeholder 3"/>
+          <p:cNvSpPr>
+            <a:spLocks noGrp="1"/>
+          </p:cNvSpPr>
+          <p:nvPr>
+            <p:ph type="sldNum" sz="quarter" idx="10"/>
+          </p:nvPr>
+        </p:nvSpPr>
+        <p:spPr/>
+        <p:txBody>
+          <a:bodyPr/>
+          <a:lstStyle/>
+          <a:p>
+            <a:fld id="{6A27897D-5EE2-B14B-BA91-F964A1DD0C81}" type="slidenum">
+              <a:rPr lang="en-US" smtClean="0"/>
+              <a:t>5</a:t>
+            </a:fld>
+            <a:endParaRPr lang="en-US"/>
+          </a:p>
+        </p:txBody>
+      </p:sp>
+    </p:spTree>
+    <p:extLst>
+      <p:ext uri="{BB962C8B-B14F-4D97-AF65-F5344CB8AC3E}">
+        <p14:creationId xmlns:p14="http://schemas.microsoft.com/office/powerpoint/2010/main" val="1712767043"/>
+      </p:ext>
+    </p:extLst>
+  </p:cSld>
+  <p:clrMapOvr>
+    <a:masterClrMapping/>
+  </p:clrMapOvr>
+</p:notes>
 </file>
 
 <file path=ppt/slideLayouts/slideLayout1.xml><?xml version="1.0" encoding="utf-8"?>
@@ -3478,13 +3758,17 @@
           <a:bodyPr/>
           <a:lstStyle/>
           <a:p>
-            <a:endParaRPr lang="en-US"/>
-          </a:p>
-        </p:txBody>
-      </p:sp>
-      <p:sp>
-        <p:nvSpPr>
-          <p:cNvPr id="3" name="Content Placeholder 2"/>
+            <a:r>
+              <a:rPr lang="en-US" dirty="0" smtClean="0"/>
+              <a:t>Physicochemical features data</a:t>
+            </a:r>
+            <a:endParaRPr lang="en-US" dirty="0"/>
+          </a:p>
+        </p:txBody>
+      </p:sp>
+      <p:sp>
+        <p:nvSpPr>
+          <p:cNvPr id="12" name="Content Placeholder 11"/>
           <p:cNvSpPr>
             <a:spLocks noGrp="1"/>
           </p:cNvSpPr>
@@ -3492,165 +3776,117 @@
             <p:ph idx="1"/>
           </p:nvPr>
         </p:nvSpPr>
-        <p:spPr/>
-        <p:txBody>
-          <a:bodyPr>
-            <a:normAutofit fontScale="25000" lnSpcReduction="20000"/>
-          </a:bodyPr>
-          <a:lstStyle/>
-          <a:p>
-            <a:pPr fontAlgn="base"/>
-            <a:r>
-              <a:rPr lang="en-US" b="1" dirty="0"/>
-              <a:t>Logistic Regression</a:t>
-            </a:r>
+        <p:spPr>
+          <a:xfrm>
+            <a:off x="762000" y="1790700"/>
+            <a:ext cx="10261600" cy="4241800"/>
+          </a:xfrm>
+        </p:spPr>
+        <p:txBody>
+          <a:bodyPr/>
+          <a:lstStyle/>
+          <a:p>
             <a:r>
               <a:rPr lang="en-US" dirty="0"/>
-              <a:t>: Logistic regression is a powerful statistical way of modeling a binomial outcome with one or more explanatory variables. It measures the relationship between the categorical dependent variable and one or more independent variables by estimating probabilities using a logistic function, which is the cumulative logistic distribution.</a:t>
-            </a:r>
-          </a:p>
-          <a:p>
-            <a:pPr fontAlgn="base"/>
-            <a:r>
-              <a:rPr lang="en-US" dirty="0"/>
-              <a:t>In general, regressions can be used in real-world applications such as:</a:t>
-            </a:r>
-          </a:p>
-          <a:p>
-            <a:pPr fontAlgn="base"/>
-            <a:r>
-              <a:rPr lang="en-US" dirty="0"/>
-              <a:t>·        Predicting the Customer Churn</a:t>
-            </a:r>
-          </a:p>
-          <a:p>
-            <a:pPr fontAlgn="base"/>
-            <a:r>
-              <a:rPr lang="en-US" dirty="0"/>
-              <a:t>·        Credit Scoring &amp; Fraud Detection</a:t>
-            </a:r>
-          </a:p>
-          <a:p>
-            <a:pPr fontAlgn="base"/>
-            <a:r>
-              <a:rPr lang="en-US" dirty="0"/>
-              <a:t>·        Measuring the effectiveness of marketing campaigns</a:t>
-            </a:r>
-          </a:p>
-          <a:p>
-            <a:pPr fontAlgn="base"/>
-            <a:r>
-              <a:rPr lang="en-US" b="1" dirty="0"/>
-              <a:t> </a:t>
+              <a:t>Loop over each protein sequence and collect:</a:t>
+            </a:r>
+          </a:p>
+          <a:p>
+            <a:pPr marL="742950" lvl="1" indent="-285750">
+              <a:buFontTx/>
+              <a:buChar char="-"/>
+            </a:pPr>
+            <a:r>
+              <a:rPr lang="en-US" sz="3200" dirty="0"/>
+              <a:t>Amino acid </a:t>
+            </a:r>
+            <a:r>
+              <a:rPr lang="en-US" sz="3200" dirty="0" smtClean="0"/>
+              <a:t>composition (% each aa base)</a:t>
+            </a:r>
+            <a:endParaRPr lang="en-US" sz="3200" dirty="0"/>
+          </a:p>
+          <a:p>
+            <a:pPr marL="742950" lvl="1" indent="-285750">
+              <a:buFontTx/>
+              <a:buChar char="-"/>
+            </a:pPr>
+            <a:r>
+              <a:rPr lang="en-US" sz="3200" dirty="0"/>
+              <a:t>Sequence length</a:t>
+            </a:r>
+          </a:p>
+          <a:p>
+            <a:pPr marL="742950" lvl="1" indent="-285750">
+              <a:buFontTx/>
+              <a:buChar char="-"/>
+            </a:pPr>
+            <a:r>
+              <a:rPr lang="en-US" sz="3200" dirty="0"/>
+              <a:t>Moreau </a:t>
+            </a:r>
+            <a:r>
+              <a:rPr lang="en-US" sz="3200" dirty="0" err="1"/>
+              <a:t>Broto</a:t>
+            </a:r>
+            <a:r>
+              <a:rPr lang="en-US" sz="3200" dirty="0"/>
+              <a:t> Autocorrelation </a:t>
+            </a:r>
+            <a:r>
+              <a:rPr lang="en-US" sz="3200" dirty="0" smtClean="0"/>
+              <a:t>(autocorrelation of </a:t>
+            </a:r>
+            <a:r>
+              <a:rPr lang="en-US" sz="3200" dirty="0"/>
+              <a:t>a </a:t>
+            </a:r>
+            <a:r>
+              <a:rPr lang="en-US" sz="3200" dirty="0" smtClean="0"/>
+              <a:t>topological structure </a:t>
+            </a:r>
+            <a:r>
+              <a:rPr lang="en-US" sz="3200" dirty="0"/>
+              <a:t>(</a:t>
+            </a:r>
+            <a:r>
+              <a:rPr lang="en-US" sz="3200" dirty="0" smtClean="0"/>
+              <a:t>ATS) </a:t>
+            </a:r>
+            <a:r>
+              <a:rPr lang="mr-IN" sz="3200" dirty="0" smtClean="0"/>
+              <a:t>–</a:t>
+            </a:r>
+            <a:r>
+              <a:rPr lang="en-US" sz="3200" dirty="0" smtClean="0"/>
+              <a:t> describes how </a:t>
+            </a:r>
+            <a:r>
+              <a:rPr lang="en-US" sz="3200" dirty="0"/>
+              <a:t>a property is distributed along the topological </a:t>
+            </a:r>
+            <a:r>
+              <a:rPr lang="en-US" sz="3200" dirty="0" smtClean="0"/>
+              <a:t>structure)</a:t>
+            </a:r>
+            <a:endParaRPr lang="en-US" sz="3200" dirty="0"/>
+          </a:p>
+          <a:p>
+            <a:endParaRPr lang="en-US" dirty="0" smtClean="0"/>
+          </a:p>
+          <a:p>
+            <a:r>
+              <a:rPr lang="en-US" dirty="0" smtClean="0"/>
+              <a:t>250 + features </a:t>
             </a:r>
             <a:endParaRPr lang="en-US" dirty="0"/>
-          </a:p>
-          <a:p>
-            <a:pPr fontAlgn="base"/>
-            <a:r>
-              <a:rPr lang="en-US" b="1" dirty="0"/>
-              <a:t>Support Vector Machines</a:t>
-            </a:r>
-            <a:r>
-              <a:rPr lang="en-US" dirty="0"/>
-              <a:t>: Support Vector Machine (SVM) is a supervised machine learning technique that is widely used in pattern recognition and classification problems - when your data has exactly two classes.</a:t>
-            </a:r>
-          </a:p>
-          <a:p>
-            <a:pPr fontAlgn="base"/>
-            <a:r>
-              <a:rPr lang="en-US" dirty="0"/>
-              <a:t>In general, SVM can be used in real-world applications such as:</a:t>
-            </a:r>
-          </a:p>
-          <a:p>
-            <a:pPr fontAlgn="base"/>
-            <a:r>
-              <a:rPr lang="en-US" dirty="0"/>
-              <a:t>·        detecting persons with common diseases such as diabetes</a:t>
-            </a:r>
-          </a:p>
-          <a:p>
-            <a:pPr fontAlgn="base"/>
-            <a:r>
-              <a:rPr lang="en-US" dirty="0"/>
-              <a:t>·        hand-written character recognition</a:t>
-            </a:r>
-          </a:p>
-          <a:p>
-            <a:pPr fontAlgn="base"/>
-            <a:r>
-              <a:rPr lang="en-US" dirty="0"/>
-              <a:t>·        text categorization – news articles by topics</a:t>
-            </a:r>
-          </a:p>
-          <a:p>
-            <a:pPr fontAlgn="base"/>
-            <a:r>
-              <a:rPr lang="en-US" dirty="0"/>
-              <a:t>·        stock market price prediction</a:t>
-            </a:r>
-          </a:p>
-          <a:p>
-            <a:pPr fontAlgn="base"/>
-            <a:r>
-              <a:rPr lang="en-US" b="1" dirty="0"/>
-              <a:t> </a:t>
-            </a:r>
-            <a:endParaRPr lang="en-US" dirty="0"/>
-          </a:p>
-          <a:p>
-            <a:pPr fontAlgn="base"/>
-            <a:r>
-              <a:rPr lang="en-US" b="1" dirty="0"/>
-              <a:t>Naive Bayes</a:t>
-            </a:r>
-            <a:r>
-              <a:rPr lang="en-US" dirty="0"/>
-              <a:t>: It is a classification technique based on Bayes’ theorem and very easy to build and particularly useful for very large data sets. Along with simplicity, Naive Bayes is known to outperform even highly sophisticated classification methods. Naive Bayes is also a good choice when CPU and memory resources are a limiting factor</a:t>
-            </a:r>
-          </a:p>
-          <a:p>
-            <a:pPr fontAlgn="base"/>
-            <a:r>
-              <a:rPr lang="en-US" dirty="0"/>
-              <a:t>In general, Naive Bayes can be used in real-world applications such as:</a:t>
-            </a:r>
-          </a:p>
-          <a:p>
-            <a:pPr fontAlgn="base"/>
-            <a:r>
-              <a:rPr lang="en-US" dirty="0"/>
-              <a:t>·        Sentiment analysis and text classification</a:t>
-            </a:r>
-          </a:p>
-          <a:p>
-            <a:pPr fontAlgn="base"/>
-            <a:r>
-              <a:rPr lang="en-US" dirty="0"/>
-              <a:t>·        Recommendation systems like Netflix, Amazon</a:t>
-            </a:r>
-          </a:p>
-          <a:p>
-            <a:pPr fontAlgn="base"/>
-            <a:r>
-              <a:rPr lang="en-US" dirty="0"/>
-              <a:t>·        To mark an email as spam or not spam</a:t>
-            </a:r>
-          </a:p>
-          <a:p>
-            <a:pPr fontAlgn="base"/>
-            <a:r>
-              <a:rPr lang="en-US" dirty="0"/>
-              <a:t>·        Facebook like face recognition</a:t>
-            </a:r>
           </a:p>
         </p:txBody>
       </p:sp>
     </p:spTree>
     <p:extLst>
       <p:ext uri="{BB962C8B-B14F-4D97-AF65-F5344CB8AC3E}">
-        <p14:creationId xmlns:p14="http://schemas.microsoft.com/office/powerpoint/2010/main" val="68059916"/>
+        <p14:creationId xmlns:p14="http://schemas.microsoft.com/office/powerpoint/2010/main" val="995270301"/>
       </p:ext>
     </p:extLst>
   </p:cSld>
@@ -3692,7 +3928,15 @@
           <a:bodyPr/>
           <a:lstStyle/>
           <a:p>
-            <a:endParaRPr lang="en-US"/>
+            <a:r>
+              <a:rPr lang="en-US" dirty="0" err="1" smtClean="0"/>
+              <a:t>Pca</a:t>
+            </a:r>
+            <a:r>
+              <a:rPr lang="en-US" dirty="0" smtClean="0"/>
+              <a:t> for hmm?</a:t>
+            </a:r>
+            <a:endParaRPr lang="en-US" dirty="0"/>
           </a:p>
         </p:txBody>
       </p:sp>
@@ -3711,81 +3955,6 @@
           <a:bodyPr/>
           <a:lstStyle/>
           <a:p>
-            <a:r>
-              <a:rPr lang="en-US" i="1" dirty="0"/>
-              <a:t># either only keep the values that are there or fill in the blanks?</a:t>
-            </a:r>
-            <a:br>
-              <a:rPr lang="en-US" i="1" dirty="0"/>
-            </a:br>
-            <a:r>
-              <a:rPr lang="en-US" i="1" dirty="0"/>
-              <a:t># missing BLAST values - there was no alignment</a:t>
-            </a:r>
-            <a:br>
-              <a:rPr lang="en-US" i="1" dirty="0"/>
-            </a:br>
-            <a:r>
-              <a:rPr lang="en-US" i="1" dirty="0"/>
-              <a:t># </a:t>
-            </a:r>
-            <a:r>
-              <a:rPr lang="en-US" i="1" dirty="0" err="1"/>
-              <a:t>pident</a:t>
-            </a:r>
-            <a:r>
-              <a:rPr lang="en-US" i="1" dirty="0"/>
-              <a:t> is 0, </a:t>
-            </a:r>
-            <a:r>
-              <a:rPr lang="en-US" i="1" dirty="0" err="1"/>
-              <a:t>bitscore</a:t>
-            </a:r>
-            <a:r>
-              <a:rPr lang="en-US" i="1" dirty="0"/>
-              <a:t> is 0, </a:t>
-            </a:r>
-            <a:r>
-              <a:rPr lang="en-US" i="1" dirty="0" err="1"/>
-              <a:t>sstart</a:t>
-            </a:r>
-            <a:r>
-              <a:rPr lang="en-US" i="1" dirty="0"/>
-              <a:t> is ? -- remove this column?</a:t>
-            </a:r>
-            <a:br>
-              <a:rPr lang="en-US" i="1" dirty="0"/>
-            </a:br>
-            <a:r>
-              <a:rPr lang="en-US" i="1" dirty="0"/>
-              <a:t># missing HMM </a:t>
-            </a:r>
-            <a:r>
-              <a:rPr lang="en-US" i="1" dirty="0" err="1"/>
-              <a:t>alignemnts</a:t>
-            </a:r>
-            <a:r>
-              <a:rPr lang="en-US" i="1" dirty="0"/>
-              <a:t/>
-            </a:r>
-            <a:br>
-              <a:rPr lang="en-US" i="1" dirty="0"/>
-            </a:br>
-            <a:r>
-              <a:rPr lang="en-US" i="1" dirty="0"/>
-              <a:t># score is 0, </a:t>
-            </a:r>
-            <a:r>
-              <a:rPr lang="en-US" i="1" dirty="0" err="1"/>
-              <a:t>hf</a:t>
-            </a:r>
-            <a:r>
-              <a:rPr lang="en-US" i="1" dirty="0"/>
-              <a:t> is high</a:t>
-            </a:r>
-            <a:br>
-              <a:rPr lang="en-US" i="1" dirty="0"/>
-            </a:br>
             <a:endParaRPr lang="en-US" dirty="0"/>
           </a:p>
         </p:txBody>
@@ -3793,7 +3962,7 @@
     </p:spTree>
     <p:extLst>
       <p:ext uri="{BB962C8B-B14F-4D97-AF65-F5344CB8AC3E}">
-        <p14:creationId xmlns:p14="http://schemas.microsoft.com/office/powerpoint/2010/main" val="2122741427"/>
+        <p14:creationId xmlns:p14="http://schemas.microsoft.com/office/powerpoint/2010/main" val="1003361861"/>
       </p:ext>
     </p:extLst>
   </p:cSld>
@@ -3837,7 +4006,7 @@
           <a:p>
             <a:r>
               <a:rPr lang="en-US" dirty="0" smtClean="0"/>
-              <a:t>Cross validation</a:t>
+              <a:t>Feature Selection</a:t>
             </a:r>
             <a:endParaRPr lang="en-US" dirty="0"/>
           </a:p>
@@ -3859,22 +4028,51 @@
           <a:lstStyle/>
           <a:p>
             <a:r>
-              <a:rPr lang="en-US" i="1" dirty="0"/>
-              <a:t># We are using the metric of ‘accuracy‘ to evaluate models. This is a ratio of the number of correctly predicted</a:t>
-            </a:r>
-            <a:br>
-              <a:rPr lang="en-US" i="1" dirty="0"/>
-            </a:br>
-            <a:r>
-              <a:rPr lang="en-US" i="1" dirty="0"/>
-              <a:t># instances in divided by the total number of instances in the dataset multiplied by 100 to give a percentage</a:t>
-            </a:r>
-            <a:br>
-              <a:rPr lang="en-US" i="1" dirty="0"/>
-            </a:br>
-            <a:r>
-              <a:rPr lang="en-US" i="1" dirty="0"/>
-              <a:t># (e.g. 95% accurate). We will be using the scoring variable when we run build and evaluate each model next.</a:t>
+              <a:rPr lang="en-US" dirty="0" smtClean="0"/>
+              <a:t>Combine </a:t>
+            </a:r>
+            <a:r>
+              <a:rPr lang="en-US" dirty="0" err="1" smtClean="0"/>
+              <a:t>LogisticRegression</a:t>
+            </a:r>
+            <a:r>
+              <a:rPr lang="en-US" dirty="0" smtClean="0"/>
+              <a:t>() and </a:t>
+            </a:r>
+            <a:r>
+              <a:rPr lang="en-US" dirty="0" err="1" smtClean="0"/>
+              <a:t>LinearSVC</a:t>
+            </a:r>
+            <a:r>
+              <a:rPr lang="en-US" dirty="0" smtClean="0"/>
+              <a:t>() to find a set of 200 features</a:t>
+            </a:r>
+          </a:p>
+          <a:p>
+            <a:r>
+              <a:rPr lang="en-US" dirty="0" smtClean="0"/>
+              <a:t>Filter DFs on these features</a:t>
+            </a:r>
+          </a:p>
+          <a:p>
+            <a:r>
+              <a:rPr lang="en-US" dirty="0"/>
+              <a:t>your feature selection </a:t>
+            </a:r>
+            <a:r>
+              <a:rPr lang="en-US" dirty="0" err="1"/>
+              <a:t>methodolgy</a:t>
+            </a:r>
+            <a:r>
+              <a:rPr lang="en-US" dirty="0"/>
+              <a:t>, if any</a:t>
+            </a:r>
+            <a:endParaRPr lang="en-US" dirty="0" smtClean="0"/>
+          </a:p>
+          <a:p>
+            <a:r>
+              <a:rPr lang="en-US" dirty="0" smtClean="0"/>
+              <a:t>Test models </a:t>
             </a:r>
             <a:endParaRPr lang="en-US" dirty="0"/>
           </a:p>
@@ -3883,7 +4081,7 @@
     </p:spTree>
     <p:extLst>
       <p:ext uri="{BB962C8B-B14F-4D97-AF65-F5344CB8AC3E}">
-        <p14:creationId xmlns:p14="http://schemas.microsoft.com/office/powerpoint/2010/main" val="1206999701"/>
+        <p14:creationId xmlns:p14="http://schemas.microsoft.com/office/powerpoint/2010/main" val="338296123"/>
       </p:ext>
     </p:extLst>
   </p:cSld>
@@ -3927,7 +4125,7 @@
           <a:p>
             <a:r>
               <a:rPr lang="en-US" dirty="0" smtClean="0"/>
-              <a:t>Logistic regression</a:t>
+              <a:t>Algorithm Selection</a:t>
             </a:r>
             <a:endParaRPr lang="en-US" dirty="0"/>
           </a:p>
@@ -3945,232 +4143,67 @@
         </p:nvSpPr>
         <p:spPr/>
         <p:txBody>
-          <a:bodyPr>
-            <a:normAutofit fontScale="77500" lnSpcReduction="20000"/>
-          </a:bodyPr>
-          <a:lstStyle/>
-          <a:p>
-            <a:pPr fontAlgn="base"/>
-            <a:r>
-              <a:rPr lang="en-US" dirty="0"/>
-              <a:t>Linear regression is an approach for modeling the relationship between a continuous dependent variable </a:t>
-            </a:r>
-            <a:r>
-              <a:rPr lang="en-US" dirty="0" err="1"/>
-              <a:t>yy</a:t>
-            </a:r>
-            <a:r>
-              <a:rPr lang="en-US" dirty="0"/>
-              <a:t> and one or more predictors XX. The relationship between </a:t>
-            </a:r>
-            <a:r>
-              <a:rPr lang="en-US" dirty="0" err="1"/>
-              <a:t>yyand</a:t>
-            </a:r>
-            <a:r>
-              <a:rPr lang="en-US" dirty="0"/>
-              <a:t> XX can be linearly modeled as y=βTX+ϵy=βTX+ϵ Given the training examples {</a:t>
-            </a:r>
-            <a:r>
-              <a:rPr lang="en-US" dirty="0" err="1"/>
-              <a:t>xi,yi</a:t>
-            </a:r>
-            <a:r>
-              <a:rPr lang="en-US" dirty="0"/>
-              <a:t>}Ni=1{</a:t>
-            </a:r>
-            <a:r>
-              <a:rPr lang="en-US" dirty="0" err="1"/>
-              <a:t>xi,yi</a:t>
-            </a:r>
-            <a:r>
-              <a:rPr lang="en-US" dirty="0"/>
-              <a:t>}</a:t>
-            </a:r>
-            <a:r>
-              <a:rPr lang="en-US" dirty="0" err="1"/>
-              <a:t>i</a:t>
-            </a:r>
-            <a:r>
-              <a:rPr lang="en-US" dirty="0"/>
-              <a:t>=1N, the parameter vector ββ can be learnt.</a:t>
-            </a:r>
-          </a:p>
-          <a:p>
-            <a:pPr fontAlgn="base"/>
-            <a:r>
-              <a:rPr lang="en-US" dirty="0"/>
-              <a:t>If the dependent variable is not continuous but categorical, linear regression can be transformed to logistic regression using a logit link function. Logistic regression is a simple, fast yet powerful classification algorithm. Here we discuss the binary case where the dependent variable </a:t>
-            </a:r>
-            <a:r>
-              <a:rPr lang="en-US" dirty="0" err="1"/>
-              <a:t>yy</a:t>
-            </a:r>
-            <a:r>
-              <a:rPr lang="en-US" dirty="0"/>
-              <a:t> only takes binary values {</a:t>
-            </a:r>
-            <a:r>
-              <a:rPr lang="en-US" dirty="0" err="1"/>
-              <a:t>yi</a:t>
-            </a:r>
-            <a:r>
-              <a:rPr lang="en-US" dirty="0"/>
-              <a:t>∈(−1,1)}Ni=1{</a:t>
-            </a:r>
-            <a:r>
-              <a:rPr lang="en-US" dirty="0" err="1"/>
-              <a:t>yi</a:t>
-            </a:r>
-            <a:r>
-              <a:rPr lang="en-US" dirty="0"/>
-              <a:t>∈(−1,1)}</a:t>
-            </a:r>
-            <a:r>
-              <a:rPr lang="en-US" dirty="0" err="1"/>
-              <a:t>i</a:t>
-            </a:r>
-            <a:r>
-              <a:rPr lang="en-US" dirty="0"/>
-              <a:t>=1N (it which can be easily extended to multi-class classification problems).</a:t>
-            </a:r>
-          </a:p>
-          <a:p>
-            <a:pPr fontAlgn="base"/>
-            <a:r>
-              <a:rPr lang="en-US" dirty="0"/>
-              <a:t>In logistic regression we use a different hypothesis class to try to predict the probability that a given example belongs to the "1" class versus the probability that it belongs to the "-1" class. Specifically, we will try to learn a function of the </a:t>
-            </a:r>
-            <a:r>
-              <a:rPr lang="en-US" dirty="0" err="1"/>
-              <a:t>form:p</a:t>
-            </a:r>
-            <a:r>
-              <a:rPr lang="en-US" dirty="0"/>
-              <a:t>(</a:t>
-            </a:r>
-            <a:r>
-              <a:rPr lang="en-US" dirty="0" err="1"/>
-              <a:t>yi</a:t>
-            </a:r>
-            <a:r>
-              <a:rPr lang="en-US" dirty="0"/>
-              <a:t>=1|xi)=</a:t>
-            </a:r>
-            <a:r>
-              <a:rPr lang="en-US" dirty="0" err="1"/>
-              <a:t>σ</a:t>
-            </a:r>
-            <a:r>
-              <a:rPr lang="en-US" dirty="0"/>
-              <a:t>(β</a:t>
-            </a:r>
-            <a:r>
-              <a:rPr lang="en-US" dirty="0" err="1"/>
-              <a:t>Txi</a:t>
-            </a:r>
-            <a:r>
-              <a:rPr lang="en-US" dirty="0"/>
-              <a:t>)p(</a:t>
-            </a:r>
-            <a:r>
-              <a:rPr lang="en-US" dirty="0" err="1"/>
-              <a:t>yi</a:t>
-            </a:r>
-            <a:r>
-              <a:rPr lang="en-US" dirty="0"/>
-              <a:t>=1|xi)=</a:t>
-            </a:r>
-            <a:r>
-              <a:rPr lang="en-US" dirty="0" err="1"/>
-              <a:t>σ</a:t>
-            </a:r>
-            <a:r>
-              <a:rPr lang="en-US" dirty="0"/>
-              <a:t>(β</a:t>
-            </a:r>
-            <a:r>
-              <a:rPr lang="en-US" dirty="0" err="1"/>
-              <a:t>Txi</a:t>
-            </a:r>
-            <a:r>
-              <a:rPr lang="en-US" dirty="0"/>
-              <a:t>) and p(</a:t>
-            </a:r>
-            <a:r>
-              <a:rPr lang="en-US" dirty="0" err="1"/>
-              <a:t>yi</a:t>
-            </a:r>
-            <a:r>
-              <a:rPr lang="en-US" dirty="0"/>
-              <a:t>=−1|xi)=1−σ(β</a:t>
-            </a:r>
-            <a:r>
-              <a:rPr lang="en-US" dirty="0" err="1"/>
-              <a:t>Txi</a:t>
-            </a:r>
-            <a:r>
-              <a:rPr lang="en-US" dirty="0"/>
-              <a:t>)p(</a:t>
-            </a:r>
-            <a:r>
-              <a:rPr lang="en-US" dirty="0" err="1"/>
-              <a:t>yi</a:t>
-            </a:r>
-            <a:r>
-              <a:rPr lang="en-US" dirty="0"/>
-              <a:t>=−1|xi)=1−σ(β</a:t>
-            </a:r>
-            <a:r>
-              <a:rPr lang="en-US" dirty="0" err="1"/>
-              <a:t>Txi</a:t>
-            </a:r>
-            <a:r>
-              <a:rPr lang="en-US" dirty="0"/>
-              <a:t>). Here </a:t>
-            </a:r>
-            <a:r>
-              <a:rPr lang="en-US" dirty="0" err="1"/>
-              <a:t>σ</a:t>
-            </a:r>
-            <a:r>
-              <a:rPr lang="en-US" dirty="0"/>
-              <a:t>(x)=11+exp(−x)</a:t>
-            </a:r>
-            <a:r>
-              <a:rPr lang="en-US" dirty="0" err="1"/>
-              <a:t>σ</a:t>
-            </a:r>
-            <a:r>
-              <a:rPr lang="en-US" dirty="0"/>
-              <a:t>(x)=11+exp(−x) is a sigmoid function. Given the training examples{</a:t>
-            </a:r>
-            <a:r>
-              <a:rPr lang="en-US" dirty="0" err="1"/>
-              <a:t>xi,yi</a:t>
-            </a:r>
-            <a:r>
-              <a:rPr lang="en-US" dirty="0"/>
-              <a:t>}Ni=1{</a:t>
-            </a:r>
-            <a:r>
-              <a:rPr lang="en-US" dirty="0" err="1"/>
-              <a:t>xi,yi</a:t>
-            </a:r>
-            <a:r>
-              <a:rPr lang="en-US" dirty="0"/>
-              <a:t>}</a:t>
-            </a:r>
-            <a:r>
-              <a:rPr lang="en-US" dirty="0" err="1"/>
-              <a:t>i</a:t>
-            </a:r>
-            <a:r>
-              <a:rPr lang="en-US" dirty="0"/>
-              <a:t>=1N, the parameter vector ββ can be learnt by maximizing the log-likelihood of ββ given the data set.</a:t>
-            </a:r>
-          </a:p>
-          <a:p>
+          <a:bodyPr/>
+          <a:lstStyle/>
+          <a:p>
+            <a:r>
+              <a:rPr lang="en-US" dirty="0" smtClean="0"/>
+              <a:t>Create a validation set &amp; a training set</a:t>
+            </a:r>
+          </a:p>
+          <a:p>
+            <a:r>
+              <a:rPr lang="en-US" dirty="0" smtClean="0"/>
+              <a:t>Model choice </a:t>
+            </a:r>
+            <a:r>
+              <a:rPr lang="mr-IN" dirty="0" smtClean="0"/>
+              <a:t>–</a:t>
+            </a:r>
+            <a:r>
+              <a:rPr lang="en-US" dirty="0" smtClean="0"/>
+              <a:t> </a:t>
+            </a:r>
+            <a:r>
+              <a:rPr lang="en-US" dirty="0" err="1" smtClean="0"/>
+              <a:t>sklearn</a:t>
+            </a:r>
+            <a:r>
+              <a:rPr lang="en-US" dirty="0" smtClean="0"/>
+              <a:t> cheat sheet</a:t>
+            </a:r>
+          </a:p>
+          <a:p>
+            <a:r>
+              <a:rPr lang="en-US" dirty="0" smtClean="0"/>
+              <a:t>Compare different algorithms</a:t>
+            </a:r>
+          </a:p>
+          <a:p>
+            <a:r>
+              <a:rPr lang="en-US" dirty="0" smtClean="0"/>
+              <a:t>Table</a:t>
+            </a:r>
+          </a:p>
+          <a:p>
+            <a:r>
+              <a:rPr lang="en-US" dirty="0" smtClean="0"/>
+              <a:t>Plot</a:t>
+            </a:r>
+          </a:p>
+          <a:p>
+            <a:r>
+              <a:rPr lang="en-US" dirty="0" smtClean="0"/>
+              <a:t>Combined </a:t>
+            </a:r>
+            <a:r>
+              <a:rPr lang="en-US" dirty="0" err="1" smtClean="0"/>
+              <a:t>algos</a:t>
+            </a:r>
+            <a:r>
+              <a:rPr lang="en-US" dirty="0" smtClean="0"/>
+              <a:t>?</a:t>
+            </a:r>
             <a:endParaRPr lang="en-US" dirty="0"/>
           </a:p>
         </p:txBody>
@@ -4178,7 +4211,7 @@
     </p:spTree>
     <p:extLst>
       <p:ext uri="{BB962C8B-B14F-4D97-AF65-F5344CB8AC3E}">
-        <p14:creationId xmlns:p14="http://schemas.microsoft.com/office/powerpoint/2010/main" val="1421708008"/>
+        <p14:creationId xmlns:p14="http://schemas.microsoft.com/office/powerpoint/2010/main" val="478983830"/>
       </p:ext>
     </p:extLst>
   </p:cSld>
@@ -4220,7 +4253,143 @@
           <a:bodyPr/>
           <a:lstStyle/>
           <a:p>
+            <a:r>
+              <a:rPr lang="en-US" smtClean="0"/>
+              <a:t>How to pick a model</a:t>
+            </a:r>
             <a:endParaRPr lang="en-US"/>
+          </a:p>
+        </p:txBody>
+      </p:sp>
+      <p:sp>
+        <p:nvSpPr>
+          <p:cNvPr id="3" name="Content Placeholder 2"/>
+          <p:cNvSpPr>
+            <a:spLocks noGrp="1"/>
+          </p:cNvSpPr>
+          <p:nvPr>
+            <p:ph idx="1"/>
+          </p:nvPr>
+        </p:nvSpPr>
+        <p:spPr/>
+        <p:txBody>
+          <a:bodyPr>
+            <a:normAutofit fontScale="70000" lnSpcReduction="20000"/>
+          </a:bodyPr>
+          <a:lstStyle/>
+          <a:p>
+            <a:r>
+              <a:rPr lang="en-US" dirty="0" err="1"/>
+              <a:t>everal</a:t>
+            </a:r>
+            <a:r>
+              <a:rPr lang="en-US" dirty="0"/>
+              <a:t> methods, including logistic regression and the Bayes point machine, assume </a:t>
+            </a:r>
+            <a:r>
+              <a:rPr lang="en-US" b="1" dirty="0"/>
+              <a:t>linear class boundaries</a:t>
+            </a:r>
+            <a:r>
+              <a:rPr lang="en-US" dirty="0"/>
+              <a:t>. That is, they assume that the boundaries between classes are approximately straight lines (or hyperplanes in the more general case). Often this is a characteristic of the data that you don’t know until after you’ve tried to separate it, but it’s something that typically can be learned by visualizing beforehand. If the class boundaries look very irregular, stick with decision trees, decision jungles, support vector machines, or neural networks</a:t>
+            </a:r>
+            <a:r>
+              <a:rPr lang="en-US" dirty="0" smtClean="0"/>
+              <a:t>.</a:t>
+            </a:r>
+          </a:p>
+          <a:p>
+            <a:r>
+              <a:rPr lang="en-US" b="1" dirty="0"/>
+              <a:t>Bayesian methods</a:t>
+            </a:r>
+            <a:r>
+              <a:rPr lang="en-US" dirty="0"/>
+              <a:t> make the assumption of statistically independent data points. This means that the </a:t>
+            </a:r>
+            <a:r>
+              <a:rPr lang="en-US" dirty="0" err="1"/>
+              <a:t>unmodeled</a:t>
+            </a:r>
+            <a:r>
+              <a:rPr lang="en-US" dirty="0"/>
+              <a:t> variability in one data point is uncorrelated with others, that is, it can’t be predicted. For example, if the data being recorded is the number of minutes until the next subway train arrives, two measurements taken a day apart are statistically independent. However, two measurements taken a minute apart are not statistically independent - the value of one is highly predictive of the value of the other.</a:t>
+            </a:r>
+          </a:p>
+          <a:p>
+            <a:r>
+              <a:rPr lang="en-US" b="1" dirty="0"/>
+              <a:t>Boosted decision tree regression</a:t>
+            </a:r>
+            <a:r>
+              <a:rPr lang="en-US" dirty="0"/>
+              <a:t> takes advantage of feature overlap or interaction among features. That means that, in any given data point, the value of one feature is somewhat predictive of the value of another. For example, in daily high/low temperature data, knowing the low temperature for the day allows you to make a reasonable guess at the high. The information contained in the two features is somewhat redundant.</a:t>
+            </a:r>
+          </a:p>
+          <a:p>
+            <a:endParaRPr lang="en-US" dirty="0"/>
+          </a:p>
+        </p:txBody>
+      </p:sp>
+    </p:spTree>
+    <p:extLst>
+      <p:ext uri="{BB962C8B-B14F-4D97-AF65-F5344CB8AC3E}">
+        <p14:creationId xmlns:p14="http://schemas.microsoft.com/office/powerpoint/2010/main" val="14993542"/>
+      </p:ext>
+    </p:extLst>
+  </p:cSld>
+  <p:clrMapOvr>
+    <a:masterClrMapping/>
+  </p:clrMapOvr>
+</p:sld>
+</file>
+
+<file path=ppt/slides/slide15.xml><?xml version="1.0" encoding="utf-8"?>
+<p:sld xmlns:a="http://schemas.openxmlformats.org/drawingml/2006/main" xmlns:r="http://schemas.openxmlformats.org/officeDocument/2006/relationships" xmlns:p="http://schemas.openxmlformats.org/presentationml/2006/main">
+  <p:cSld>
+    <p:spTree>
+      <p:nvGrpSpPr>
+        <p:cNvPr id="1" name=""/>
+        <p:cNvGrpSpPr/>
+        <p:nvPr/>
+      </p:nvGrpSpPr>
+      <p:grpSpPr>
+        <a:xfrm>
+          <a:off x="0" y="0"/>
+          <a:ext cx="0" cy="0"/>
+          <a:chOff x="0" y="0"/>
+          <a:chExt cx="0" cy="0"/>
+        </a:xfrm>
+      </p:grpSpPr>
+      <p:sp>
+        <p:nvSpPr>
+          <p:cNvPr id="2" name="Title 1"/>
+          <p:cNvSpPr>
+            <a:spLocks noGrp="1"/>
+          </p:cNvSpPr>
+          <p:nvPr>
+            <p:ph type="title"/>
+          </p:nvPr>
+        </p:nvSpPr>
+        <p:spPr/>
+        <p:txBody>
+          <a:bodyPr/>
+          <a:lstStyle/>
+          <a:p>
+            <a:r>
+              <a:rPr lang="en-US" dirty="0" smtClean="0"/>
+              <a:t>From </a:t>
+            </a:r>
+            <a:r>
+              <a:rPr lang="en-US" dirty="0" err="1" smtClean="0"/>
+              <a:t>sklearn’s</a:t>
+            </a:r>
+            <a:r>
+              <a:rPr lang="en-US" dirty="0" smtClean="0"/>
+              <a:t> cheat sheet</a:t>
+            </a:r>
+            <a:endParaRPr lang="en-US" dirty="0"/>
           </a:p>
         </p:txBody>
       </p:sp>
@@ -4266,179 +4435,6 @@
 </p:sld>
 </file>
 
-<file path=ppt/slides/slide15.xml><?xml version="1.0" encoding="utf-8"?>
-<p:sld xmlns:a="http://schemas.openxmlformats.org/drawingml/2006/main" xmlns:r="http://schemas.openxmlformats.org/officeDocument/2006/relationships" xmlns:p="http://schemas.openxmlformats.org/presentationml/2006/main">
-  <p:cSld>
-    <p:spTree>
-      <p:nvGrpSpPr>
-        <p:cNvPr id="1" name=""/>
-        <p:cNvGrpSpPr/>
-        <p:nvPr/>
-      </p:nvGrpSpPr>
-      <p:grpSpPr>
-        <a:xfrm>
-          <a:off x="0" y="0"/>
-          <a:ext cx="0" cy="0"/>
-          <a:chOff x="0" y="0"/>
-          <a:chExt cx="0" cy="0"/>
-        </a:xfrm>
-      </p:grpSpPr>
-      <p:sp>
-        <p:nvSpPr>
-          <p:cNvPr id="2" name="Title 1"/>
-          <p:cNvSpPr>
-            <a:spLocks noGrp="1"/>
-          </p:cNvSpPr>
-          <p:nvPr>
-            <p:ph type="title"/>
-          </p:nvPr>
-        </p:nvSpPr>
-        <p:spPr/>
-        <p:txBody>
-          <a:bodyPr/>
-          <a:lstStyle/>
-          <a:p>
-            <a:r>
-              <a:rPr lang="en-US" dirty="0" smtClean="0"/>
-              <a:t>Checklist</a:t>
-            </a:r>
-            <a:endParaRPr lang="en-US" dirty="0"/>
-          </a:p>
-        </p:txBody>
-      </p:sp>
-      <p:sp>
-        <p:nvSpPr>
-          <p:cNvPr id="3" name="Content Placeholder 2"/>
-          <p:cNvSpPr>
-            <a:spLocks noGrp="1"/>
-          </p:cNvSpPr>
-          <p:nvPr>
-            <p:ph idx="1"/>
-          </p:nvPr>
-        </p:nvSpPr>
-        <p:spPr/>
-        <p:txBody>
-          <a:bodyPr>
-            <a:normAutofit/>
-          </a:bodyPr>
-          <a:lstStyle/>
-          <a:p>
-            <a:r>
-              <a:rPr lang="en-US" i="1" dirty="0"/>
-              <a:t># code documentation</a:t>
-            </a:r>
-            <a:br>
-              <a:rPr lang="en-US" i="1" dirty="0"/>
-            </a:br>
-            <a:r>
-              <a:rPr lang="en-US" i="1" dirty="0"/>
-              <a:t># </a:t>
-            </a:r>
-            <a:r>
-              <a:rPr lang="en-US" i="1" dirty="0" err="1"/>
-              <a:t>communicaiton</a:t>
-            </a:r>
-            <a:r>
-              <a:rPr lang="en-US" i="1" dirty="0"/>
-              <a:t> plan</a:t>
-            </a:r>
-            <a:br>
-              <a:rPr lang="en-US" i="1" dirty="0"/>
-            </a:br>
-            <a:r>
-              <a:rPr lang="en-US" i="1" dirty="0"/>
-              <a:t># </a:t>
-            </a:r>
-            <a:r>
-              <a:rPr lang="en-US" i="1" dirty="0" err="1"/>
-              <a:t>powerpoint</a:t>
-            </a:r>
-            <a:r>
-              <a:rPr lang="en-US" i="1" dirty="0"/>
-              <a:t> </a:t>
-            </a:r>
-            <a:r>
-              <a:rPr lang="en-US" i="1" dirty="0" smtClean="0"/>
-              <a:t>slides</a:t>
-            </a:r>
-            <a:r>
-              <a:rPr lang="en-US" i="1" dirty="0"/>
-              <a:t/>
-            </a:r>
-            <a:br>
-              <a:rPr lang="en-US" i="1" dirty="0"/>
-            </a:br>
-            <a:r>
-              <a:rPr lang="en-US" i="1" dirty="0"/>
-              <a:t>#  &gt; a brief description of the problem (it helps to hear your version of it)</a:t>
-            </a:r>
-            <a:br>
-              <a:rPr lang="en-US" i="1" dirty="0"/>
-            </a:br>
-            <a:r>
-              <a:rPr lang="en-US" i="1" dirty="0"/>
-              <a:t>#  &gt; a brief description of the data</a:t>
-            </a:r>
-            <a:br>
-              <a:rPr lang="en-US" i="1" dirty="0"/>
-            </a:br>
-            <a:r>
-              <a:rPr lang="en-US" i="1" dirty="0"/>
-              <a:t>#  &gt; your choice of features engineered from the protein sequences</a:t>
-            </a:r>
-            <a:br>
-              <a:rPr lang="en-US" i="1" dirty="0"/>
-            </a:br>
-            <a:r>
-              <a:rPr lang="en-US" i="1" dirty="0"/>
-              <a:t>#  &gt; your feature selection </a:t>
-            </a:r>
-            <a:r>
-              <a:rPr lang="en-US" i="1" dirty="0" err="1"/>
-              <a:t>methodolgy</a:t>
-            </a:r>
-            <a:r>
-              <a:rPr lang="en-US" i="1" dirty="0"/>
-              <a:t>, if any</a:t>
-            </a:r>
-            <a:br>
-              <a:rPr lang="en-US" i="1" dirty="0"/>
-            </a:br>
-            <a:r>
-              <a:rPr lang="en-US" i="1" dirty="0"/>
-              <a:t>#  &gt; your choice of model or models</a:t>
-            </a:r>
-            <a:br>
-              <a:rPr lang="en-US" i="1" dirty="0"/>
-            </a:br>
-            <a:r>
-              <a:rPr lang="en-US" i="1" dirty="0"/>
-              <a:t>#  &gt; your validation method(s)</a:t>
-            </a:r>
-            <a:br>
-              <a:rPr lang="en-US" i="1" dirty="0"/>
-            </a:br>
-            <a:r>
-              <a:rPr lang="en-US" i="1" dirty="0"/>
-              <a:t>#  &gt; the quality of your model ($$$)</a:t>
-            </a:r>
-            <a:endParaRPr lang="en-US" dirty="0"/>
-          </a:p>
-        </p:txBody>
-      </p:sp>
-    </p:spTree>
-    <p:extLst>
-      <p:ext uri="{BB962C8B-B14F-4D97-AF65-F5344CB8AC3E}">
-        <p14:creationId xmlns:p14="http://schemas.microsoft.com/office/powerpoint/2010/main" val="1817780750"/>
-      </p:ext>
-    </p:extLst>
-  </p:cSld>
-  <p:clrMapOvr>
-    <a:masterClrMapping/>
-  </p:clrMapOvr>
-</p:sld>
-</file>
-
 <file path=ppt/slides/slide16.xml><?xml version="1.0" encoding="utf-8"?>
 <p:sld xmlns:a="http://schemas.openxmlformats.org/drawingml/2006/main" xmlns:r="http://schemas.openxmlformats.org/officeDocument/2006/relationships" xmlns:p="http://schemas.openxmlformats.org/presentationml/2006/main">
   <p:cSld>
@@ -4472,12 +4468,8 @@
           <a:lstStyle/>
           <a:p>
             <a:r>
-              <a:rPr lang="en-US" dirty="0" err="1" smtClean="0"/>
-              <a:t>Imporving</a:t>
-            </a:r>
-            <a:r>
-              <a:rPr lang="en-US" dirty="0" smtClean="0"/>
-              <a:t> model</a:t>
+              <a:rPr lang="en-US" dirty="0" smtClean="0"/>
+              <a:t>Cross validation</a:t>
             </a:r>
             <a:endParaRPr lang="en-US" dirty="0"/>
           </a:p>
@@ -4499,14 +4491,75 @@
           <a:lstStyle/>
           <a:p>
             <a:r>
-              <a:rPr lang="en-US" dirty="0" smtClean="0"/>
-              <a:t>Boosting/bagging</a:t>
-            </a:r>
-          </a:p>
-          <a:p>
-            <a:r>
-              <a:rPr lang="en-US" dirty="0" smtClean="0"/>
-              <a:t>Features </a:t>
+              <a:rPr lang="en-US" i="1" dirty="0"/>
+              <a:t># We are using the metric of ‘accuracy‘ to evaluate models. This is a ratio of the number of correctly predicted</a:t>
+            </a:r>
+            <a:br>
+              <a:rPr lang="en-US" i="1" dirty="0"/>
+            </a:br>
+            <a:r>
+              <a:rPr lang="en-US" i="1" dirty="0"/>
+              <a:t># instances in divided by the total number of instances in the dataset multiplied by 100 to give a percentage</a:t>
+            </a:r>
+            <a:br>
+              <a:rPr lang="en-US" i="1" dirty="0"/>
+            </a:br>
+            <a:r>
+              <a:rPr lang="en-US" i="1" dirty="0"/>
+              <a:t># (e.g. 95% accurate). We will be using the scoring variable when we run build and evaluate each model next.</a:t>
+            </a:r>
+            <a:endParaRPr lang="en-US" dirty="0"/>
+          </a:p>
+        </p:txBody>
+      </p:sp>
+    </p:spTree>
+    <p:extLst>
+      <p:ext uri="{BB962C8B-B14F-4D97-AF65-F5344CB8AC3E}">
+        <p14:creationId xmlns:p14="http://schemas.microsoft.com/office/powerpoint/2010/main" val="1206999701"/>
+      </p:ext>
+    </p:extLst>
+  </p:cSld>
+  <p:clrMapOvr>
+    <a:masterClrMapping/>
+  </p:clrMapOvr>
+</p:sld>
+</file>
+
+<file path=ppt/slides/slide17.xml><?xml version="1.0" encoding="utf-8"?>
+<p:sld xmlns:a="http://schemas.openxmlformats.org/drawingml/2006/main" xmlns:r="http://schemas.openxmlformats.org/officeDocument/2006/relationships" xmlns:p="http://schemas.openxmlformats.org/presentationml/2006/main">
+  <p:cSld>
+    <p:spTree>
+      <p:nvGrpSpPr>
+        <p:cNvPr id="1" name=""/>
+        <p:cNvGrpSpPr/>
+        <p:nvPr/>
+      </p:nvGrpSpPr>
+      <p:grpSpPr>
+        <a:xfrm>
+          <a:off x="0" y="0"/>
+          <a:ext cx="0" cy="0"/>
+          <a:chOff x="0" y="0"/>
+          <a:chExt cx="0" cy="0"/>
+        </a:xfrm>
+      </p:grpSpPr>
+      <p:sp>
+        <p:nvSpPr>
+          <p:cNvPr id="2" name="Title 1"/>
+          <p:cNvSpPr>
+            <a:spLocks noGrp="1"/>
+          </p:cNvSpPr>
+          <p:nvPr>
+            <p:ph type="title"/>
+          </p:nvPr>
+        </p:nvSpPr>
+        <p:spPr/>
+        <p:txBody>
+          <a:bodyPr/>
+          <a:lstStyle/>
+          <a:p>
+            <a:r>
+              <a:rPr lang="en-US" dirty="0" smtClean="0"/>
+              <a:t>Scoring </a:t>
             </a:r>
             <a:r>
               <a:rPr lang="mr-IN" dirty="0" smtClean="0"/>
@@ -4514,6 +4567,121 @@
             </a:r>
             <a:r>
               <a:rPr lang="en-US" dirty="0" smtClean="0"/>
+              <a:t> model quality</a:t>
+            </a:r>
+            <a:endParaRPr lang="en-US" dirty="0"/>
+          </a:p>
+        </p:txBody>
+      </p:sp>
+      <p:sp>
+        <p:nvSpPr>
+          <p:cNvPr id="3" name="Content Placeholder 2"/>
+          <p:cNvSpPr>
+            <a:spLocks noGrp="1"/>
+          </p:cNvSpPr>
+          <p:nvPr>
+            <p:ph idx="1"/>
+          </p:nvPr>
+        </p:nvSpPr>
+        <p:spPr/>
+        <p:txBody>
+          <a:bodyPr>
+            <a:normAutofit/>
+          </a:bodyPr>
+          <a:lstStyle/>
+          <a:p>
+            <a:r>
+              <a:rPr lang="en-US" dirty="0" smtClean="0"/>
+              <a:t>How many nominations did I get? </a:t>
+            </a:r>
+            <a:endParaRPr lang="en-US" dirty="0"/>
+          </a:p>
+        </p:txBody>
+      </p:sp>
+    </p:spTree>
+    <p:extLst>
+      <p:ext uri="{BB962C8B-B14F-4D97-AF65-F5344CB8AC3E}">
+        <p14:creationId xmlns:p14="http://schemas.microsoft.com/office/powerpoint/2010/main" val="933439929"/>
+      </p:ext>
+    </p:extLst>
+  </p:cSld>
+  <p:clrMapOvr>
+    <a:masterClrMapping/>
+  </p:clrMapOvr>
+</p:sld>
+</file>
+
+<file path=ppt/slides/slide18.xml><?xml version="1.0" encoding="utf-8"?>
+<p:sld xmlns:a="http://schemas.openxmlformats.org/drawingml/2006/main" xmlns:r="http://schemas.openxmlformats.org/officeDocument/2006/relationships" xmlns:p="http://schemas.openxmlformats.org/presentationml/2006/main">
+  <p:cSld>
+    <p:spTree>
+      <p:nvGrpSpPr>
+        <p:cNvPr id="1" name=""/>
+        <p:cNvGrpSpPr/>
+        <p:nvPr/>
+      </p:nvGrpSpPr>
+      <p:grpSpPr>
+        <a:xfrm>
+          <a:off x="0" y="0"/>
+          <a:ext cx="0" cy="0"/>
+          <a:chOff x="0" y="0"/>
+          <a:chExt cx="0" cy="0"/>
+        </a:xfrm>
+      </p:grpSpPr>
+      <p:sp>
+        <p:nvSpPr>
+          <p:cNvPr id="2" name="Title 1"/>
+          <p:cNvSpPr>
+            <a:spLocks noGrp="1"/>
+          </p:cNvSpPr>
+          <p:nvPr>
+            <p:ph type="title"/>
+          </p:nvPr>
+        </p:nvSpPr>
+        <p:spPr/>
+        <p:txBody>
+          <a:bodyPr/>
+          <a:lstStyle/>
+          <a:p>
+            <a:r>
+              <a:rPr lang="en-US" dirty="0" smtClean="0"/>
+              <a:t>Improving model / ideas</a:t>
+            </a:r>
+            <a:endParaRPr lang="en-US" dirty="0"/>
+          </a:p>
+        </p:txBody>
+      </p:sp>
+      <p:sp>
+        <p:nvSpPr>
+          <p:cNvPr id="3" name="Content Placeholder 2"/>
+          <p:cNvSpPr>
+            <a:spLocks noGrp="1"/>
+          </p:cNvSpPr>
+          <p:nvPr>
+            <p:ph idx="1"/>
+          </p:nvPr>
+        </p:nvSpPr>
+        <p:spPr/>
+        <p:txBody>
+          <a:bodyPr/>
+          <a:lstStyle/>
+          <a:p>
+            <a:r>
+              <a:rPr lang="en-US" dirty="0" smtClean="0"/>
+              <a:t>Boosting/bagging</a:t>
+            </a:r>
+          </a:p>
+          <a:p>
+            <a:r>
+              <a:rPr lang="en-US" dirty="0" smtClean="0"/>
+              <a:t>Features </a:t>
+            </a:r>
+            <a:r>
+              <a:rPr lang="mr-IN" dirty="0" smtClean="0"/>
+              <a:t>–</a:t>
+            </a:r>
+            <a:r>
+              <a:rPr lang="en-US" dirty="0" smtClean="0"/>
               <a:t> from </a:t>
             </a:r>
             <a:r>
@@ -4528,7 +4696,76 @@
           <a:p>
             <a:r>
               <a:rPr lang="en-US" dirty="0" smtClean="0"/>
-              <a:t>Embedded feature selection</a:t>
+              <a:t>Embedded feature </a:t>
+            </a:r>
+            <a:r>
+              <a:rPr lang="en-US" dirty="0" smtClean="0"/>
+              <a:t>selection</a:t>
+            </a:r>
+          </a:p>
+          <a:p>
+            <a:endParaRPr lang="en-US" dirty="0"/>
+          </a:p>
+          <a:p>
+            <a:r>
+              <a:rPr lang="en-US" dirty="0" smtClean="0"/>
+              <a:t>Encoding the </a:t>
+            </a:r>
+            <a:r>
+              <a:rPr lang="en-US" dirty="0" err="1" smtClean="0"/>
+              <a:t>blastp</a:t>
+            </a:r>
+            <a:r>
+              <a:rPr lang="en-US" dirty="0" smtClean="0"/>
+              <a:t> </a:t>
+            </a:r>
+            <a:r>
+              <a:rPr lang="en-US" dirty="0" err="1" smtClean="0"/>
+              <a:t>sseqid</a:t>
+            </a:r>
+            <a:r>
+              <a:rPr lang="en-US" dirty="0" smtClean="0"/>
+              <a:t> ?</a:t>
+            </a:r>
+          </a:p>
+          <a:p>
+            <a:r>
+              <a:rPr lang="en-US" dirty="0"/>
+              <a:t> </a:t>
+            </a:r>
+            <a:r>
+              <a:rPr lang="en-US" dirty="0" smtClean="0"/>
+              <a:t>Add categorical columns </a:t>
+            </a:r>
+            <a:r>
+              <a:rPr lang="mr-IN" dirty="0" smtClean="0"/>
+              <a:t>–</a:t>
+            </a:r>
+            <a:r>
+              <a:rPr lang="en-US" dirty="0" smtClean="0"/>
+              <a:t> ‘</a:t>
+            </a:r>
+            <a:r>
+              <a:rPr lang="en-US" dirty="0" err="1" smtClean="0"/>
+              <a:t>all_three_domains</a:t>
+            </a:r>
+            <a:r>
+              <a:rPr lang="en-US" dirty="0" smtClean="0"/>
+              <a:t>’</a:t>
+            </a:r>
+          </a:p>
+          <a:p>
+            <a:r>
+              <a:rPr lang="en-US" dirty="0" smtClean="0"/>
+              <a:t>Retain location columns </a:t>
+            </a:r>
+            <a:r>
+              <a:rPr lang="mr-IN" dirty="0" smtClean="0"/>
+              <a:t>–</a:t>
+            </a:r>
+            <a:r>
+              <a:rPr lang="en-US" dirty="0" smtClean="0"/>
+              <a:t> alignment start/end and domain start/end</a:t>
             </a:r>
             <a:endParaRPr lang="en-US" dirty="0"/>
           </a:p>
@@ -4538,6 +4775,241 @@
     <p:extLst>
       <p:ext uri="{BB962C8B-B14F-4D97-AF65-F5344CB8AC3E}">
         <p14:creationId xmlns:p14="http://schemas.microsoft.com/office/powerpoint/2010/main" val="749336424"/>
+      </p:ext>
+    </p:extLst>
+  </p:cSld>
+  <p:clrMapOvr>
+    <a:masterClrMapping/>
+  </p:clrMapOvr>
+</p:sld>
+</file>
+
+<file path=ppt/slides/slide19.xml><?xml version="1.0" encoding="utf-8"?>
+<p:sld xmlns:a="http://schemas.openxmlformats.org/drawingml/2006/main" xmlns:r="http://schemas.openxmlformats.org/officeDocument/2006/relationships" xmlns:p="http://schemas.openxmlformats.org/presentationml/2006/main">
+  <p:cSld>
+    <p:spTree>
+      <p:nvGrpSpPr>
+        <p:cNvPr id="1" name=""/>
+        <p:cNvGrpSpPr/>
+        <p:nvPr/>
+      </p:nvGrpSpPr>
+      <p:grpSpPr>
+        <a:xfrm>
+          <a:off x="0" y="0"/>
+          <a:ext cx="0" cy="0"/>
+          <a:chOff x="0" y="0"/>
+          <a:chExt cx="0" cy="0"/>
+        </a:xfrm>
+      </p:grpSpPr>
+      <p:sp>
+        <p:nvSpPr>
+          <p:cNvPr id="2" name="Title 1"/>
+          <p:cNvSpPr>
+            <a:spLocks noGrp="1"/>
+          </p:cNvSpPr>
+          <p:nvPr>
+            <p:ph type="title"/>
+          </p:nvPr>
+        </p:nvSpPr>
+        <p:spPr/>
+        <p:txBody>
+          <a:bodyPr/>
+          <a:lstStyle/>
+          <a:p>
+            <a:r>
+              <a:rPr lang="en-US" dirty="0" smtClean="0"/>
+              <a:t>Background to refresh</a:t>
+            </a:r>
+            <a:endParaRPr lang="en-US" dirty="0"/>
+          </a:p>
+        </p:txBody>
+      </p:sp>
+      <p:sp>
+        <p:nvSpPr>
+          <p:cNvPr id="3" name="Content Placeholder 2"/>
+          <p:cNvSpPr>
+            <a:spLocks noGrp="1"/>
+          </p:cNvSpPr>
+          <p:nvPr>
+            <p:ph idx="1"/>
+          </p:nvPr>
+        </p:nvSpPr>
+        <p:spPr/>
+        <p:txBody>
+          <a:bodyPr>
+            <a:normAutofit fontScale="70000" lnSpcReduction="20000"/>
+          </a:bodyPr>
+          <a:lstStyle/>
+          <a:p>
+            <a:r>
+              <a:rPr lang="en-US" dirty="0" err="1" smtClean="0"/>
+              <a:t>Blastp</a:t>
+            </a:r>
+            <a:r>
+              <a:rPr lang="en-US" dirty="0" smtClean="0"/>
+              <a:t> algorithm</a:t>
+            </a:r>
+          </a:p>
+          <a:p>
+            <a:r>
+              <a:rPr lang="en-US" dirty="0" err="1" smtClean="0"/>
+              <a:t>Evalue</a:t>
+            </a:r>
+            <a:r>
+              <a:rPr lang="en-US" dirty="0" smtClean="0"/>
+              <a:t> meaning in blast</a:t>
+            </a:r>
+          </a:p>
+          <a:p>
+            <a:r>
+              <a:rPr lang="en-US" dirty="0" smtClean="0"/>
+              <a:t>HMM</a:t>
+            </a:r>
+          </a:p>
+          <a:p>
+            <a:r>
+              <a:rPr lang="en-US" dirty="0" smtClean="0"/>
+              <a:t>Algorithms</a:t>
+            </a:r>
+          </a:p>
+          <a:p>
+            <a:r>
+              <a:rPr lang="en-US" dirty="0">
+                <a:hlinkClick r:id="rId2"/>
+              </a:rPr>
+              <a:t>https://www.analyticsvidhya.com/blog/2017/09/common-machine-learning-algorithms</a:t>
+            </a:r>
+            <a:r>
+              <a:rPr lang="en-US" dirty="0" smtClean="0">
+                <a:hlinkClick r:id="rId2"/>
+              </a:rPr>
+              <a:t>/</a:t>
+            </a:r>
+            <a:endParaRPr lang="en-US" dirty="0" smtClean="0"/>
+          </a:p>
+          <a:p>
+            <a:r>
+              <a:rPr lang="en-US" dirty="0">
+                <a:hlinkClick r:id="rId3"/>
+              </a:rPr>
+              <a:t>http://</a:t>
+            </a:r>
+            <a:r>
+              <a:rPr lang="en-US" dirty="0" smtClean="0">
+                <a:hlinkClick r:id="rId3"/>
+              </a:rPr>
+              <a:t>www.kdnuggets.com/2015/11/seven-steps-machine-learning-python.html</a:t>
+            </a:r>
+            <a:endParaRPr lang="en-US" dirty="0" smtClean="0"/>
+          </a:p>
+          <a:p>
+            <a:r>
+              <a:rPr lang="en-US" dirty="0">
+                <a:hlinkClick r:id="rId4"/>
+              </a:rPr>
+              <a:t>http://</a:t>
+            </a:r>
+            <a:r>
+              <a:rPr lang="en-US" dirty="0" smtClean="0">
+                <a:hlinkClick r:id="rId4"/>
+              </a:rPr>
+              <a:t>www.kdnuggets.com/2016/03/doing-data-science-kaggle-walkthrough-cleaning-data.html/2</a:t>
+            </a:r>
+            <a:endParaRPr lang="en-US" dirty="0" smtClean="0"/>
+          </a:p>
+          <a:p>
+            <a:r>
+              <a:rPr lang="en-US" dirty="0">
+                <a:hlinkClick r:id="rId5"/>
+              </a:rPr>
+              <a:t>https://pythonprogramming.net/machine-learning-tutorial-python-introduction</a:t>
+            </a:r>
+            <a:r>
+              <a:rPr lang="en-US" dirty="0" smtClean="0">
+                <a:hlinkClick r:id="rId5"/>
+              </a:rPr>
+              <a:t>/</a:t>
+            </a:r>
+            <a:endParaRPr lang="en-US" dirty="0" smtClean="0"/>
+          </a:p>
+          <a:p>
+            <a:r>
+              <a:rPr lang="en-US" dirty="0">
+                <a:hlinkClick r:id="rId6"/>
+              </a:rPr>
+              <a:t>https://</a:t>
+            </a:r>
+            <a:r>
+              <a:rPr lang="en-US" dirty="0" smtClean="0">
+                <a:hlinkClick r:id="rId6"/>
+              </a:rPr>
+              <a:t>bmcbioinformatics.biomedcentral.com/articles/10.1186/1471-2105-11-273</a:t>
+            </a:r>
+            <a:endParaRPr lang="en-US" dirty="0" smtClean="0"/>
+          </a:p>
+          <a:p>
+            <a:r>
+              <a:rPr lang="en-US" dirty="0">
+                <a:hlinkClick r:id="rId7"/>
+              </a:rPr>
+              <a:t>https://</a:t>
+            </a:r>
+            <a:r>
+              <a:rPr lang="en-US" dirty="0" smtClean="0">
+                <a:hlinkClick r:id="rId7"/>
+              </a:rPr>
+              <a:t>github.com/dformoso/machine-learning-mindmap</a:t>
+            </a:r>
+            <a:endParaRPr lang="en-US" dirty="0" smtClean="0"/>
+          </a:p>
+          <a:p>
+            <a:r>
+              <a:rPr lang="en-US" dirty="0">
+                <a:hlinkClick r:id="rId8"/>
+              </a:rPr>
+              <a:t>https://</a:t>
+            </a:r>
+            <a:r>
+              <a:rPr lang="en-US" dirty="0" smtClean="0">
+                <a:hlinkClick r:id="rId8"/>
+              </a:rPr>
+              <a:t>bmcresnotes.biomedcentral.com/articles/10.1186/1756-0500-7-810</a:t>
+            </a:r>
+            <a:endParaRPr lang="en-US" dirty="0" smtClean="0"/>
+          </a:p>
+          <a:p>
+            <a:r>
+              <a:rPr lang="en-US" dirty="0"/>
+              <a:t>https://</a:t>
+            </a:r>
+            <a:r>
+              <a:rPr lang="en-US" dirty="0" err="1"/>
+              <a:t>github.com</a:t>
+            </a:r>
+            <a:r>
+              <a:rPr lang="en-US" dirty="0"/>
+              <a:t>/</a:t>
+            </a:r>
+            <a:r>
+              <a:rPr lang="en-US" dirty="0" err="1"/>
+              <a:t>PeptoneInc</a:t>
+            </a:r>
+            <a:r>
+              <a:rPr lang="en-US" dirty="0"/>
+              <a:t>/</a:t>
+            </a:r>
+            <a:r>
+              <a:rPr lang="en-US" dirty="0" err="1"/>
+              <a:t>dspp-keras</a:t>
+            </a:r>
+            <a:endParaRPr lang="en-US" dirty="0"/>
+          </a:p>
+        </p:txBody>
+      </p:sp>
+    </p:spTree>
+    <p:extLst>
+      <p:ext uri="{BB962C8B-B14F-4D97-AF65-F5344CB8AC3E}">
+        <p14:creationId xmlns:p14="http://schemas.microsoft.com/office/powerpoint/2010/main" val="688653693"/>
       </p:ext>
     </p:extLst>
   </p:cSld>
@@ -4817,14 +5289,14 @@
             <p:ph idx="1"/>
             <p:extLst>
               <p:ext uri="{D42A27DB-BD31-4B8C-83A1-F6EECF244321}">
-                <p14:modId xmlns:p14="http://schemas.microsoft.com/office/powerpoint/2010/main" val="1347658922"/>
+                <p14:modId xmlns:p14="http://schemas.microsoft.com/office/powerpoint/2010/main" val="813197456"/>
               </p:ext>
             </p:extLst>
           </p:nvPr>
         </p:nvGraphicFramePr>
         <p:xfrm>
-          <a:off x="838200" y="1825625"/>
-          <a:ext cx="10515600" cy="3977640"/>
+          <a:off x="838200" y="1516280"/>
+          <a:ext cx="10515600" cy="3842499"/>
         </p:xfrm>
         <a:graphic>
           <a:graphicData uri="http://schemas.openxmlformats.org/drawingml/2006/table">
@@ -4833,78 +5305,19 @@
                 <a:tableStyleId>{5C22544A-7EE6-4342-B048-85BDC9FD1C3A}</a:tableStyleId>
               </a:tblPr>
               <a:tblGrid>
-                <a:gridCol w="5257800"/>
-                <a:gridCol w="5257800"/>
+                <a:gridCol w="3513881"/>
+                <a:gridCol w="7001719"/>
               </a:tblGrid>
-              <a:tr h="370840">
+              <a:tr h="420497">
                 <a:tc>
                   <a:txBody>
                     <a:bodyPr/>
                     <a:lstStyle/>
                     <a:p>
-                      <a:endParaRPr lang="en-US" dirty="0"/>
-                    </a:p>
-                  </a:txBody>
-                  <a:tcPr/>
-                </a:tc>
-                <a:tc>
-                  <a:txBody>
-                    <a:bodyPr/>
-                    <a:lstStyle/>
-                    <a:p>
+                      <a:pPr algn="l"/>
                       <a:r>
                         <a:rPr lang="en-US" dirty="0" smtClean="0"/>
-                        <a:t>Process</a:t>
-                      </a:r>
-                      <a:endParaRPr lang="en-US" dirty="0"/>
-                    </a:p>
-                  </a:txBody>
-                  <a:tcPr/>
-                </a:tc>
-              </a:tr>
-              <a:tr h="370840">
-                <a:tc>
-                  <a:txBody>
-                    <a:bodyPr/>
-                    <a:lstStyle/>
-                    <a:p>
-                      <a:endParaRPr lang="en-US"/>
-                    </a:p>
-                  </a:txBody>
-                  <a:tcPr/>
-                </a:tc>
-                <a:tc>
-                  <a:txBody>
-                    <a:bodyPr/>
-                    <a:lstStyle/>
-                    <a:p>
-                      <a:r>
-                        <a:rPr lang="en-US" dirty="0" smtClean="0"/>
-                        <a:t>Classification Question:</a:t>
-                      </a:r>
-                      <a:r>
-                        <a:rPr lang="en-US" baseline="0" dirty="0" smtClean="0"/>
-                        <a:t> 0 or 1</a:t>
-                      </a:r>
-                      <a:endParaRPr lang="en-US" dirty="0"/>
-                    </a:p>
-                  </a:txBody>
-                  <a:tcPr/>
-                </a:tc>
-              </a:tr>
-              <a:tr h="370840">
-                <a:tc>
-                  <a:txBody>
-                    <a:bodyPr/>
-                    <a:lstStyle/>
-                    <a:p>
-                      <a:r>
-                        <a:rPr lang="en-US" dirty="0" smtClean="0"/>
-                        <a:t>Materials: Sequence Homology</a:t>
-                      </a:r>
-                      <a:r>
-                        <a:rPr lang="en-US" baseline="0" dirty="0" smtClean="0"/>
-                        <a:t> (BLAST), HMM, Physicochemical properties</a:t>
+                        <a:t>Step</a:t>
                       </a:r>
                       <a:endParaRPr lang="en-US" dirty="0"/>
                     </a:p>
@@ -4916,15 +5329,10 @@
                     <a:bodyPr/>
                     <a:lstStyle/>
                     <a:p>
+                      <a:pPr algn="l"/>
                       <a:r>
                         <a:rPr lang="en-US" dirty="0" smtClean="0"/>
-                        <a:t>Find, collect, explore and clean data </a:t>
-                      </a:r>
-                    </a:p>
-                    <a:p>
-                      <a:r>
-                        <a:rPr lang="en-US" dirty="0" smtClean="0"/>
-                        <a:t>Impute features</a:t>
+                        <a:t>Description</a:t>
                       </a:r>
                       <a:endParaRPr lang="en-US" dirty="0"/>
                     </a:p>
@@ -4932,67 +5340,16 @@
                   <a:tcPr/>
                 </a:tc>
               </a:tr>
-              <a:tr h="370840">
+              <a:tr h="420497">
                 <a:tc>
                   <a:txBody>
                     <a:bodyPr/>
                     <a:lstStyle/>
                     <a:p>
-                      <a:endParaRPr lang="en-US" dirty="0"/>
-                    </a:p>
-                  </a:txBody>
-                  <a:tcPr/>
-                </a:tc>
-                <a:tc>
-                  <a:txBody>
-                    <a:bodyPr/>
-                    <a:lstStyle/>
-                    <a:p>
+                      <a:pPr algn="ctr"/>
                       <a:r>
                         <a:rPr lang="en-US" dirty="0" smtClean="0"/>
-                        <a:t>Feature selection</a:t>
-                      </a:r>
-                      <a:endParaRPr lang="en-US" dirty="0"/>
-                    </a:p>
-                  </a:txBody>
-                  <a:tcPr/>
-                </a:tc>
-              </a:tr>
-              <a:tr h="370840">
-                <a:tc>
-                  <a:txBody>
-                    <a:bodyPr/>
-                    <a:lstStyle/>
-                    <a:p>
-                      <a:endParaRPr lang="en-US"/>
-                    </a:p>
-                  </a:txBody>
-                  <a:tcPr/>
-                </a:tc>
-                <a:tc>
-                  <a:txBody>
-                    <a:bodyPr/>
-                    <a:lstStyle/>
-                    <a:p>
-                      <a:r>
-                        <a:rPr lang="en-US" dirty="0" smtClean="0"/>
-                        <a:t>Algorithm selection</a:t>
-                      </a:r>
-                      <a:endParaRPr lang="en-US" dirty="0"/>
-                    </a:p>
-                  </a:txBody>
-                  <a:tcPr/>
-                </a:tc>
-              </a:tr>
-              <a:tr h="370840">
-                <a:tc>
-                  <a:txBody>
-                    <a:bodyPr/>
-                    <a:lstStyle/>
-                    <a:p>
-                      <a:r>
-                        <a:rPr lang="en-US" dirty="0" err="1" smtClean="0"/>
-                        <a:t>Training_st.csv</a:t>
+                        <a:t>Collect Data</a:t>
                       </a:r>
                       <a:endParaRPr lang="en-US" dirty="0"/>
                     </a:p>
@@ -5004,9 +5361,34 @@
                     <a:bodyPr/>
                     <a:lstStyle/>
                     <a:p>
+                      <a:pPr algn="l"/>
                       <a:r>
                         <a:rPr lang="en-US" dirty="0" smtClean="0"/>
-                        <a:t>Train the model</a:t>
+                        <a:t>Sources:</a:t>
+                      </a:r>
+                      <a:r>
+                        <a:rPr lang="en-US" baseline="0" dirty="0" smtClean="0"/>
+                        <a:t> </a:t>
+                      </a:r>
+                      <a:r>
+                        <a:rPr lang="en-US" baseline="0" dirty="0" err="1" smtClean="0"/>
+                        <a:t>BLASTp</a:t>
+                      </a:r>
+                      <a:r>
+                        <a:rPr lang="en-US" baseline="0" dirty="0" smtClean="0"/>
+                        <a:t>, </a:t>
+                      </a:r>
+                      <a:r>
+                        <a:rPr lang="en-US" baseline="0" dirty="0" err="1" smtClean="0"/>
+                        <a:t>hmmscan</a:t>
+                      </a:r>
+                      <a:r>
+                        <a:rPr lang="en-US" baseline="0" dirty="0" smtClean="0"/>
+                        <a:t>, </a:t>
+                      </a:r>
+                      <a:r>
+                        <a:rPr lang="en-US" baseline="0" dirty="0" err="1" smtClean="0"/>
+                        <a:t>pydpi</a:t>
                       </a:r>
                       <a:endParaRPr lang="en-US" dirty="0"/>
                     </a:p>
@@ -5014,72 +5396,21 @@
                   <a:tcPr/>
                 </a:tc>
               </a:tr>
-              <a:tr h="370840">
+              <a:tr h="478523">
                 <a:tc>
                   <a:txBody>
                     <a:bodyPr/>
                     <a:lstStyle/>
                     <a:p>
-                      <a:endParaRPr lang="en-US"/>
-                    </a:p>
-                  </a:txBody>
-                  <a:tcPr/>
-                </a:tc>
-                <a:tc>
-                  <a:txBody>
-                    <a:bodyPr/>
-                    <a:lstStyle/>
-                    <a:p>
+                      <a:pPr algn="ctr"/>
                       <a:r>
                         <a:rPr lang="en-US" dirty="0" smtClean="0"/>
-                        <a:t>Cost function</a:t>
-                      </a:r>
-                      <a:endParaRPr lang="en-US" dirty="0"/>
-                    </a:p>
-                  </a:txBody>
-                  <a:tcPr/>
-                </a:tc>
-              </a:tr>
-              <a:tr h="370840">
-                <a:tc>
-                  <a:txBody>
-                    <a:bodyPr/>
-                    <a:lstStyle/>
-                    <a:p>
-                      <a:endParaRPr lang="en-US"/>
-                    </a:p>
-                  </a:txBody>
-                  <a:tcPr/>
-                </a:tc>
-                <a:tc>
-                  <a:txBody>
-                    <a:bodyPr/>
-                    <a:lstStyle/>
-                    <a:p>
-                      <a:r>
-                        <a:rPr lang="en-US" dirty="0" smtClean="0"/>
-                        <a:t>Optimization &amp; </a:t>
+                        <a:t>Clean</a:t>
                       </a:r>
                       <a:r>
-                        <a:rPr lang="en-US" dirty="0" err="1" smtClean="0"/>
-                        <a:t>Hyperparameter</a:t>
+                        <a:rPr lang="en-US" baseline="0" dirty="0" smtClean="0"/>
+                        <a:t> Data</a:t>
                       </a:r>
-                      <a:r>
-                        <a:rPr lang="en-US" dirty="0" smtClean="0"/>
-                        <a:t> Tuning</a:t>
-                      </a:r>
-                      <a:endParaRPr lang="en-US" dirty="0"/>
-                    </a:p>
-                  </a:txBody>
-                  <a:tcPr/>
-                </a:tc>
-              </a:tr>
-              <a:tr h="370840">
-                <a:tc>
-                  <a:txBody>
-                    <a:bodyPr/>
-                    <a:lstStyle/>
-                    <a:p>
                       <a:endParaRPr lang="en-US" dirty="0"/>
                     </a:p>
                   </a:txBody>
@@ -5090,13 +5421,14 @@
                     <a:bodyPr/>
                     <a:lstStyle/>
                     <a:p>
+                      <a:pPr algn="l"/>
                       <a:r>
                         <a:rPr lang="en-US" dirty="0" smtClean="0"/>
-                        <a:t>Apply model to putative</a:t>
+                        <a:t>Keep relevant</a:t>
                       </a:r>
                       <a:r>
                         <a:rPr lang="en-US" baseline="0" dirty="0" smtClean="0"/>
-                        <a:t> set</a:t>
+                        <a:t> columns, build a master data frame</a:t>
                       </a:r>
                       <a:endParaRPr lang="en-US" dirty="0"/>
                     </a:p>
@@ -5104,12 +5436,21 @@
                   <a:tcPr/>
                 </a:tc>
               </a:tr>
-              <a:tr h="370840">
+              <a:tr h="420497">
                 <a:tc>
                   <a:txBody>
                     <a:bodyPr/>
                     <a:lstStyle/>
                     <a:p>
+                      <a:pPr algn="ctr"/>
+                      <a:r>
+                        <a:rPr lang="en-US" dirty="0" smtClean="0"/>
+                        <a:t>Impute</a:t>
+                      </a:r>
+                      <a:r>
+                        <a:rPr lang="en-US" baseline="0" dirty="0" smtClean="0"/>
+                        <a:t> missing values</a:t>
+                      </a:r>
                       <a:endParaRPr lang="en-US" dirty="0"/>
                     </a:p>
                   </a:txBody>
@@ -5120,9 +5461,182 @@
                     <a:bodyPr/>
                     <a:lstStyle/>
                     <a:p>
+                      <a:pPr algn="l"/>
                       <a:r>
                         <a:rPr lang="en-US" dirty="0" smtClean="0"/>
-                        <a:t>Results: $$$</a:t>
+                        <a:t>Queries that did not align / do not have a domain of interest</a:t>
+                      </a:r>
+                      <a:endParaRPr lang="en-US" dirty="0"/>
+                    </a:p>
+                  </a:txBody>
+                  <a:tcPr/>
+                </a:tc>
+              </a:tr>
+              <a:tr h="420497">
+                <a:tc>
+                  <a:txBody>
+                    <a:bodyPr/>
+                    <a:lstStyle/>
+                    <a:p>
+                      <a:pPr algn="ctr"/>
+                      <a:r>
+                        <a:rPr lang="en-US" dirty="0" smtClean="0"/>
+                        <a:t>Feature Selection</a:t>
+                      </a:r>
+                      <a:endParaRPr lang="en-US" dirty="0"/>
+                    </a:p>
+                  </a:txBody>
+                  <a:tcPr/>
+                </a:tc>
+                <a:tc>
+                  <a:txBody>
+                    <a:bodyPr/>
+                    <a:lstStyle/>
+                    <a:p>
+                      <a:pPr algn="l"/>
+                      <a:r>
+                        <a:rPr lang="en-US" dirty="0" smtClean="0"/>
+                        <a:t>Determine which column</a:t>
+                      </a:r>
+                      <a:r>
+                        <a:rPr lang="en-US" baseline="0" dirty="0" smtClean="0"/>
+                        <a:t>s to take into account</a:t>
+                      </a:r>
+                      <a:endParaRPr lang="en-US" dirty="0"/>
+                    </a:p>
+                  </a:txBody>
+                  <a:tcPr/>
+                </a:tc>
+              </a:tr>
+              <a:tr h="420497">
+                <a:tc>
+                  <a:txBody>
+                    <a:bodyPr/>
+                    <a:lstStyle/>
+                    <a:p>
+                      <a:pPr algn="ctr"/>
+                      <a:r>
+                        <a:rPr lang="en-US" dirty="0" smtClean="0"/>
+                        <a:t>Algorithm Selection</a:t>
+                      </a:r>
+                      <a:endParaRPr lang="en-US" dirty="0"/>
+                    </a:p>
+                  </a:txBody>
+                  <a:tcPr/>
+                </a:tc>
+                <a:tc>
+                  <a:txBody>
+                    <a:bodyPr/>
+                    <a:lstStyle/>
+                    <a:p>
+                      <a:pPr algn="l"/>
+                      <a:r>
+                        <a:rPr lang="en-US" dirty="0" smtClean="0"/>
+                        <a:t>Which model is the most accurate</a:t>
+                      </a:r>
+                      <a:endParaRPr lang="en-US" dirty="0"/>
+                    </a:p>
+                  </a:txBody>
+                  <a:tcPr/>
+                </a:tc>
+              </a:tr>
+              <a:tr h="420497">
+                <a:tc>
+                  <a:txBody>
+                    <a:bodyPr/>
+                    <a:lstStyle/>
+                    <a:p>
+                      <a:pPr algn="ctr"/>
+                      <a:r>
+                        <a:rPr lang="en-US" dirty="0" smtClean="0"/>
+                        <a:t>Train the model</a:t>
+                      </a:r>
+                      <a:endParaRPr lang="en-US" dirty="0"/>
+                    </a:p>
+                  </a:txBody>
+                  <a:tcPr/>
+                </a:tc>
+                <a:tc>
+                  <a:txBody>
+                    <a:bodyPr/>
+                    <a:lstStyle/>
+                    <a:p>
+                      <a:pPr algn="l"/>
+                      <a:r>
+                        <a:rPr lang="en-US" dirty="0" smtClean="0"/>
+                        <a:t>Train and validate the model on the training</a:t>
+                      </a:r>
+                      <a:r>
+                        <a:rPr lang="en-US" baseline="0" dirty="0" smtClean="0"/>
+                        <a:t> set data</a:t>
+                      </a:r>
+                      <a:endParaRPr lang="en-US" dirty="0"/>
+                    </a:p>
+                  </a:txBody>
+                  <a:tcPr/>
+                </a:tc>
+              </a:tr>
+              <a:tr h="420497">
+                <a:tc>
+                  <a:txBody>
+                    <a:bodyPr/>
+                    <a:lstStyle/>
+                    <a:p>
+                      <a:pPr algn="ctr"/>
+                      <a:r>
+                        <a:rPr lang="en-US" dirty="0" smtClean="0"/>
+                        <a:t>Make predictions</a:t>
+                      </a:r>
+                      <a:endParaRPr lang="en-US" dirty="0"/>
+                    </a:p>
+                  </a:txBody>
+                  <a:tcPr/>
+                </a:tc>
+                <a:tc>
+                  <a:txBody>
+                    <a:bodyPr/>
+                    <a:lstStyle/>
+                    <a:p>
+                      <a:pPr algn="l"/>
+                      <a:r>
+                        <a:rPr lang="en-US" dirty="0" smtClean="0"/>
+                        <a:t>Run</a:t>
+                      </a:r>
+                      <a:r>
+                        <a:rPr lang="en-US" baseline="0" dirty="0" smtClean="0"/>
+                        <a:t> the model on the putative data set</a:t>
+                      </a:r>
+                      <a:endParaRPr lang="en-US" dirty="0"/>
+                    </a:p>
+                  </a:txBody>
+                  <a:tcPr/>
+                </a:tc>
+              </a:tr>
+              <a:tr h="420497">
+                <a:tc>
+                  <a:txBody>
+                    <a:bodyPr/>
+                    <a:lstStyle/>
+                    <a:p>
+                      <a:pPr algn="ctr"/>
+                      <a:r>
+                        <a:rPr lang="en-US" dirty="0" smtClean="0"/>
+                        <a:t>Score </a:t>
+                      </a:r>
+                      <a:endParaRPr lang="en-US" dirty="0"/>
+                    </a:p>
+                  </a:txBody>
+                  <a:tcPr/>
+                </a:tc>
+                <a:tc>
+                  <a:txBody>
+                    <a:bodyPr/>
+                    <a:lstStyle/>
+                    <a:p>
+                      <a:pPr algn="l"/>
+                      <a:r>
+                        <a:rPr lang="en-US" dirty="0" smtClean="0"/>
+                        <a:t>Evaluate using the pickled dictionary</a:t>
                       </a:r>
                       <a:endParaRPr lang="en-US" dirty="0"/>
                     </a:p>
@@ -5181,131 +5695,306 @@
           <a:p>
             <a:r>
               <a:rPr lang="en-US" dirty="0" smtClean="0"/>
-              <a:t>Evaluation</a:t>
+              <a:t>The Data</a:t>
             </a:r>
             <a:endParaRPr lang="en-US" dirty="0"/>
           </a:p>
         </p:txBody>
       </p:sp>
-      <p:sp>
-        <p:nvSpPr>
-          <p:cNvPr id="3" name="Content Placeholder 2"/>
-          <p:cNvSpPr>
-            <a:spLocks noGrp="1"/>
-          </p:cNvSpPr>
+      <p:pic>
+        <p:nvPicPr>
+          <p:cNvPr id="4" name="Content Placeholder 3"/>
+          <p:cNvPicPr>
+            <a:picLocks noGrp="1" noChangeAspect="1"/>
+          </p:cNvPicPr>
           <p:nvPr>
             <p:ph idx="1"/>
           </p:nvPr>
-        </p:nvSpPr>
-        <p:spPr/>
-        <p:txBody>
-          <a:bodyPr>
-            <a:normAutofit/>
+        </p:nvPicPr>
+        <p:blipFill>
+          <a:blip r:embed="rId3">
+            <a:extLst>
+              <a:ext uri="{28A0092B-C50C-407E-A947-70E740481C1C}">
+                <a14:useLocalDpi xmlns:a14="http://schemas.microsoft.com/office/drawing/2010/main" val="0"/>
+              </a:ext>
+            </a:extLst>
+          </a:blip>
+          <a:stretch>
+            <a:fillRect/>
+          </a:stretch>
+        </p:blipFill>
+        <p:spPr>
+          <a:xfrm>
+            <a:off x="691243" y="1690688"/>
+            <a:ext cx="6112973" cy="3592512"/>
+          </a:xfrm>
+        </p:spPr>
+      </p:pic>
+      <p:cxnSp>
+        <p:nvCxnSpPr>
+          <p:cNvPr id="6" name="Straight Arrow Connector 5"/>
+          <p:cNvCxnSpPr/>
+          <p:nvPr/>
+        </p:nvCxnSpPr>
+        <p:spPr>
+          <a:xfrm flipV="1">
+            <a:off x="6946900" y="1690688"/>
+            <a:ext cx="1028700" cy="328612"/>
+          </a:xfrm>
+          <a:prstGeom prst="straightConnector1">
+            <a:avLst/>
+          </a:prstGeom>
+          <a:ln w="38100">
+            <a:tailEnd type="triangle"/>
+          </a:ln>
+        </p:spPr>
+        <p:style>
+          <a:lnRef idx="1">
+            <a:schemeClr val="accent1"/>
+          </a:lnRef>
+          <a:fillRef idx="0">
+            <a:schemeClr val="accent1"/>
+          </a:fillRef>
+          <a:effectRef idx="0">
+            <a:schemeClr val="accent1"/>
+          </a:effectRef>
+          <a:fontRef idx="minor">
+            <a:schemeClr val="tx1"/>
+          </a:fontRef>
+        </p:style>
+      </p:cxnSp>
+      <p:cxnSp>
+        <p:nvCxnSpPr>
+          <p:cNvPr id="7" name="Straight Arrow Connector 6"/>
+          <p:cNvCxnSpPr/>
+          <p:nvPr/>
+        </p:nvCxnSpPr>
+        <p:spPr>
+          <a:xfrm flipV="1">
+            <a:off x="6946900" y="3435747"/>
+            <a:ext cx="1028700" cy="11510"/>
+          </a:xfrm>
+          <a:prstGeom prst="straightConnector1">
+            <a:avLst/>
+          </a:prstGeom>
+          <a:ln w="38100">
+            <a:tailEnd type="triangle"/>
+          </a:ln>
+        </p:spPr>
+        <p:style>
+          <a:lnRef idx="1">
+            <a:schemeClr val="accent1"/>
+          </a:lnRef>
+          <a:fillRef idx="0">
+            <a:schemeClr val="accent1"/>
+          </a:fillRef>
+          <a:effectRef idx="0">
+            <a:schemeClr val="accent1"/>
+          </a:effectRef>
+          <a:fontRef idx="minor">
+            <a:schemeClr val="tx1"/>
+          </a:fontRef>
+        </p:style>
+      </p:cxnSp>
+      <p:cxnSp>
+        <p:nvCxnSpPr>
+          <p:cNvPr id="8" name="Straight Arrow Connector 7"/>
+          <p:cNvCxnSpPr/>
+          <p:nvPr/>
+        </p:nvCxnSpPr>
+        <p:spPr>
+          <a:xfrm>
+            <a:off x="6946900" y="4546600"/>
+            <a:ext cx="1181100" cy="355600"/>
+          </a:xfrm>
+          <a:prstGeom prst="straightConnector1">
+            <a:avLst/>
+          </a:prstGeom>
+          <a:ln w="38100">
+            <a:tailEnd type="triangle"/>
+          </a:ln>
+        </p:spPr>
+        <p:style>
+          <a:lnRef idx="1">
+            <a:schemeClr val="accent1"/>
+          </a:lnRef>
+          <a:fillRef idx="0">
+            <a:schemeClr val="accent1"/>
+          </a:fillRef>
+          <a:effectRef idx="0">
+            <a:schemeClr val="accent1"/>
+          </a:effectRef>
+          <a:fontRef idx="minor">
+            <a:schemeClr val="tx1"/>
+          </a:fontRef>
+        </p:style>
+      </p:cxnSp>
+      <p:sp>
+        <p:nvSpPr>
+          <p:cNvPr id="11" name="TextBox 10"/>
+          <p:cNvSpPr txBox="1"/>
+          <p:nvPr/>
+        </p:nvSpPr>
+        <p:spPr>
+          <a:xfrm>
+            <a:off x="8128000" y="1308556"/>
+            <a:ext cx="3441700" cy="923330"/>
+          </a:xfrm>
+          <a:prstGeom prst="rect">
+            <a:avLst/>
+          </a:prstGeom>
+          <a:noFill/>
+        </p:spPr>
+        <p:txBody>
+          <a:bodyPr wrap="square" rtlCol="0">
+            <a:spAutoFit/>
           </a:bodyPr>
           <a:lstStyle/>
           <a:p>
             <a:r>
-              <a:rPr lang="en-US" dirty="0"/>
-              <a:t>Y</a:t>
-            </a:r>
-            <a:r>
-              <a:rPr lang="en-US" dirty="0" smtClean="0"/>
-              <a:t>ou </a:t>
-            </a:r>
-            <a:r>
-              <a:rPr lang="en-US" dirty="0"/>
-              <a:t>will be remunerated for </a:t>
-            </a:r>
-            <a:r>
-              <a:rPr lang="en-US" dirty="0" smtClean="0"/>
-              <a:t>proteins that </a:t>
-            </a:r>
-            <a:r>
-              <a:rPr lang="en-US" dirty="0"/>
-              <a:t>score positively in their assay according to how similar they are </a:t>
-            </a:r>
-            <a:r>
-              <a:rPr lang="en-US" dirty="0" smtClean="0"/>
-              <a:t>to existing </a:t>
-            </a:r>
-            <a:r>
-              <a:rPr lang="en-US" dirty="0" err="1"/>
-              <a:t>chokeophobia</a:t>
-            </a:r>
-            <a:r>
-              <a:rPr lang="en-US" dirty="0"/>
-              <a:t> therapeutics in their training set:   </a:t>
+              <a:rPr lang="en-US" b="1" dirty="0" smtClean="0"/>
+              <a:t>Sequence Homology: </a:t>
+            </a:r>
+            <a:r>
+              <a:rPr lang="en-US" dirty="0" smtClean="0"/>
+              <a:t>sequence similarities between valid proteins</a:t>
+            </a:r>
+          </a:p>
+          <a:p>
+            <a:r>
+              <a:rPr lang="en-US" dirty="0" smtClean="0"/>
+              <a:t>Tool: </a:t>
+            </a:r>
+            <a:r>
+              <a:rPr lang="en-US" dirty="0" err="1" smtClean="0"/>
+              <a:t>BLASTp</a:t>
             </a:r>
             <a:endParaRPr lang="en-US" dirty="0" smtClean="0"/>
           </a:p>
-          <a:p>
-            <a:r>
-              <a:rPr lang="en-US" dirty="0" smtClean="0"/>
-              <a:t> </a:t>
-            </a:r>
-            <a:r>
-              <a:rPr lang="en-US" dirty="0"/>
-              <a:t>&gt;= 78% sequence identity: $1M per protein   </a:t>
-            </a:r>
-            <a:endParaRPr lang="en-US" dirty="0" smtClean="0"/>
-          </a:p>
-          <a:p>
-            <a:r>
-              <a:rPr lang="en-US" dirty="0" smtClean="0"/>
-              <a:t> </a:t>
-            </a:r>
-            <a:r>
-              <a:rPr lang="en-US" dirty="0"/>
-              <a:t>&lt; 78% but &gt;= 45% sequence identity: $2M per protein   </a:t>
-            </a:r>
-            <a:endParaRPr lang="en-US" dirty="0" smtClean="0"/>
-          </a:p>
-          <a:p>
-            <a:r>
-              <a:rPr lang="en-US" dirty="0" smtClean="0"/>
-              <a:t> &lt;45</a:t>
-            </a:r>
-            <a:r>
-              <a:rPr lang="en-US" dirty="0"/>
-              <a:t>% sequence identity: $4M per </a:t>
-            </a:r>
-            <a:r>
-              <a:rPr lang="en-US" dirty="0" smtClean="0"/>
-              <a:t>protein</a:t>
-            </a:r>
-          </a:p>
-          <a:p>
-            <a:r>
-              <a:rPr lang="en-US" dirty="0" smtClean="0"/>
-              <a:t>&gt; </a:t>
+        </p:txBody>
+      </p:sp>
+      <p:sp>
+        <p:nvSpPr>
+          <p:cNvPr id="12" name="TextBox 11"/>
+          <p:cNvSpPr txBox="1"/>
+          <p:nvPr/>
+        </p:nvSpPr>
+        <p:spPr>
+          <a:xfrm>
+            <a:off x="8509000" y="3033871"/>
+            <a:ext cx="2997200" cy="923330"/>
+          </a:xfrm>
+          <a:prstGeom prst="rect">
+            <a:avLst/>
+          </a:prstGeom>
+          <a:noFill/>
+        </p:spPr>
+        <p:txBody>
+          <a:bodyPr wrap="square" rtlCol="0">
+            <a:spAutoFit/>
+          </a:bodyPr>
+          <a:lstStyle/>
+          <a:p>
+            <a:r>
+              <a:rPr lang="en-US" b="1" dirty="0" smtClean="0"/>
+              <a:t>Domain Homology</a:t>
+            </a:r>
+            <a:r>
+              <a:rPr lang="en-US" dirty="0" smtClean="0"/>
+              <a:t>: HMM to model homology</a:t>
+            </a:r>
+          </a:p>
+          <a:p>
+            <a:r>
+              <a:rPr lang="en-US" dirty="0" smtClean="0"/>
+              <a:t>Tool: </a:t>
             </a:r>
             <a:r>
               <a:rPr lang="en-US" dirty="0" err="1" smtClean="0"/>
-              <a:t>protein_nomination_value.pkl</a:t>
-            </a:r>
-            <a:r>
-              <a:rPr lang="en-US" dirty="0" smtClean="0"/>
-              <a:t>: report </a:t>
-            </a:r>
-            <a:r>
-              <a:rPr lang="en-US" dirty="0"/>
-              <a:t>the </a:t>
-            </a:r>
-            <a:r>
-              <a:rPr lang="en-US" dirty="0" smtClean="0"/>
-              <a:t>monetary value </a:t>
-            </a:r>
-            <a:r>
-              <a:rPr lang="en-US" dirty="0"/>
-              <a:t>returned by your Top 200 nominations.  </a:t>
-            </a:r>
+              <a:t>hmmscan</a:t>
+            </a:r>
+            <a:endParaRPr lang="en-US" dirty="0"/>
+          </a:p>
+        </p:txBody>
+      </p:sp>
+      <p:sp>
+        <p:nvSpPr>
+          <p:cNvPr id="13" name="TextBox 12"/>
+          <p:cNvSpPr txBox="1"/>
+          <p:nvPr/>
+        </p:nvSpPr>
+        <p:spPr>
+          <a:xfrm>
+            <a:off x="8509000" y="4546600"/>
+            <a:ext cx="2997200" cy="923330"/>
+          </a:xfrm>
+          <a:prstGeom prst="rect">
+            <a:avLst/>
+          </a:prstGeom>
+          <a:noFill/>
+        </p:spPr>
+        <p:txBody>
+          <a:bodyPr wrap="square" rtlCol="0">
+            <a:spAutoFit/>
+          </a:bodyPr>
+          <a:lstStyle/>
+          <a:p>
+            <a:r>
+              <a:rPr lang="en-US" b="1" dirty="0" smtClean="0"/>
+              <a:t>Physicochemical properties</a:t>
+            </a:r>
+            <a:r>
+              <a:rPr lang="en-US" dirty="0" smtClean="0"/>
+              <a:t>: properties of the AA bases</a:t>
+            </a:r>
+          </a:p>
+          <a:p>
+            <a:r>
+              <a:rPr lang="en-US" dirty="0" smtClean="0"/>
+              <a:t>Tool: </a:t>
+            </a:r>
+            <a:r>
+              <a:rPr lang="en-US" dirty="0" err="1" smtClean="0"/>
+              <a:t>pydpi</a:t>
+            </a:r>
+            <a:endParaRPr lang="en-US" dirty="0"/>
+          </a:p>
+        </p:txBody>
+      </p:sp>
+      <p:sp>
+        <p:nvSpPr>
+          <p:cNvPr id="15" name="TextBox 14"/>
+          <p:cNvSpPr txBox="1"/>
+          <p:nvPr/>
+        </p:nvSpPr>
+        <p:spPr>
+          <a:xfrm>
+            <a:off x="691243" y="5816600"/>
+            <a:ext cx="8198757" cy="369332"/>
+          </a:xfrm>
+          <a:prstGeom prst="rect">
+            <a:avLst/>
+          </a:prstGeom>
+          <a:noFill/>
+        </p:spPr>
+        <p:txBody>
+          <a:bodyPr wrap="square" rtlCol="0">
+            <a:spAutoFit/>
+          </a:bodyPr>
+          <a:lstStyle/>
+          <a:p>
+            <a:r>
+              <a:rPr lang="en-US" dirty="0" smtClean="0"/>
+              <a:t>264 sequences in the training set, 44 with label == 0</a:t>
+            </a:r>
+            <a:endParaRPr lang="en-US" dirty="0"/>
           </a:p>
         </p:txBody>
       </p:sp>
     </p:spTree>
     <p:extLst>
       <p:ext uri="{BB962C8B-B14F-4D97-AF65-F5344CB8AC3E}">
-        <p14:creationId xmlns:p14="http://schemas.microsoft.com/office/powerpoint/2010/main" val="933439929"/>
+        <p14:creationId xmlns:p14="http://schemas.microsoft.com/office/powerpoint/2010/main" val="1892481953"/>
       </p:ext>
     </p:extLst>
   </p:cSld>
@@ -5348,39 +6037,206 @@
           <a:lstStyle/>
           <a:p>
             <a:r>
-              <a:rPr lang="en-US" dirty="0" smtClean="0"/>
-              <a:t>Define the Problem</a:t>
+              <a:rPr lang="en-US" dirty="0" err="1" smtClean="0"/>
+              <a:t>BLASTp</a:t>
+            </a:r>
+            <a:r>
+              <a:rPr lang="en-US" dirty="0" smtClean="0"/>
+              <a:t> data</a:t>
             </a:r>
             <a:endParaRPr lang="en-US" dirty="0"/>
           </a:p>
         </p:txBody>
       </p:sp>
-      <p:sp>
-        <p:nvSpPr>
-          <p:cNvPr id="3" name="Content Placeholder 2"/>
-          <p:cNvSpPr>
-            <a:spLocks noGrp="1"/>
-          </p:cNvSpPr>
+      <p:pic>
+        <p:nvPicPr>
+          <p:cNvPr id="4" name="Content Placeholder 3"/>
+          <p:cNvPicPr>
+            <a:picLocks noGrp="1" noChangeAspect="1"/>
+          </p:cNvPicPr>
           <p:nvPr>
             <p:ph idx="1"/>
           </p:nvPr>
-        </p:nvSpPr>
-        <p:spPr/>
-        <p:txBody>
-          <a:bodyPr>
-            <a:normAutofit lnSpcReduction="10000"/>
+        </p:nvPicPr>
+        <p:blipFill>
+          <a:blip r:embed="rId3">
+            <a:extLst>
+              <a:ext uri="{28A0092B-C50C-407E-A947-70E740481C1C}">
+                <a14:useLocalDpi xmlns:a14="http://schemas.microsoft.com/office/drawing/2010/main" val="0"/>
+              </a:ext>
+            </a:extLst>
+          </a:blip>
+          <a:stretch>
+            <a:fillRect/>
+          </a:stretch>
+        </p:blipFill>
+        <p:spPr>
+          <a:xfrm>
+            <a:off x="749300" y="1931988"/>
+            <a:ext cx="10515600" cy="1106905"/>
+          </a:xfrm>
+        </p:spPr>
+      </p:pic>
+      <p:sp>
+        <p:nvSpPr>
+          <p:cNvPr id="5" name="TextBox 4"/>
+          <p:cNvSpPr txBox="1"/>
+          <p:nvPr/>
+        </p:nvSpPr>
+        <p:spPr>
+          <a:xfrm>
+            <a:off x="1460500" y="1397000"/>
+            <a:ext cx="1130300" cy="369332"/>
+          </a:xfrm>
+          <a:prstGeom prst="rect">
+            <a:avLst/>
+          </a:prstGeom>
+          <a:noFill/>
+        </p:spPr>
+        <p:txBody>
+          <a:bodyPr wrap="square" rtlCol="0">
+            <a:spAutoFit/>
           </a:bodyPr>
           <a:lstStyle/>
           <a:p>
             <a:r>
-              <a:rPr lang="en-US" dirty="0" smtClean="0"/>
-              <a:t>This is a classification question (is it 0 or 1)</a:t>
-            </a:r>
-          </a:p>
-          <a:p>
-            <a:r>
-              <a:rPr lang="en-US" dirty="0" smtClean="0"/>
-              <a:t>Select an algorithm depending on question and data available </a:t>
+              <a:rPr lang="en-US" dirty="0" err="1" smtClean="0"/>
+              <a:t>qseqid</a:t>
+            </a:r>
+            <a:endParaRPr lang="en-US" dirty="0"/>
+          </a:p>
+        </p:txBody>
+      </p:sp>
+      <p:sp>
+        <p:nvSpPr>
+          <p:cNvPr id="6" name="TextBox 5"/>
+          <p:cNvSpPr txBox="1"/>
+          <p:nvPr/>
+        </p:nvSpPr>
+        <p:spPr>
+          <a:xfrm>
+            <a:off x="6654800" y="1442006"/>
+            <a:ext cx="838200" cy="369332"/>
+          </a:xfrm>
+          <a:prstGeom prst="rect">
+            <a:avLst/>
+          </a:prstGeom>
+          <a:noFill/>
+        </p:spPr>
+        <p:txBody>
+          <a:bodyPr wrap="square" rtlCol="0">
+            <a:spAutoFit/>
+          </a:bodyPr>
+          <a:lstStyle/>
+          <a:p>
+            <a:r>
+              <a:rPr lang="en-US" smtClean="0"/>
+              <a:t>pident</a:t>
+            </a:r>
+            <a:endParaRPr lang="en-US" dirty="0"/>
+          </a:p>
+        </p:txBody>
+      </p:sp>
+      <p:sp>
+        <p:nvSpPr>
+          <p:cNvPr id="7" name="TextBox 6"/>
+          <p:cNvSpPr txBox="1"/>
+          <p:nvPr/>
+        </p:nvSpPr>
+        <p:spPr>
+          <a:xfrm>
+            <a:off x="9461500" y="1487012"/>
+            <a:ext cx="1143000" cy="369332"/>
+          </a:xfrm>
+          <a:prstGeom prst="rect">
+            <a:avLst/>
+          </a:prstGeom>
+          <a:noFill/>
+        </p:spPr>
+        <p:txBody>
+          <a:bodyPr wrap="square" rtlCol="0">
+            <a:spAutoFit/>
+          </a:bodyPr>
+          <a:lstStyle/>
+          <a:p>
+            <a:pPr algn="ctr"/>
+            <a:r>
+              <a:rPr lang="en-US" dirty="0" smtClean="0"/>
+              <a:t>E-value</a:t>
+            </a:r>
+            <a:endParaRPr lang="en-US" dirty="0"/>
+          </a:p>
+        </p:txBody>
+      </p:sp>
+      <p:sp>
+        <p:nvSpPr>
+          <p:cNvPr id="8" name="TextBox 7"/>
+          <p:cNvSpPr txBox="1"/>
+          <p:nvPr/>
+        </p:nvSpPr>
+        <p:spPr>
+          <a:xfrm>
+            <a:off x="10706100" y="1502331"/>
+            <a:ext cx="1054100" cy="369332"/>
+          </a:xfrm>
+          <a:prstGeom prst="rect">
+            <a:avLst/>
+          </a:prstGeom>
+          <a:noFill/>
+        </p:spPr>
+        <p:txBody>
+          <a:bodyPr wrap="square" rtlCol="0">
+            <a:spAutoFit/>
+          </a:bodyPr>
+          <a:lstStyle/>
+          <a:p>
+            <a:r>
+              <a:rPr lang="en-US" smtClean="0"/>
+              <a:t>bitscore</a:t>
+            </a:r>
+            <a:endParaRPr lang="en-US" dirty="0"/>
+          </a:p>
+        </p:txBody>
+      </p:sp>
+      <p:sp>
+        <p:nvSpPr>
+          <p:cNvPr id="9" name="TextBox 8"/>
+          <p:cNvSpPr txBox="1"/>
+          <p:nvPr/>
+        </p:nvSpPr>
+        <p:spPr>
+          <a:xfrm>
+            <a:off x="749300" y="3568700"/>
+            <a:ext cx="5435600" cy="2308324"/>
+          </a:xfrm>
+          <a:prstGeom prst="rect">
+            <a:avLst/>
+          </a:prstGeom>
+          <a:noFill/>
+        </p:spPr>
+        <p:txBody>
+          <a:bodyPr wrap="square" rtlCol="0">
+            <a:spAutoFit/>
+          </a:bodyPr>
+          <a:lstStyle/>
+          <a:p>
+            <a:r>
+              <a:rPr lang="en-US" dirty="0" smtClean="0"/>
+              <a:t>Run a </a:t>
+            </a:r>
+            <a:r>
+              <a:rPr lang="en-US" dirty="0" err="1" smtClean="0"/>
+              <a:t>BLASTp</a:t>
+            </a:r>
+            <a:r>
+              <a:rPr lang="en-US" dirty="0" smtClean="0"/>
+              <a:t> job against valid proteins only (label = 0) to find homology to those proteins.</a:t>
+            </a:r>
+          </a:p>
+          <a:p>
+            <a:r>
+              <a:rPr lang="en-US" dirty="0" smtClean="0"/>
+              <a:t>Fill in missing data </a:t>
             </a:r>
             <a:r>
               <a:rPr lang="mr-IN" dirty="0" smtClean="0"/>
@@ -5388,101 +6244,40 @@
             </a:r>
             <a:r>
               <a:rPr lang="en-US" dirty="0" smtClean="0"/>
-              <a:t> good to test multiple</a:t>
-            </a:r>
-          </a:p>
-          <a:p>
-            <a:r>
-              <a:rPr lang="en-US" dirty="0" smtClean="0"/>
-              <a:t>Cost/loss function </a:t>
-            </a:r>
-            <a:r>
-              <a:rPr lang="mr-IN" dirty="0" smtClean="0"/>
-              <a:t>–</a:t>
-            </a:r>
-            <a:r>
-              <a:rPr lang="en-US" dirty="0" smtClean="0"/>
-              <a:t> measures how accurate my model is (how far it is from predicting training data </a:t>
-            </a:r>
-            <a:r>
-              <a:rPr lang="mr-IN" dirty="0" smtClean="0"/>
-              <a:t>–</a:t>
-            </a:r>
-            <a:r>
-              <a:rPr lang="en-US" dirty="0" smtClean="0"/>
-              <a:t> goal is to minimize this)</a:t>
-            </a:r>
-          </a:p>
-          <a:p>
-            <a:r>
-              <a:rPr lang="en-US" dirty="0" smtClean="0"/>
-              <a:t>Optimization </a:t>
-            </a:r>
-            <a:r>
-              <a:rPr lang="mr-IN" dirty="0" smtClean="0"/>
-              <a:t>–</a:t>
-            </a:r>
-            <a:r>
-              <a:rPr lang="en-US" dirty="0" smtClean="0"/>
-              <a:t> a method to minimize cost </a:t>
-            </a:r>
+              <a:t> queries that share no homology to valid proteins with:</a:t>
+            </a:r>
+          </a:p>
+          <a:p>
+            <a:endParaRPr lang="en-US" dirty="0"/>
+          </a:p>
+          <a:p>
+            <a:r>
+              <a:rPr lang="en-US" dirty="0" smtClean="0"/>
+              <a:t> - % identical matches = 0</a:t>
+            </a:r>
+          </a:p>
+          <a:p>
+            <a:pPr marL="285750" indent="-285750">
+              <a:buFontTx/>
+              <a:buChar char="-"/>
+            </a:pPr>
+            <a:r>
+              <a:rPr lang="en-US" dirty="0" smtClean="0"/>
+              <a:t>e-value = 1</a:t>
+            </a:r>
+          </a:p>
+          <a:p>
+            <a:pPr marL="285750" indent="-285750">
+              <a:buFontTx/>
+              <a:buChar char="-"/>
+            </a:pPr>
             <a:r>
               <a:rPr lang="en-US" dirty="0" err="1" smtClean="0"/>
-              <a:t>fn</a:t>
-            </a:r>
-            <a:r>
-              <a:rPr lang="en-US" dirty="0" smtClean="0"/>
-              <a:t> (“gradient descent”)</a:t>
-            </a:r>
-          </a:p>
-          <a:p>
-            <a:r>
-              <a:rPr lang="en-US" dirty="0" smtClean="0"/>
-              <a:t>Tuning </a:t>
-            </a:r>
-            <a:r>
-              <a:rPr lang="mr-IN" dirty="0" smtClean="0"/>
-              <a:t>–</a:t>
-            </a:r>
-            <a:r>
-              <a:rPr lang="en-US" dirty="0" smtClean="0"/>
-              <a:t> algorithm will have a </a:t>
-            </a:r>
-            <a:r>
-              <a:rPr lang="en-US" dirty="0" err="1" smtClean="0"/>
-              <a:t>hyperparameter</a:t>
-            </a:r>
-            <a:r>
-              <a:rPr lang="en-US" dirty="0" smtClean="0"/>
-              <a:t>. Find method for </a:t>
-            </a:r>
-            <a:r>
-              <a:rPr lang="en-US" dirty="0" err="1" smtClean="0"/>
-              <a:t>hyperparameter</a:t>
-            </a:r>
-            <a:r>
-              <a:rPr lang="en-US" dirty="0" smtClean="0"/>
-              <a:t> tuning such as grid and random search</a:t>
-            </a:r>
-          </a:p>
-          <a:p>
-            <a:r>
-              <a:rPr lang="en-US" dirty="0" smtClean="0"/>
-              <a:t>Results and benchmarking </a:t>
-            </a:r>
-            <a:r>
-              <a:rPr lang="mr-IN" dirty="0" smtClean="0"/>
-              <a:t>–</a:t>
-            </a:r>
-            <a:r>
-              <a:rPr lang="en-US" dirty="0" smtClean="0"/>
-              <a:t> compare to my pickles</a:t>
-            </a:r>
-          </a:p>
-          <a:p>
-            <a:r>
-              <a:rPr lang="en-US" dirty="0" smtClean="0"/>
-              <a:t>Make a graph here? parallels</a:t>
+              <a:t>Bitscore</a:t>
+            </a:r>
+            <a:r>
+              <a:rPr lang="en-US" dirty="0" smtClean="0"/>
+              <a:t> = 0</a:t>
             </a:r>
             <a:endParaRPr lang="en-US" dirty="0"/>
           </a:p>
@@ -5491,7 +6286,7 @@
     </p:spTree>
     <p:extLst>
       <p:ext uri="{BB962C8B-B14F-4D97-AF65-F5344CB8AC3E}">
-        <p14:creationId xmlns:p14="http://schemas.microsoft.com/office/powerpoint/2010/main" val="172110930"/>
+        <p14:creationId xmlns:p14="http://schemas.microsoft.com/office/powerpoint/2010/main" val="109773502"/>
       </p:ext>
     </p:extLst>
   </p:cSld>
@@ -5534,8 +6329,12 @@
           <a:lstStyle/>
           <a:p>
             <a:r>
-              <a:rPr lang="en-US" dirty="0" smtClean="0"/>
-              <a:t>Data</a:t>
+              <a:rPr lang="en-US" dirty="0" err="1" smtClean="0"/>
+              <a:t>BLASTp</a:t>
+            </a:r>
+            <a:r>
+              <a:rPr lang="en-US" dirty="0" smtClean="0"/>
+              <a:t> data</a:t>
             </a:r>
             <a:endParaRPr lang="en-US" dirty="0"/>
           </a:p>
@@ -5553,79 +6352,17 @@
         </p:nvSpPr>
         <p:spPr/>
         <p:txBody>
-          <a:bodyPr>
-            <a:normAutofit lnSpcReduction="10000"/>
-          </a:bodyPr>
-          <a:lstStyle/>
-          <a:p>
-            <a:r>
-              <a:rPr lang="en-US" dirty="0" smtClean="0"/>
-              <a:t>Find</a:t>
-            </a:r>
-          </a:p>
-          <a:p>
-            <a:r>
-              <a:rPr lang="en-US" dirty="0" smtClean="0"/>
-              <a:t>Collect</a:t>
-            </a:r>
-          </a:p>
-          <a:p>
-            <a:r>
-              <a:rPr lang="en-US" dirty="0" smtClean="0"/>
-              <a:t>Explore</a:t>
-            </a:r>
-          </a:p>
-          <a:p>
-            <a:r>
-              <a:rPr lang="en-US" dirty="0" smtClean="0"/>
-              <a:t>Clean Features</a:t>
-            </a:r>
-          </a:p>
-          <a:p>
-            <a:r>
-              <a:rPr lang="en-US" dirty="0" smtClean="0"/>
-              <a:t>Impute features </a:t>
-            </a:r>
-            <a:r>
-              <a:rPr lang="mr-IN" dirty="0" smtClean="0"/>
-              <a:t>–</a:t>
-            </a:r>
-            <a:r>
-              <a:rPr lang="en-US" dirty="0" smtClean="0"/>
-              <a:t> data that is missing</a:t>
-            </a:r>
-          </a:p>
-          <a:p>
-            <a:r>
-              <a:rPr lang="en-US" dirty="0" smtClean="0"/>
-              <a:t>Select Features</a:t>
-            </a:r>
-          </a:p>
-          <a:p>
-            <a:r>
-              <a:rPr lang="en-US" dirty="0" smtClean="0"/>
-              <a:t>Encode Features</a:t>
-            </a:r>
-          </a:p>
-          <a:p>
-            <a:r>
-              <a:rPr lang="en-US" dirty="0" smtClean="0"/>
-              <a:t>Build a dataset</a:t>
-            </a:r>
-          </a:p>
-          <a:p>
-            <a:r>
-              <a:rPr lang="en-US" dirty="0" smtClean="0"/>
-              <a:t>These are all linear matrix fitting so data needs to be numerical</a:t>
-            </a:r>
-            <a:endParaRPr lang="en-US" dirty="0"/>
+          <a:bodyPr/>
+          <a:lstStyle/>
+          <a:p>
+            <a:endParaRPr lang="en-US"/>
           </a:p>
         </p:txBody>
       </p:sp>
     </p:spTree>
     <p:extLst>
       <p:ext uri="{BB962C8B-B14F-4D97-AF65-F5344CB8AC3E}">
-        <p14:creationId xmlns:p14="http://schemas.microsoft.com/office/powerpoint/2010/main" val="1444702667"/>
+        <p14:creationId xmlns:p14="http://schemas.microsoft.com/office/powerpoint/2010/main" val="1935962399"/>
       </p:ext>
     </p:extLst>
   </p:cSld>
@@ -5668,8 +6405,12 @@
           <a:lstStyle/>
           <a:p>
             <a:r>
-              <a:rPr lang="en-US" dirty="0" smtClean="0"/>
-              <a:t>Background to refresh</a:t>
+              <a:rPr lang="en-US" dirty="0" err="1" smtClean="0"/>
+              <a:t>HMMer</a:t>
+            </a:r>
+            <a:r>
+              <a:rPr lang="en-US" dirty="0" smtClean="0"/>
+              <a:t> data</a:t>
             </a:r>
             <a:endParaRPr lang="en-US" dirty="0"/>
           </a:p>
@@ -5685,182 +6426,186 @@
             <p:ph idx="1"/>
           </p:nvPr>
         </p:nvSpPr>
-        <p:spPr/>
-        <p:txBody>
-          <a:bodyPr>
-            <a:normAutofit fontScale="70000" lnSpcReduction="20000"/>
+        <p:spPr>
+          <a:xfrm>
+            <a:off x="838200" y="1432718"/>
+            <a:ext cx="10515600" cy="650875"/>
+          </a:xfrm>
+        </p:spPr>
+        <p:txBody>
+          <a:bodyPr/>
+          <a:lstStyle/>
+          <a:p>
+            <a:r>
+              <a:rPr lang="en-US" dirty="0" smtClean="0"/>
+              <a:t>Run a </a:t>
+            </a:r>
+            <a:r>
+              <a:rPr lang="en-US" dirty="0" err="1" smtClean="0"/>
+              <a:t>hmmscan</a:t>
+            </a:r>
+            <a:r>
+              <a:rPr lang="en-US" dirty="0" smtClean="0"/>
+              <a:t> job against the </a:t>
+            </a:r>
+            <a:r>
+              <a:rPr lang="en-US" dirty="0" err="1" smtClean="0"/>
+              <a:t>Pfam</a:t>
+            </a:r>
+            <a:r>
+              <a:rPr lang="en-US" dirty="0" smtClean="0"/>
+              <a:t>-A protein with valid proteins</a:t>
+            </a:r>
+            <a:endParaRPr lang="en-US" dirty="0"/>
+          </a:p>
+        </p:txBody>
+      </p:sp>
+      <p:pic>
+        <p:nvPicPr>
+          <p:cNvPr id="4" name="Picture 3"/>
+          <p:cNvPicPr>
+            <a:picLocks noChangeAspect="1"/>
+          </p:cNvPicPr>
+          <p:nvPr/>
+        </p:nvPicPr>
+        <p:blipFill>
+          <a:blip r:embed="rId2">
+            <a:extLst>
+              <a:ext uri="{28A0092B-C50C-407E-A947-70E740481C1C}">
+                <a14:useLocalDpi xmlns:a14="http://schemas.microsoft.com/office/drawing/2010/main" val="0"/>
+              </a:ext>
+            </a:extLst>
+          </a:blip>
+          <a:stretch>
+            <a:fillRect/>
+          </a:stretch>
+        </p:blipFill>
+        <p:spPr>
+          <a:xfrm>
+            <a:off x="2362200" y="2083593"/>
+            <a:ext cx="7467600" cy="1854200"/>
+          </a:xfrm>
+          <a:prstGeom prst="rect">
+            <a:avLst/>
+          </a:prstGeom>
+        </p:spPr>
+      </p:pic>
+      <p:sp>
+        <p:nvSpPr>
+          <p:cNvPr id="5" name="TextBox 4"/>
+          <p:cNvSpPr txBox="1"/>
+          <p:nvPr/>
+        </p:nvSpPr>
+        <p:spPr>
+          <a:xfrm>
+            <a:off x="838200" y="4152900"/>
+            <a:ext cx="10515600" cy="1815882"/>
+          </a:xfrm>
+          <a:prstGeom prst="rect">
+            <a:avLst/>
+          </a:prstGeom>
+          <a:noFill/>
+        </p:spPr>
+        <p:txBody>
+          <a:bodyPr wrap="square" rtlCol="0">
+            <a:spAutoFit/>
           </a:bodyPr>
           <a:lstStyle/>
           <a:p>
-            <a:r>
-              <a:rPr lang="en-US" dirty="0" err="1" smtClean="0"/>
-              <a:t>Blastp</a:t>
-            </a:r>
-            <a:r>
-              <a:rPr lang="en-US" dirty="0" smtClean="0"/>
-              <a:t> algorithm</a:t>
-            </a:r>
-          </a:p>
-          <a:p>
-            <a:r>
-              <a:rPr lang="en-US" dirty="0" err="1" smtClean="0"/>
-              <a:t>Evalue</a:t>
-            </a:r>
-            <a:r>
-              <a:rPr lang="en-US" dirty="0" smtClean="0"/>
-              <a:t> meaning in blast</a:t>
-            </a:r>
-          </a:p>
-          <a:p>
-            <a:r>
-              <a:rPr lang="en-US" dirty="0" smtClean="0"/>
-              <a:t>HMM</a:t>
-            </a:r>
-          </a:p>
-          <a:p>
-            <a:r>
-              <a:rPr lang="en-US" dirty="0" smtClean="0"/>
-              <a:t>Algorithms</a:t>
-            </a:r>
-          </a:p>
-          <a:p>
-            <a:r>
-              <a:rPr lang="en-US" dirty="0">
-                <a:hlinkClick r:id="rId2"/>
-              </a:rPr>
-              <a:t>https://www.analyticsvidhya.com/blog/2017/09/common-machine-learning-algorithms</a:t>
-            </a:r>
-            <a:r>
-              <a:rPr lang="en-US" dirty="0" smtClean="0">
-                <a:hlinkClick r:id="rId2"/>
-              </a:rPr>
-              <a:t>/</a:t>
-            </a:r>
-            <a:endParaRPr lang="en-US" dirty="0" smtClean="0"/>
-          </a:p>
-          <a:p>
-            <a:r>
-              <a:rPr lang="en-US" dirty="0">
+            <a:pPr marL="285750" indent="-285750">
+              <a:buFont typeface="Arial" charset="0"/>
+              <a:buChar char="•"/>
+            </a:pPr>
+            <a:r>
+              <a:rPr lang="en-US" sz="2800" dirty="0"/>
+              <a:t>U</a:t>
+            </a:r>
+            <a:r>
+              <a:rPr lang="en-US" sz="2800" dirty="0" smtClean="0"/>
+              <a:t>se </a:t>
+            </a:r>
+            <a:r>
+              <a:rPr lang="en-US" sz="2800" dirty="0"/>
+              <a:t>.hmm files obtained from </a:t>
+            </a:r>
+            <a:r>
+              <a:rPr lang="en-US" sz="2800" dirty="0" smtClean="0"/>
+              <a:t> </a:t>
+            </a:r>
+            <a:r>
+              <a:rPr lang="en-US" sz="2800" dirty="0">
                 <a:hlinkClick r:id="rId3"/>
               </a:rPr>
               <a:t>http://</a:t>
             </a:r>
             <a:r>
-              <a:rPr lang="en-US" dirty="0" smtClean="0">
+              <a:rPr lang="en-US" sz="2800" dirty="0" smtClean="0">
                 <a:hlinkClick r:id="rId3"/>
               </a:rPr>
-              <a:t>www.kdnuggets.com/2015/11/seven-steps-machine-learning-python.html</a:t>
-            </a:r>
-            <a:endParaRPr lang="en-US" dirty="0" smtClean="0"/>
-          </a:p>
-          <a:p>
-            <a:r>
-              <a:rPr lang="en-US" dirty="0">
-                <a:hlinkClick r:id="rId4"/>
-              </a:rPr>
-              <a:t>http://</a:t>
-            </a:r>
-            <a:r>
-              <a:rPr lang="en-US" dirty="0" smtClean="0">
-                <a:hlinkClick r:id="rId4"/>
-              </a:rPr>
-              <a:t>www.kdnuggets.com/2016/03/doing-data-science-kaggle-walkthrough-cleaning-data.html/2</a:t>
-            </a:r>
-            <a:endParaRPr lang="en-US" dirty="0" smtClean="0"/>
-          </a:p>
-          <a:p>
-            <a:r>
-              <a:rPr lang="en-US" dirty="0">
-                <a:hlinkClick r:id="rId5"/>
-              </a:rPr>
-              <a:t>https://pythonprogramming.net/machine-learning-tutorial-python-introduction</a:t>
-            </a:r>
-            <a:r>
-              <a:rPr lang="en-US" dirty="0" smtClean="0">
-                <a:hlinkClick r:id="rId5"/>
-              </a:rPr>
-              <a:t>/</a:t>
-            </a:r>
-            <a:endParaRPr lang="en-US" dirty="0" smtClean="0"/>
-          </a:p>
-          <a:p>
-            <a:r>
-              <a:rPr lang="en-US" dirty="0">
-                <a:hlinkClick r:id="rId6"/>
-              </a:rPr>
-              <a:t>https://</a:t>
-            </a:r>
-            <a:r>
-              <a:rPr lang="en-US" dirty="0" smtClean="0">
-                <a:hlinkClick r:id="rId6"/>
-              </a:rPr>
-              <a:t>bmcbioinformatics.biomedcentral.com/articles/10.1186/1471-2105-11-273</a:t>
-            </a:r>
-            <a:endParaRPr lang="en-US" dirty="0" smtClean="0"/>
-          </a:p>
-          <a:p>
-            <a:r>
-              <a:rPr lang="en-US" dirty="0">
-                <a:hlinkClick r:id="rId7"/>
-              </a:rPr>
-              <a:t>https://</a:t>
-            </a:r>
-            <a:r>
-              <a:rPr lang="en-US" dirty="0" smtClean="0">
-                <a:hlinkClick r:id="rId7"/>
-              </a:rPr>
-              <a:t>github.com/dformoso/machine-learning-mindmap</a:t>
-            </a:r>
-            <a:endParaRPr lang="en-US" dirty="0" smtClean="0"/>
-          </a:p>
-          <a:p>
-            <a:r>
-              <a:rPr lang="en-US" dirty="0">
-                <a:hlinkClick r:id="rId8"/>
-              </a:rPr>
-              <a:t>https://</a:t>
-            </a:r>
-            <a:r>
-              <a:rPr lang="en-US" dirty="0" smtClean="0">
-                <a:hlinkClick r:id="rId8"/>
-              </a:rPr>
-              <a:t>bmcresnotes.biomedcentral.com/articles/10.1186/1756-0500-7-810</a:t>
-            </a:r>
-            <a:endParaRPr lang="en-US" dirty="0" smtClean="0"/>
-          </a:p>
-          <a:p>
-            <a:r>
-              <a:rPr lang="en-US" dirty="0"/>
-              <a:t>https://</a:t>
-            </a:r>
-            <a:r>
-              <a:rPr lang="en-US" dirty="0" err="1"/>
-              <a:t>github.com</a:t>
-            </a:r>
-            <a:r>
-              <a:rPr lang="en-US" dirty="0"/>
-              <a:t>/</a:t>
-            </a:r>
-            <a:r>
-              <a:rPr lang="en-US" dirty="0" err="1"/>
-              <a:t>PeptoneInc</a:t>
-            </a:r>
-            <a:r>
-              <a:rPr lang="en-US" dirty="0"/>
-              <a:t>/</a:t>
-            </a:r>
-            <a:r>
-              <a:rPr lang="en-US" dirty="0" err="1"/>
-              <a:t>dspp-keras</a:t>
-            </a:r>
-            <a:endParaRPr lang="en-US" dirty="0"/>
+              <a:t>pfam.xfam.org/</a:t>
+            </a:r>
+            <a:r>
+              <a:rPr lang="en-US" sz="2800" dirty="0" smtClean="0"/>
+              <a:t> for each of the three domains of interest: </a:t>
+            </a:r>
+            <a:r>
+              <a:rPr lang="en-US" sz="2800" dirty="0" err="1" smtClean="0"/>
+              <a:t>endotoxin_M</a:t>
+            </a:r>
+            <a:r>
+              <a:rPr lang="en-US" sz="2800" dirty="0" smtClean="0"/>
+              <a:t>, </a:t>
+            </a:r>
+            <a:r>
+              <a:rPr lang="en-US" sz="2800" dirty="0" err="1" smtClean="0"/>
+              <a:t>endotoxin_C</a:t>
+            </a:r>
+            <a:r>
+              <a:rPr lang="en-US" sz="2800" dirty="0" smtClean="0"/>
+              <a:t> &amp; </a:t>
+            </a:r>
+            <a:r>
+              <a:rPr lang="en-US" sz="2800" dirty="0" err="1" smtClean="0"/>
+              <a:t>endotoxin_N</a:t>
+            </a:r>
+            <a:r>
+              <a:rPr lang="en-US" sz="2800" dirty="0" smtClean="0"/>
+              <a:t>.</a:t>
+            </a:r>
+          </a:p>
+          <a:p>
+            <a:pPr marL="285750" indent="-285750">
+              <a:buFont typeface="Arial" charset="0"/>
+              <a:buChar char="•"/>
+            </a:pPr>
+            <a:r>
+              <a:rPr lang="en-US" sz="2800" dirty="0" smtClean="0"/>
+              <a:t>Run a </a:t>
+            </a:r>
+            <a:r>
+              <a:rPr lang="en-US" sz="2800" dirty="0" err="1" smtClean="0"/>
+              <a:t>hmmscan</a:t>
+            </a:r>
+            <a:r>
+              <a:rPr lang="en-US" sz="2800" dirty="0" smtClean="0"/>
+              <a:t> job for all </a:t>
+            </a:r>
+            <a:r>
+              <a:rPr lang="en-US" sz="2800" dirty="0" err="1" smtClean="0"/>
+              <a:t>seqs</a:t>
+            </a:r>
+            <a:r>
+              <a:rPr lang="en-US" sz="2800" dirty="0" smtClean="0"/>
+              <a:t> in the training set against these three</a:t>
+            </a:r>
+            <a:endParaRPr lang="en-US" sz="2800" dirty="0"/>
           </a:p>
         </p:txBody>
       </p:sp>
     </p:spTree>
     <p:extLst>
       <p:ext uri="{BB962C8B-B14F-4D97-AF65-F5344CB8AC3E}">
-        <p14:creationId xmlns:p14="http://schemas.microsoft.com/office/powerpoint/2010/main" val="688653693"/>
+        <p14:creationId xmlns:p14="http://schemas.microsoft.com/office/powerpoint/2010/main" val="1607507280"/>
       </p:ext>
     </p:extLst>
   </p:cSld>
@@ -5903,10 +6648,14 @@
           <a:lstStyle/>
           <a:p>
             <a:r>
-              <a:rPr lang="en-US" smtClean="0"/>
-              <a:t>How to pick a model</a:t>
-            </a:r>
-            <a:endParaRPr lang="en-US"/>
+              <a:rPr lang="en-US" dirty="0" err="1" smtClean="0"/>
+              <a:t>HMMer</a:t>
+            </a:r>
+            <a:r>
+              <a:rPr lang="en-US" dirty="0" smtClean="0"/>
+              <a:t> data</a:t>
+            </a:r>
+            <a:endParaRPr lang="en-US" dirty="0"/>
           </a:p>
         </p:txBody>
       </p:sp>
@@ -5923,60 +6672,85 @@
         <p:spPr/>
         <p:txBody>
           <a:bodyPr>
-            <a:normAutofit fontScale="70000" lnSpcReduction="20000"/>
+            <a:normAutofit/>
           </a:bodyPr>
           <a:lstStyle/>
           <a:p>
             <a:r>
-              <a:rPr lang="en-US" dirty="0" err="1"/>
-              <a:t>everal</a:t>
-            </a:r>
+              <a:rPr lang="en-US" dirty="0" smtClean="0"/>
+              <a:t>Filling in missing data: queries that do not have the domains of interest. For each domain:</a:t>
+            </a:r>
+            <a:endParaRPr lang="en-US" dirty="0"/>
+          </a:p>
+          <a:p>
+            <a:pPr lvl="1">
+              <a:buFontTx/>
+              <a:buChar char="-"/>
+            </a:pPr>
+            <a:r>
+              <a:rPr lang="en-US" dirty="0" smtClean="0"/>
+              <a:t>e-value = 1</a:t>
+            </a:r>
+          </a:p>
+          <a:p>
+            <a:pPr lvl="1">
+              <a:buFontTx/>
+              <a:buChar char="-"/>
+            </a:pPr>
+            <a:r>
+              <a:rPr lang="en-US" dirty="0" smtClean="0"/>
+              <a:t>Score = 0</a:t>
+            </a:r>
+          </a:p>
+          <a:p>
+            <a:pPr lvl="1">
+              <a:buFontTx/>
+              <a:buChar char="-"/>
+            </a:pPr>
+            <a:r>
+              <a:rPr lang="en-US" dirty="0" smtClean="0"/>
+              <a:t>domain-score = 0</a:t>
+            </a:r>
+          </a:p>
+          <a:p>
+            <a:pPr lvl="1">
+              <a:buFontTx/>
+              <a:buChar char="-"/>
+            </a:pPr>
+            <a:r>
+              <a:rPr lang="en-US" dirty="0" smtClean="0"/>
+              <a:t>Reliability = 0</a:t>
+            </a:r>
+          </a:p>
+          <a:p>
+            <a:pPr lvl="1">
+              <a:buFontTx/>
+              <a:buChar char="-"/>
+            </a:pPr>
+            <a:r>
+              <a:rPr lang="en-US" dirty="0" smtClean="0"/>
+              <a:t>Count = 0</a:t>
+            </a:r>
+          </a:p>
+          <a:p>
+            <a:pPr lvl="1">
+              <a:buFontTx/>
+              <a:buChar char="-"/>
+            </a:pPr>
+            <a:endParaRPr lang="en-US" dirty="0"/>
+          </a:p>
+          <a:p>
+            <a:pPr marL="0" indent="0">
+              <a:buNone/>
+            </a:pPr>
             <a:r>
               <a:rPr lang="en-US" dirty="0"/>
-              <a:t> methods, including logistic regression and the Bayes point machine, assume </a:t>
-            </a:r>
-            <a:r>
-              <a:rPr lang="en-US" b="1" dirty="0"/>
-              <a:t>linear class boundaries</a:t>
-            </a:r>
-            <a:r>
-              <a:rPr lang="en-US" dirty="0"/>
-              <a:t>. That is, they assume that the boundaries between classes are approximately straight lines (or hyperplanes in the more general case). Often this is a characteristic of the data that you don’t know until after you’ve tried to separate it, but it’s something that typically can be learned by visualizing beforehand. If the class boundaries look very irregular, stick with decision trees, decision jungles, support vector machines, or neural networks</a:t>
-            </a:r>
-            <a:r>
-              <a:rPr lang="en-US" dirty="0" smtClean="0"/>
-              <a:t>.</a:t>
-            </a:r>
-          </a:p>
-          <a:p>
-            <a:r>
-              <a:rPr lang="en-US" b="1" dirty="0"/>
-              <a:t>Bayesian methods</a:t>
-            </a:r>
-            <a:r>
-              <a:rPr lang="en-US" dirty="0"/>
-              <a:t> make the assumption of statistically independent data points. This means that the </a:t>
-            </a:r>
-            <a:r>
-              <a:rPr lang="en-US" dirty="0" err="1"/>
-              <a:t>unmodeled</a:t>
-            </a:r>
-            <a:r>
-              <a:rPr lang="en-US" dirty="0"/>
-              <a:t> variability in one data point is uncorrelated with others, that is, it can’t be predicted. For example, if the data being recorded is the number of minutes until the next subway train arrives, two measurements taken a day apart are statistically independent. However, two measurements taken a minute apart are not statistically independent - the value of one is highly predictive of the value of the other.</a:t>
-            </a:r>
-          </a:p>
-          <a:p>
-            <a:r>
-              <a:rPr lang="en-US" b="1" dirty="0"/>
-              <a:t>Boosted decision tree regression</a:t>
-            </a:r>
-            <a:r>
-              <a:rPr lang="en-US" dirty="0"/>
-              <a:t> takes advantage of feature overlap or interaction among features. That means that, in any given data point, the value of one feature is somewhat predictive of the value of another. For example, in daily high/low temperature data, knowing the low temperature for the day allows you to make a reasonable guess at the high. The information contained in the two features is somewhat redundant.</a:t>
-            </a:r>
-          </a:p>
-          <a:p>
+              <a:t>A</a:t>
+            </a:r>
+            <a:r>
+              <a:rPr lang="en-US" dirty="0" smtClean="0"/>
+              <a:t>dd a count column: number of domains found.</a:t>
+            </a:r>
             <a:endParaRPr lang="en-US" dirty="0"/>
           </a:p>
         </p:txBody>
@@ -5984,7 +6758,7 @@
     </p:spTree>
     <p:extLst>
       <p:ext uri="{BB962C8B-B14F-4D97-AF65-F5344CB8AC3E}">
-        <p14:creationId xmlns:p14="http://schemas.microsoft.com/office/powerpoint/2010/main" val="14993542"/>
+        <p14:creationId xmlns:p14="http://schemas.microsoft.com/office/powerpoint/2010/main" val="1921863272"/>
       </p:ext>
     </p:extLst>
   </p:cSld>
@@ -6026,6 +6800,14 @@
           <a:bodyPr/>
           <a:lstStyle/>
           <a:p>
+            <a:r>
+              <a:rPr lang="en-US" dirty="0" err="1" smtClean="0"/>
+              <a:t>Hmmer</a:t>
+            </a:r>
+            <a:r>
+              <a:rPr lang="en-US" dirty="0" smtClean="0"/>
+              <a:t> data</a:t>
+            </a:r>
             <a:endParaRPr lang="en-US" dirty="0"/>
           </a:p>
         </p:txBody>
@@ -6045,57 +6827,10 @@
           <a:bodyPr/>
           <a:lstStyle/>
           <a:p>
-            <a:pPr fontAlgn="base"/>
-            <a:r>
-              <a:rPr lang="en-US" dirty="0"/>
-              <a:t>Examples of the type of answers I'm looking for (from Manning et al.'s </a:t>
-            </a:r>
-            <a:r>
-              <a:rPr lang="en-US" i="1" dirty="0">
-                <a:hlinkClick r:id="rId2"/>
-              </a:rPr>
-              <a:t>Introduction to Information Retrieval</a:t>
-            </a:r>
-            <a:r>
-              <a:rPr lang="en-US" dirty="0"/>
-              <a:t> book):</a:t>
-            </a:r>
-          </a:p>
-          <a:p>
-            <a:pPr fontAlgn="base"/>
-            <a:r>
-              <a:rPr lang="en-US" dirty="0"/>
-              <a:t>a. </a:t>
-            </a:r>
-            <a:r>
-              <a:rPr lang="en-US" i="1" dirty="0"/>
-              <a:t>If your data is labeled, but you only have a limited amount, you should use a classifier with high bias (for example, Naive Bayes)</a:t>
-            </a:r>
-            <a:r>
-              <a:rPr lang="en-US" dirty="0"/>
-              <a:t>.</a:t>
-            </a:r>
-          </a:p>
-          <a:p>
-            <a:pPr fontAlgn="base"/>
-            <a:r>
-              <a:rPr lang="en-US" dirty="0"/>
-              <a:t>I'm guessing this is because a higher-bias classifier will have lower variance, which is good because of the small amount of data.</a:t>
-            </a:r>
-          </a:p>
-          <a:p>
-            <a:pPr fontAlgn="base"/>
-            <a:r>
-              <a:rPr lang="en-US" dirty="0"/>
-              <a:t>b. </a:t>
-            </a:r>
-            <a:r>
-              <a:rPr lang="en-US" i="1" dirty="0"/>
-              <a:t>If you have a ton of data, then the classifier doesn't really matter so much, so you should probably just choose a classifier with good scalability.</a:t>
-            </a:r>
-            <a:endParaRPr lang="en-US" dirty="0"/>
-          </a:p>
-          <a:p>
+            <a:r>
+              <a:rPr lang="en-US" dirty="0" smtClean="0"/>
+              <a:t>Plot?</a:t>
+            </a:r>
             <a:endParaRPr lang="en-US" dirty="0"/>
           </a:p>
         </p:txBody>
@@ -6103,7 +6838,7 @@
     </p:spTree>
     <p:extLst>
       <p:ext uri="{BB962C8B-B14F-4D97-AF65-F5344CB8AC3E}">
-        <p14:creationId xmlns:p14="http://schemas.microsoft.com/office/powerpoint/2010/main" val="1089270313"/>
+        <p14:creationId xmlns:p14="http://schemas.microsoft.com/office/powerpoint/2010/main" val="180290755"/>
       </p:ext>
     </p:extLst>
   </p:cSld>

--- a/drugpro-jd.pptx
+++ b/drugpro-jd.pptx
@@ -19,14 +19,14 @@
     <p:sldId id="283" r:id="rId10"/>
     <p:sldId id="279" r:id="rId11"/>
     <p:sldId id="280" r:id="rId12"/>
-    <p:sldId id="281" r:id="rId13"/>
-    <p:sldId id="282" r:id="rId14"/>
-    <p:sldId id="266" r:id="rId15"/>
-    <p:sldId id="270" r:id="rId16"/>
-    <p:sldId id="272" r:id="rId17"/>
+    <p:sldId id="284" r:id="rId13"/>
+    <p:sldId id="281" r:id="rId14"/>
+    <p:sldId id="285" r:id="rId15"/>
+    <p:sldId id="282" r:id="rId16"/>
+    <p:sldId id="287" r:id="rId17"/>
     <p:sldId id="264" r:id="rId18"/>
-    <p:sldId id="273" r:id="rId19"/>
-    <p:sldId id="259" r:id="rId20"/>
+    <p:sldId id="288" r:id="rId19"/>
+    <p:sldId id="273" r:id="rId20"/>
   </p:sldIdLst>
   <p:sldSz cx="12192000" cy="6858000"/>
   <p:notesSz cx="6858000" cy="9144000"/>
@@ -141,14 +141,14 @@
             <p14:sldId id="283"/>
             <p14:sldId id="279"/>
             <p14:sldId id="280"/>
+            <p14:sldId id="284"/>
             <p14:sldId id="281"/>
+            <p14:sldId id="285"/>
             <p14:sldId id="282"/>
-            <p14:sldId id="266"/>
-            <p14:sldId id="270"/>
-            <p14:sldId id="272"/>
+            <p14:sldId id="287"/>
             <p14:sldId id="264"/>
+            <p14:sldId id="288"/>
             <p14:sldId id="273"/>
-            <p14:sldId id="259"/>
           </p14:sldIdLst>
         </p14:section>
       </p14:sectionLst>
@@ -3783,13 +3783,28 @@
           </a:xfrm>
         </p:spPr>
         <p:txBody>
-          <a:bodyPr/>
+          <a:bodyPr>
+            <a:normAutofit/>
+          </a:bodyPr>
           <a:lstStyle/>
           <a:p>
             <a:r>
               <a:rPr lang="en-US" dirty="0"/>
-              <a:t>Loop over each protein sequence and collect:</a:t>
-            </a:r>
+              <a:t>Loop over each protein sequence and </a:t>
+            </a:r>
+            <a:r>
+              <a:rPr lang="en-US" dirty="0" smtClean="0"/>
+              <a:t>collect various </a:t>
+            </a:r>
+            <a:r>
+              <a:rPr lang="en-US" dirty="0" err="1" smtClean="0"/>
+              <a:t>PyPro</a:t>
+            </a:r>
+            <a:r>
+              <a:rPr lang="en-US" dirty="0" smtClean="0"/>
+              <a:t>() computed features:</a:t>
+            </a:r>
+            <a:endParaRPr lang="en-US" dirty="0"/>
           </a:p>
           <a:p>
             <a:pPr marL="742950" lvl="1" indent="-285750">
@@ -3812,8 +3827,20 @@
               <a:buChar char="-"/>
             </a:pPr>
             <a:r>
+              <a:rPr lang="en-US" sz="3200" dirty="0" smtClean="0"/>
+              <a:t>Moreau </a:t>
+            </a:r>
+            <a:r>
+              <a:rPr lang="en-US" sz="3200" dirty="0" err="1"/>
+              <a:t>Broto</a:t>
+            </a:r>
+            <a:r>
               <a:rPr lang="en-US" sz="3200" dirty="0"/>
-              <a:t>Sequence length</a:t>
+              <a:t> </a:t>
+            </a:r>
+            <a:r>
+              <a:rPr lang="en-US" sz="3200" dirty="0" smtClean="0"/>
+              <a:t>Autocorrelation</a:t>
             </a:r>
           </a:p>
           <a:p>
@@ -3822,64 +3849,31 @@
               <a:buChar char="-"/>
             </a:pPr>
             <a:r>
-              <a:rPr lang="en-US" sz="3200" dirty="0"/>
-              <a:t>Moreau </a:t>
-            </a:r>
-            <a:r>
-              <a:rPr lang="en-US" sz="3200" dirty="0" err="1"/>
-              <a:t>Broto</a:t>
-            </a:r>
-            <a:r>
-              <a:rPr lang="en-US" sz="3200" dirty="0"/>
-              <a:t> Autocorrelation </a:t>
-            </a:r>
-            <a:r>
               <a:rPr lang="en-US" sz="3200" dirty="0" smtClean="0"/>
-              <a:t>(autocorrelation of </a:t>
-            </a:r>
-            <a:r>
-              <a:rPr lang="en-US" sz="3200" dirty="0"/>
-              <a:t>a </a:t>
+              <a:t>Geary Autocorrelation</a:t>
+            </a:r>
+          </a:p>
+          <a:p>
+            <a:pPr marL="742950" lvl="1" indent="-285750">
+              <a:buFontTx/>
+              <a:buChar char="-"/>
+            </a:pPr>
+            <a:r>
+              <a:rPr lang="en-US" sz="3200" dirty="0" err="1" smtClean="0"/>
+              <a:t>Compositon</a:t>
             </a:r>
             <a:r>
               <a:rPr lang="en-US" sz="3200" dirty="0" smtClean="0"/>
-              <a:t>topological structure </a:t>
-            </a:r>
-            <a:r>
-              <a:rPr lang="en-US" sz="3200" dirty="0"/>
-              <a:t>(</a:t>
-            </a:r>
-            <a:r>
-              <a:rPr lang="en-US" sz="3200" dirty="0" smtClean="0"/>
-              <a:t>ATS) </a:t>
-            </a:r>
-            <a:r>
-              <a:rPr lang="mr-IN" sz="3200" dirty="0" smtClean="0"/>
-              <a:t>–</a:t>
-            </a:r>
-            <a:r>
-              <a:rPr lang="en-US" sz="3200" dirty="0" smtClean="0"/>
-              <a:t> describes how </a:t>
-            </a:r>
-            <a:r>
-              <a:rPr lang="en-US" sz="3200" dirty="0"/>
-              <a:t>a property is distributed along the topological </a:t>
-            </a:r>
-            <a:r>
-              <a:rPr lang="en-US" sz="3200" dirty="0" smtClean="0"/>
-              <a:t>structure)</a:t>
-            </a:r>
-            <a:endParaRPr lang="en-US" sz="3200" dirty="0"/>
-          </a:p>
-          <a:p>
+              <a:t> / Transition / Distribution</a:t>
+            </a:r>
             <a:endParaRPr lang="en-US" dirty="0" smtClean="0"/>
           </a:p>
           <a:p>
             <a:r>
               <a:rPr lang="en-US" dirty="0" smtClean="0"/>
-              <a:t>250 + features </a:t>
-            </a:r>
-            <a:endParaRPr lang="en-US" dirty="0"/>
+              <a:t>PCA to see which features are good predictors</a:t>
+            </a:r>
+            <a:endParaRPr lang="en-US" dirty="0" smtClean="0"/>
           </a:p>
         </p:txBody>
       </p:sp>
@@ -3929,36 +3923,102 @@
           <a:lstStyle/>
           <a:p>
             <a:r>
-              <a:rPr lang="en-US" dirty="0" err="1" smtClean="0"/>
-              <a:t>Pca</a:t>
-            </a:r>
-            <a:r>
-              <a:rPr lang="en-US" dirty="0" smtClean="0"/>
-              <a:t> for hmm?</a:t>
+              <a:rPr lang="en-US" dirty="0" smtClean="0"/>
+              <a:t>Bad predictors:</a:t>
             </a:r>
             <a:endParaRPr lang="en-US" dirty="0"/>
           </a:p>
         </p:txBody>
       </p:sp>
-      <p:sp>
-        <p:nvSpPr>
-          <p:cNvPr id="3" name="Content Placeholder 2"/>
-          <p:cNvSpPr>
-            <a:spLocks noGrp="1"/>
-          </p:cNvSpPr>
+      <p:pic>
+        <p:nvPicPr>
+          <p:cNvPr id="4" name="Content Placeholder 3"/>
+          <p:cNvPicPr>
+            <a:picLocks noGrp="1" noChangeAspect="1"/>
+          </p:cNvPicPr>
           <p:nvPr>
             <p:ph idx="1"/>
           </p:nvPr>
-        </p:nvSpPr>
-        <p:spPr/>
-        <p:txBody>
-          <a:bodyPr/>
-          <a:lstStyle/>
-          <a:p>
-            <a:endParaRPr lang="en-US" dirty="0"/>
-          </a:p>
-        </p:txBody>
-      </p:sp>
+        </p:nvPicPr>
+        <p:blipFill>
+          <a:blip r:embed="rId2">
+            <a:extLst>
+              <a:ext uri="{28A0092B-C50C-407E-A947-70E740481C1C}">
+                <a14:useLocalDpi xmlns:a14="http://schemas.microsoft.com/office/drawing/2010/main" val="0"/>
+              </a:ext>
+            </a:extLst>
+          </a:blip>
+          <a:stretch>
+            <a:fillRect/>
+          </a:stretch>
+        </p:blipFill>
+        <p:spPr>
+          <a:xfrm>
+            <a:off x="294216" y="2063636"/>
+            <a:ext cx="5304519" cy="3978389"/>
+          </a:xfrm>
+        </p:spPr>
+      </p:pic>
+      <p:pic>
+        <p:nvPicPr>
+          <p:cNvPr id="5" name="Picture 4"/>
+          <p:cNvPicPr>
+            <a:picLocks noChangeAspect="1"/>
+          </p:cNvPicPr>
+          <p:nvPr/>
+        </p:nvPicPr>
+        <p:blipFill>
+          <a:blip r:embed="rId3">
+            <a:extLst>
+              <a:ext uri="{28A0092B-C50C-407E-A947-70E740481C1C}">
+                <a14:useLocalDpi xmlns:a14="http://schemas.microsoft.com/office/drawing/2010/main" val="0"/>
+              </a:ext>
+            </a:extLst>
+          </a:blip>
+          <a:stretch>
+            <a:fillRect/>
+          </a:stretch>
+        </p:blipFill>
+        <p:spPr>
+          <a:xfrm>
+            <a:off x="7462157" y="-7824"/>
+            <a:ext cx="4658784" cy="3494088"/>
+          </a:xfrm>
+          <a:prstGeom prst="rect">
+            <a:avLst/>
+          </a:prstGeom>
+        </p:spPr>
+      </p:pic>
+      <p:pic>
+        <p:nvPicPr>
+          <p:cNvPr id="6" name="Picture 5"/>
+          <p:cNvPicPr>
+            <a:picLocks noChangeAspect="1"/>
+          </p:cNvPicPr>
+          <p:nvPr/>
+        </p:nvPicPr>
+        <p:blipFill>
+          <a:blip r:embed="rId4">
+            <a:extLst>
+              <a:ext uri="{28A0092B-C50C-407E-A947-70E740481C1C}">
+                <a14:useLocalDpi xmlns:a14="http://schemas.microsoft.com/office/drawing/2010/main" val="0"/>
+              </a:ext>
+            </a:extLst>
+          </a:blip>
+          <a:stretch>
+            <a:fillRect/>
+          </a:stretch>
+        </p:blipFill>
+        <p:spPr>
+          <a:xfrm>
+            <a:off x="5312229" y="3272065"/>
+            <a:ext cx="4682671" cy="3512003"/>
+          </a:xfrm>
+          <a:prstGeom prst="rect">
+            <a:avLst/>
+          </a:prstGeom>
+        </p:spPr>
+      </p:pic>
     </p:spTree>
     <p:extLst>
       <p:ext uri="{BB962C8B-B14F-4D97-AF65-F5344CB8AC3E}">
@@ -4006,73 +4066,126 @@
           <a:p>
             <a:r>
               <a:rPr lang="en-US" dirty="0" smtClean="0"/>
-              <a:t>Feature Selection</a:t>
+              <a:t>Better predictors:</a:t>
             </a:r>
             <a:endParaRPr lang="en-US" dirty="0"/>
           </a:p>
         </p:txBody>
       </p:sp>
-      <p:sp>
-        <p:nvSpPr>
-          <p:cNvPr id="3" name="Content Placeholder 2"/>
-          <p:cNvSpPr>
-            <a:spLocks noGrp="1"/>
-          </p:cNvSpPr>
+      <p:pic>
+        <p:nvPicPr>
+          <p:cNvPr id="4" name="Content Placeholder 3"/>
+          <p:cNvPicPr>
+            <a:picLocks noGrp="1" noChangeAspect="1"/>
+          </p:cNvPicPr>
           <p:nvPr>
             <p:ph idx="1"/>
           </p:nvPr>
-        </p:nvSpPr>
-        <p:spPr/>
-        <p:txBody>
-          <a:bodyPr/>
-          <a:lstStyle/>
-          <a:p>
-            <a:r>
-              <a:rPr lang="en-US" dirty="0" smtClean="0"/>
-              <a:t>Combine </a:t>
-            </a:r>
-            <a:r>
-              <a:rPr lang="en-US" dirty="0" err="1" smtClean="0"/>
-              <a:t>LogisticRegression</a:t>
-            </a:r>
-            <a:r>
-              <a:rPr lang="en-US" dirty="0" smtClean="0"/>
-              <a:t>() and </a:t>
-            </a:r>
-            <a:r>
-              <a:rPr lang="en-US" dirty="0" err="1" smtClean="0"/>
-              <a:t>LinearSVC</a:t>
-            </a:r>
-            <a:r>
-              <a:rPr lang="en-US" dirty="0" smtClean="0"/>
-              <a:t>() to find a set of 200 features</a:t>
-            </a:r>
-          </a:p>
-          <a:p>
-            <a:r>
-              <a:rPr lang="en-US" dirty="0" smtClean="0"/>
-              <a:t>Filter DFs on these features</a:t>
-            </a:r>
-          </a:p>
-          <a:p>
-            <a:r>
-              <a:rPr lang="en-US" dirty="0"/>
-              <a:t>your feature selection </a:t>
-            </a:r>
-            <a:r>
-              <a:rPr lang="en-US" dirty="0" err="1"/>
-              <a:t>methodolgy</a:t>
-            </a:r>
-            <a:r>
-              <a:rPr lang="en-US" dirty="0"/>
-              <a:t>, if any</a:t>
-            </a:r>
-            <a:endParaRPr lang="en-US" dirty="0" smtClean="0"/>
-          </a:p>
-          <a:p>
-            <a:r>
-              <a:rPr lang="en-US" dirty="0" smtClean="0"/>
-              <a:t>Test models </a:t>
+        </p:nvPicPr>
+        <p:blipFill>
+          <a:blip r:embed="rId2">
+            <a:extLst>
+              <a:ext uri="{28A0092B-C50C-407E-A947-70E740481C1C}">
+                <a14:useLocalDpi xmlns:a14="http://schemas.microsoft.com/office/drawing/2010/main" val="0"/>
+              </a:ext>
+            </a:extLst>
+          </a:blip>
+          <a:stretch>
+            <a:fillRect/>
+          </a:stretch>
+        </p:blipFill>
+        <p:spPr>
+          <a:xfrm>
+            <a:off x="0" y="2179751"/>
+            <a:ext cx="6096000" cy="4572000"/>
+          </a:xfrm>
+        </p:spPr>
+      </p:pic>
+      <p:pic>
+        <p:nvPicPr>
+          <p:cNvPr id="5" name="Picture 4"/>
+          <p:cNvPicPr>
+            <a:picLocks noChangeAspect="1"/>
+          </p:cNvPicPr>
+          <p:nvPr/>
+        </p:nvPicPr>
+        <p:blipFill>
+          <a:blip r:embed="rId3">
+            <a:extLst>
+              <a:ext uri="{28A0092B-C50C-407E-A947-70E740481C1C}">
+                <a14:useLocalDpi xmlns:a14="http://schemas.microsoft.com/office/drawing/2010/main" val="0"/>
+              </a:ext>
+            </a:extLst>
+          </a:blip>
+          <a:stretch>
+            <a:fillRect/>
+          </a:stretch>
+        </p:blipFill>
+        <p:spPr>
+          <a:xfrm>
+            <a:off x="6096000" y="0"/>
+            <a:ext cx="6101443" cy="4576082"/>
+          </a:xfrm>
+          <a:prstGeom prst="rect">
+            <a:avLst/>
+          </a:prstGeom>
+        </p:spPr>
+      </p:pic>
+      <p:sp>
+        <p:nvSpPr>
+          <p:cNvPr id="6" name="TextBox 5"/>
+          <p:cNvSpPr txBox="1"/>
+          <p:nvPr/>
+        </p:nvSpPr>
+        <p:spPr>
+          <a:xfrm>
+            <a:off x="1681843" y="1690688"/>
+            <a:ext cx="3118757" cy="369332"/>
+          </a:xfrm>
+          <a:prstGeom prst="rect">
+            <a:avLst/>
+          </a:prstGeom>
+          <a:noFill/>
+        </p:spPr>
+        <p:txBody>
+          <a:bodyPr wrap="square" rtlCol="0">
+            <a:spAutoFit/>
+          </a:bodyPr>
+          <a:lstStyle/>
+          <a:p>
+            <a:r>
+              <a:rPr lang="en-US" dirty="0" smtClean="0"/>
+              <a:t>Dipeptide composition</a:t>
+            </a:r>
+            <a:endParaRPr lang="en-US" dirty="0"/>
+          </a:p>
+        </p:txBody>
+      </p:sp>
+      <p:sp>
+        <p:nvSpPr>
+          <p:cNvPr id="7" name="TextBox 6"/>
+          <p:cNvSpPr txBox="1"/>
+          <p:nvPr/>
+        </p:nvSpPr>
+        <p:spPr>
+          <a:xfrm>
+            <a:off x="7366000" y="4991100"/>
+            <a:ext cx="3149600" cy="369332"/>
+          </a:xfrm>
+          <a:prstGeom prst="rect">
+            <a:avLst/>
+          </a:prstGeom>
+          <a:noFill/>
+        </p:spPr>
+        <p:txBody>
+          <a:bodyPr wrap="square" rtlCol="0">
+            <a:spAutoFit/>
+          </a:bodyPr>
+          <a:lstStyle/>
+          <a:p>
+            <a:r>
+              <a:rPr lang="en-US" dirty="0" smtClean="0"/>
+              <a:t>Geary Spatial Autocorrelation</a:t>
             </a:r>
             <a:endParaRPr lang="en-US" dirty="0"/>
           </a:p>
@@ -4081,7 +4194,7 @@
     </p:spTree>
     <p:extLst>
       <p:ext uri="{BB962C8B-B14F-4D97-AF65-F5344CB8AC3E}">
-        <p14:creationId xmlns:p14="http://schemas.microsoft.com/office/powerpoint/2010/main" val="338296123"/>
+        <p14:creationId xmlns:p14="http://schemas.microsoft.com/office/powerpoint/2010/main" val="138563930"/>
       </p:ext>
     </p:extLst>
   </p:cSld>
@@ -4125,7 +4238,7 @@
           <a:p>
             <a:r>
               <a:rPr lang="en-US" dirty="0" smtClean="0"/>
-              <a:t>Algorithm Selection</a:t>
+              <a:t>Feature Selection</a:t>
             </a:r>
             <a:endParaRPr lang="en-US" dirty="0"/>
           </a:p>
@@ -4141,77 +4254,67 @@
             <p:ph idx="1"/>
           </p:nvPr>
         </p:nvSpPr>
-        <p:spPr/>
-        <p:txBody>
-          <a:bodyPr/>
-          <a:lstStyle/>
-          <a:p>
-            <a:r>
-              <a:rPr lang="en-US" dirty="0" smtClean="0"/>
-              <a:t>Create a validation set &amp; a training set</a:t>
-            </a:r>
-          </a:p>
-          <a:p>
-            <a:r>
-              <a:rPr lang="en-US" dirty="0" smtClean="0"/>
-              <a:t>Model choice </a:t>
-            </a:r>
-            <a:r>
-              <a:rPr lang="mr-IN" dirty="0" smtClean="0"/>
-              <a:t>–</a:t>
-            </a:r>
-            <a:r>
-              <a:rPr lang="en-US" dirty="0" smtClean="0"/>
-              <a:t> </a:t>
+        <p:spPr>
+          <a:xfrm>
+            <a:off x="838200" y="1549400"/>
+            <a:ext cx="4673600" cy="4627563"/>
+          </a:xfrm>
+        </p:spPr>
+        <p:txBody>
+          <a:bodyPr>
+            <a:normAutofit/>
+          </a:bodyPr>
+          <a:lstStyle/>
+          <a:p>
+            <a:r>
+              <a:rPr lang="en-US" dirty="0" smtClean="0"/>
+              <a:t>The master </a:t>
             </a:r>
             <a:r>
               <a:rPr lang="en-US" dirty="0" err="1" smtClean="0"/>
-              <a:t>sklearn</a:t>
-            </a:r>
-            <a:r>
-              <a:rPr lang="en-US" dirty="0" smtClean="0"/>
-              <a:t> cheat sheet</a:t>
-            </a:r>
-          </a:p>
-          <a:p>
-            <a:r>
-              <a:rPr lang="en-US" dirty="0" smtClean="0"/>
-              <a:t>Compare different algorithms</a:t>
-            </a:r>
-          </a:p>
-          <a:p>
-            <a:r>
-              <a:rPr lang="en-US" dirty="0" smtClean="0"/>
-              <a:t>Table</a:t>
-            </a:r>
-          </a:p>
-          <a:p>
-            <a:r>
-              <a:rPr lang="en-US" dirty="0" smtClean="0"/>
-              <a:t>Plot</a:t>
-            </a:r>
-          </a:p>
-          <a:p>
-            <a:r>
-              <a:rPr lang="en-US" dirty="0" smtClean="0"/>
-              <a:t>Combined </a:t>
-            </a:r>
-            <a:r>
-              <a:rPr lang="en-US" dirty="0" err="1" smtClean="0"/>
-              <a:t>algos</a:t>
-            </a:r>
-            <a:r>
-              <a:rPr lang="en-US" dirty="0" smtClean="0"/>
-              <a:t>?</a:t>
-            </a:r>
-            <a:endParaRPr lang="en-US" dirty="0"/>
-          </a:p>
-        </p:txBody>
-      </p:sp>
+              <a:t>df</a:t>
+            </a:r>
+            <a:r>
+              <a:rPr lang="en-US" dirty="0" smtClean="0"/>
+              <a:t> has 667 features </a:t>
+            </a:r>
+          </a:p>
+        </p:txBody>
+      </p:sp>
+      <p:pic>
+        <p:nvPicPr>
+          <p:cNvPr id="4" name="Picture 3"/>
+          <p:cNvPicPr>
+            <a:picLocks noChangeAspect="1"/>
+          </p:cNvPicPr>
+          <p:nvPr/>
+        </p:nvPicPr>
+        <p:blipFill>
+          <a:blip r:embed="rId2">
+            <a:extLst>
+              <a:ext uri="{28A0092B-C50C-407E-A947-70E740481C1C}">
+                <a14:useLocalDpi xmlns:a14="http://schemas.microsoft.com/office/drawing/2010/main" val="0"/>
+              </a:ext>
+            </a:extLst>
+          </a:blip>
+          <a:stretch>
+            <a:fillRect/>
+          </a:stretch>
+        </p:blipFill>
+        <p:spPr>
+          <a:xfrm>
+            <a:off x="5194300" y="1279526"/>
+            <a:ext cx="6680200" cy="5308600"/>
+          </a:xfrm>
+          <a:prstGeom prst="rect">
+            <a:avLst/>
+          </a:prstGeom>
+        </p:spPr>
+      </p:pic>
     </p:spTree>
     <p:extLst>
       <p:ext uri="{BB962C8B-B14F-4D97-AF65-F5344CB8AC3E}">
-        <p14:creationId xmlns:p14="http://schemas.microsoft.com/office/powerpoint/2010/main" val="478983830"/>
+        <p14:creationId xmlns:p14="http://schemas.microsoft.com/office/powerpoint/2010/main" val="338296123"/>
       </p:ext>
     </p:extLst>
   </p:cSld>
@@ -4254,10 +4357,10 @@
           <a:lstStyle/>
           <a:p>
             <a:r>
-              <a:rPr lang="en-US" smtClean="0"/>
-              <a:t>How to pick a model</a:t>
-            </a:r>
-            <a:endParaRPr lang="en-US"/>
+              <a:rPr lang="en-US" dirty="0" smtClean="0"/>
+              <a:t>Feature Selection</a:t>
+            </a:r>
+            <a:endParaRPr lang="en-US" dirty="0"/>
           </a:p>
         </p:txBody>
       </p:sp>
@@ -4273,59 +4376,74 @@
         </p:nvSpPr>
         <p:spPr/>
         <p:txBody>
-          <a:bodyPr>
-            <a:normAutofit fontScale="70000" lnSpcReduction="20000"/>
-          </a:bodyPr>
-          <a:lstStyle/>
-          <a:p>
-            <a:r>
-              <a:rPr lang="en-US" dirty="0" err="1"/>
-              <a:t>everal</a:t>
-            </a:r>
+          <a:bodyPr/>
+          <a:lstStyle/>
+          <a:p>
             <a:r>
               <a:rPr lang="en-US" dirty="0"/>
-              <a:t> methods, including logistic regression and the Bayes point machine, assume </a:t>
-            </a:r>
-            <a:r>
-              <a:rPr lang="en-US" b="1" dirty="0"/>
-              <a:t>linear class boundaries</a:t>
-            </a:r>
+              <a:t>Use a combination of:</a:t>
+            </a:r>
+          </a:p>
+          <a:p>
+            <a:pPr lvl="1"/>
             <a:r>
               <a:rPr lang="en-US" dirty="0"/>
-              <a:t>. That is, they assume that the boundaries between classes are approximately straight lines (or hyperplanes in the more general case). Often this is a characteristic of the data that you don’t know until after you’ve tried to separate it, but it’s something that typically can be learned by visualizing beforehand. If the class boundaries look very irregular, stick with decision trees, decision jungles, support vector machines, or neural networks</a:t>
-            </a:r>
-            <a:r>
-              <a:rPr lang="en-US" dirty="0" smtClean="0"/>
-              <a:t>.</a:t>
-            </a:r>
-          </a:p>
-          <a:p>
-            <a:r>
-              <a:rPr lang="en-US" b="1" dirty="0"/>
-              <a:t>Bayesian methods</a:t>
+              <a:t>Feature ranking with </a:t>
+            </a:r>
+            <a:r>
+              <a:rPr lang="en-US" dirty="0" smtClean="0"/>
+              <a:t>recursive feature elimination (</a:t>
             </a:r>
             <a:r>
               <a:rPr lang="en-US" dirty="0"/>
-              <a:t> make the assumption of statistically independent data points. This means that the </a:t>
-            </a:r>
-            <a:r>
-              <a:rPr lang="en-US" dirty="0" err="1"/>
-              <a:t>unmodeled</a:t>
+              <a:t>RFE), using </a:t>
+            </a:r>
+            <a:r>
+              <a:rPr lang="en-US" dirty="0" smtClean="0"/>
+              <a:t>Linear SVC as </a:t>
             </a:r>
             <a:r>
               <a:rPr lang="en-US" dirty="0"/>
-              <a:t> variability in one data point is uncorrelated with others, that is, it can’t be predicted. For example, if the data being recorded is the number of minutes until the next subway train arrives, two measurements taken a day apart are statistically independent. However, two measurements taken a minute apart are not statistically independent - the value of one is highly predictive of the value of the other.</a:t>
-            </a:r>
-          </a:p>
-          <a:p>
-            <a:r>
-              <a:rPr lang="en-US" b="1" dirty="0"/>
-              <a:t>Boosted decision tree regression</a:t>
+              <a:t>an estimator.</a:t>
+            </a:r>
+          </a:p>
+          <a:p>
+            <a:pPr lvl="1"/>
+            <a:r>
+              <a:rPr lang="en-US" dirty="0" smtClean="0"/>
+              <a:t>Feature selection using the meta transformer </a:t>
+            </a:r>
+            <a:r>
+              <a:rPr lang="en-US" dirty="0" err="1" smtClean="0"/>
+              <a:t>SelectFromModel</a:t>
+            </a:r>
+            <a:r>
+              <a:rPr lang="en-US" dirty="0" smtClean="0"/>
+              <a:t>() based on </a:t>
+            </a:r>
+            <a:r>
+              <a:rPr lang="en-US" dirty="0" err="1" smtClean="0"/>
+              <a:t>LinearSVC</a:t>
             </a:r>
             <a:r>
               <a:rPr lang="en-US" dirty="0"/>
-              <a:t> takes advantage of feature overlap or interaction among features. That means that, in any given data point, the value of one feature is somewhat predictive of the value of another. For example, in daily high/low temperature data, knowing the low temperature for the day allows you to make a reasonable guess at the high. The information contained in the two features is somewhat redundant.</a:t>
-            </a:r>
+              <a:t>()  </a:t>
+            </a:r>
+            <a:r>
+              <a:rPr lang="en-US" dirty="0" smtClean="0"/>
+              <a:t>as an estimator</a:t>
+            </a:r>
+          </a:p>
+          <a:p>
+            <a:pPr lvl="1"/>
+            <a:endParaRPr lang="en-US" dirty="0"/>
+          </a:p>
+          <a:p>
+            <a:r>
+              <a:rPr lang="en-US" dirty="0" smtClean="0"/>
+              <a:t>Keep ~200 features</a:t>
+            </a:r>
+            <a:endParaRPr lang="en-US" dirty="0"/>
           </a:p>
           <a:p>
             <a:endParaRPr lang="en-US" dirty="0"/>
@@ -4335,7 +4453,7 @@
     </p:spTree>
     <p:extLst>
       <p:ext uri="{BB962C8B-B14F-4D97-AF65-F5344CB8AC3E}">
-        <p14:creationId xmlns:p14="http://schemas.microsoft.com/office/powerpoint/2010/main" val="14993542"/>
+        <p14:creationId xmlns:p14="http://schemas.microsoft.com/office/powerpoint/2010/main" val="1951817895"/>
       </p:ext>
     </p:extLst>
   </p:cSld>
@@ -4379,53 +4497,400 @@
           <a:p>
             <a:r>
               <a:rPr lang="en-US" dirty="0" smtClean="0"/>
-              <a:t>From </a:t>
-            </a:r>
-            <a:r>
-              <a:rPr lang="en-US" dirty="0" err="1" smtClean="0"/>
-              <a:t>sklearn’s</a:t>
-            </a:r>
-            <a:r>
-              <a:rPr lang="en-US" dirty="0" smtClean="0"/>
-              <a:t> cheat sheet</a:t>
+              <a:t>Algorithm Selection</a:t>
             </a:r>
             <a:endParaRPr lang="en-US" dirty="0"/>
           </a:p>
         </p:txBody>
       </p:sp>
-      <p:pic>
-        <p:nvPicPr>
-          <p:cNvPr id="4" name="Content Placeholder 3"/>
-          <p:cNvPicPr>
-            <a:picLocks noGrp="1" noChangeAspect="1"/>
-          </p:cNvPicPr>
+      <p:sp>
+        <p:nvSpPr>
+          <p:cNvPr id="3" name="Content Placeholder 2"/>
+          <p:cNvSpPr>
+            <a:spLocks noGrp="1"/>
+          </p:cNvSpPr>
           <p:nvPr>
             <p:ph idx="1"/>
           </p:nvPr>
-        </p:nvPicPr>
-        <p:blipFill>
-          <a:blip r:embed="rId2">
-            <a:extLst>
-              <a:ext uri="{28A0092B-C50C-407E-A947-70E740481C1C}">
-                <a14:useLocalDpi xmlns:a14="http://schemas.microsoft.com/office/drawing/2010/main" val="0"/>
-              </a:ext>
-            </a:extLst>
-          </a:blip>
-          <a:stretch>
-            <a:fillRect/>
-          </a:stretch>
-        </p:blipFill>
+        </p:nvSpPr>
         <p:spPr>
           <a:xfrm>
-            <a:off x="2388250" y="1825625"/>
-            <a:ext cx="7415500" cy="4351338"/>
+            <a:off x="838200" y="1587500"/>
+            <a:ext cx="10515600" cy="4589463"/>
           </a:xfrm>
         </p:spPr>
-      </p:pic>
+        <p:txBody>
+          <a:bodyPr>
+            <a:normAutofit/>
+          </a:bodyPr>
+          <a:lstStyle/>
+          <a:p>
+            <a:r>
+              <a:rPr lang="en-US" dirty="0" smtClean="0"/>
+              <a:t>Create a validation set &amp; a </a:t>
+            </a:r>
+            <a:r>
+              <a:rPr lang="en-US" dirty="0" smtClean="0"/>
+              <a:t>test set from the training data to estimate error</a:t>
+            </a:r>
+            <a:endParaRPr lang="en-US" dirty="0" smtClean="0"/>
+          </a:p>
+          <a:p>
+            <a:r>
+              <a:rPr lang="en-US" dirty="0" smtClean="0"/>
+              <a:t>Choose 4 algorithms to compare: </a:t>
+            </a:r>
+            <a:r>
+              <a:rPr lang="en-US" dirty="0" err="1" smtClean="0"/>
+              <a:t>LogisticRegression</a:t>
+            </a:r>
+            <a:r>
+              <a:rPr lang="en-US" dirty="0" smtClean="0"/>
+              <a:t>(), </a:t>
+            </a:r>
+            <a:r>
+              <a:rPr lang="en-US" dirty="0" err="1" smtClean="0"/>
+              <a:t>LinearSVC</a:t>
+            </a:r>
+            <a:r>
+              <a:rPr lang="en-US" dirty="0" smtClean="0"/>
+              <a:t>(), K-nearest neighbor(), SVC()</a:t>
+            </a:r>
+          </a:p>
+          <a:p>
+            <a:endParaRPr lang="en-US" dirty="0" smtClean="0"/>
+          </a:p>
+          <a:p>
+            <a:pPr marL="457200" lvl="1" indent="0">
+              <a:buNone/>
+            </a:pPr>
+            <a:r>
+              <a:rPr lang="nb-NO" sz="3200" i="1" dirty="0" smtClean="0">
+                <a:solidFill>
+                  <a:schemeClr val="tx1">
+                    <a:lumMod val="50000"/>
+                    <a:lumOff val="50000"/>
+                  </a:schemeClr>
+                </a:solidFill>
+              </a:rPr>
+              <a:t>LR</a:t>
+            </a:r>
+            <a:r>
+              <a:rPr lang="nb-NO" sz="3200" i="1" dirty="0">
+                <a:solidFill>
+                  <a:schemeClr val="tx1">
+                    <a:lumMod val="50000"/>
+                    <a:lumOff val="50000"/>
+                  </a:schemeClr>
+                </a:solidFill>
+              </a:rPr>
+              <a:t>: </a:t>
+            </a:r>
+            <a:r>
+              <a:rPr lang="nb-NO" sz="3200" i="1" dirty="0" err="1">
+                <a:solidFill>
+                  <a:schemeClr val="tx1">
+                    <a:lumMod val="50000"/>
+                    <a:lumOff val="50000"/>
+                  </a:schemeClr>
+                </a:solidFill>
+              </a:rPr>
+              <a:t>avg</a:t>
+            </a:r>
+            <a:r>
+              <a:rPr lang="nb-NO" sz="3200" i="1" dirty="0">
+                <a:solidFill>
+                  <a:schemeClr val="tx1">
+                    <a:lumMod val="50000"/>
+                    <a:lumOff val="50000"/>
+                  </a:schemeClr>
+                </a:solidFill>
+              </a:rPr>
+              <a:t> = 0.981339031339, (</a:t>
+            </a:r>
+            <a:r>
+              <a:rPr lang="nb-NO" sz="3200" i="1" dirty="0" err="1">
+                <a:solidFill>
+                  <a:schemeClr val="tx1">
+                    <a:lumMod val="50000"/>
+                    <a:lumOff val="50000"/>
+                  </a:schemeClr>
+                </a:solidFill>
+              </a:rPr>
+              <a:t>std</a:t>
+            </a:r>
+            <a:r>
+              <a:rPr lang="nb-NO" sz="3200" i="1" dirty="0">
+                <a:solidFill>
+                  <a:schemeClr val="tx1">
+                    <a:lumMod val="50000"/>
+                    <a:lumOff val="50000"/>
+                  </a:schemeClr>
+                </a:solidFill>
+              </a:rPr>
+              <a:t> = 0.0249548093603</a:t>
+            </a:r>
+            <a:r>
+              <a:rPr lang="nb-NO" sz="3200" i="1" dirty="0" smtClean="0">
+                <a:solidFill>
+                  <a:schemeClr val="tx1">
+                    <a:lumMod val="50000"/>
+                    <a:lumOff val="50000"/>
+                  </a:schemeClr>
+                </a:solidFill>
+              </a:rPr>
+              <a:t>)</a:t>
+            </a:r>
+          </a:p>
+          <a:p>
+            <a:pPr marL="457200" lvl="1" indent="0">
+              <a:buNone/>
+            </a:pPr>
+            <a:r>
+              <a:rPr lang="nb-NO" sz="3200" i="1" dirty="0" err="1" smtClean="0">
+                <a:solidFill>
+                  <a:schemeClr val="tx1">
+                    <a:lumMod val="50000"/>
+                    <a:lumOff val="50000"/>
+                  </a:schemeClr>
+                </a:solidFill>
+              </a:rPr>
+              <a:t>LinearSVC</a:t>
+            </a:r>
+            <a:r>
+              <a:rPr lang="nb-NO" sz="3200" i="1" dirty="0">
+                <a:solidFill>
+                  <a:schemeClr val="tx1">
+                    <a:lumMod val="50000"/>
+                    <a:lumOff val="50000"/>
+                  </a:schemeClr>
+                </a:solidFill>
+              </a:rPr>
+              <a:t>: </a:t>
+            </a:r>
+            <a:r>
+              <a:rPr lang="nb-NO" sz="3200" i="1" dirty="0" err="1">
+                <a:solidFill>
+                  <a:schemeClr val="tx1">
+                    <a:lumMod val="50000"/>
+                    <a:lumOff val="50000"/>
+                  </a:schemeClr>
+                </a:solidFill>
+              </a:rPr>
+              <a:t>avg</a:t>
+            </a:r>
+            <a:r>
+              <a:rPr lang="nb-NO" sz="3200" i="1" dirty="0">
+                <a:solidFill>
+                  <a:schemeClr val="tx1">
+                    <a:lumMod val="50000"/>
+                    <a:lumOff val="50000"/>
+                  </a:schemeClr>
+                </a:solidFill>
+              </a:rPr>
+              <a:t> = 0.771652421652, (</a:t>
+            </a:r>
+            <a:r>
+              <a:rPr lang="nb-NO" sz="3200" i="1" dirty="0" err="1">
+                <a:solidFill>
+                  <a:schemeClr val="tx1">
+                    <a:lumMod val="50000"/>
+                    <a:lumOff val="50000"/>
+                  </a:schemeClr>
+                </a:solidFill>
+              </a:rPr>
+              <a:t>std</a:t>
+            </a:r>
+            <a:r>
+              <a:rPr lang="nb-NO" sz="3200" i="1" dirty="0">
+                <a:solidFill>
+                  <a:schemeClr val="tx1">
+                    <a:lumMod val="50000"/>
+                    <a:lumOff val="50000"/>
+                  </a:schemeClr>
+                </a:solidFill>
+              </a:rPr>
+              <a:t> = 0.201350189994</a:t>
+            </a:r>
+            <a:r>
+              <a:rPr lang="nb-NO" sz="3200" i="1" dirty="0" smtClean="0">
+                <a:solidFill>
+                  <a:schemeClr val="tx1">
+                    <a:lumMod val="50000"/>
+                    <a:lumOff val="50000"/>
+                  </a:schemeClr>
+                </a:solidFill>
+              </a:rPr>
+              <a:t>)</a:t>
+            </a:r>
+          </a:p>
+          <a:p>
+            <a:pPr marL="457200" lvl="1" indent="0">
+              <a:buNone/>
+            </a:pPr>
+            <a:r>
+              <a:rPr lang="nb-NO" sz="3200" i="1" dirty="0" smtClean="0">
+                <a:solidFill>
+                  <a:schemeClr val="tx1">
+                    <a:lumMod val="50000"/>
+                    <a:lumOff val="50000"/>
+                  </a:schemeClr>
+                </a:solidFill>
+              </a:rPr>
+              <a:t>KNN</a:t>
+            </a:r>
+            <a:r>
+              <a:rPr lang="nb-NO" sz="3200" i="1" dirty="0">
+                <a:solidFill>
+                  <a:schemeClr val="tx1">
+                    <a:lumMod val="50000"/>
+                    <a:lumOff val="50000"/>
+                  </a:schemeClr>
+                </a:solidFill>
+              </a:rPr>
+              <a:t>: </a:t>
+            </a:r>
+            <a:r>
+              <a:rPr lang="nb-NO" sz="3200" i="1" dirty="0" err="1">
+                <a:solidFill>
+                  <a:schemeClr val="tx1">
+                    <a:lumMod val="50000"/>
+                    <a:lumOff val="50000"/>
+                  </a:schemeClr>
+                </a:solidFill>
+              </a:rPr>
+              <a:t>avg</a:t>
+            </a:r>
+            <a:r>
+              <a:rPr lang="nb-NO" sz="3200" i="1" dirty="0">
+                <a:solidFill>
+                  <a:schemeClr val="tx1">
+                    <a:lumMod val="50000"/>
+                    <a:lumOff val="50000"/>
+                  </a:schemeClr>
+                </a:solidFill>
+              </a:rPr>
+              <a:t> = 0.969515669516, (</a:t>
+            </a:r>
+            <a:r>
+              <a:rPr lang="nb-NO" sz="3200" i="1" dirty="0" err="1">
+                <a:solidFill>
+                  <a:schemeClr val="tx1">
+                    <a:lumMod val="50000"/>
+                    <a:lumOff val="50000"/>
+                  </a:schemeClr>
+                </a:solidFill>
+              </a:rPr>
+              <a:t>std</a:t>
+            </a:r>
+            <a:r>
+              <a:rPr lang="nb-NO" sz="3200" i="1" dirty="0">
+                <a:solidFill>
+                  <a:schemeClr val="tx1">
+                    <a:lumMod val="50000"/>
+                    <a:lumOff val="50000"/>
+                  </a:schemeClr>
+                </a:solidFill>
+              </a:rPr>
+              <a:t> = 0.033469418077</a:t>
+            </a:r>
+            <a:r>
+              <a:rPr lang="nb-NO" sz="3200" i="1" dirty="0" smtClean="0">
+                <a:solidFill>
+                  <a:schemeClr val="tx1">
+                    <a:lumMod val="50000"/>
+                    <a:lumOff val="50000"/>
+                  </a:schemeClr>
+                </a:solidFill>
+              </a:rPr>
+              <a:t>)</a:t>
+            </a:r>
+          </a:p>
+          <a:p>
+            <a:pPr marL="457200" lvl="1" indent="0">
+              <a:buNone/>
+            </a:pPr>
+            <a:r>
+              <a:rPr lang="nb-NO" sz="3200" i="1" dirty="0" smtClean="0">
+                <a:solidFill>
+                  <a:schemeClr val="tx1">
+                    <a:lumMod val="50000"/>
+                    <a:lumOff val="50000"/>
+                  </a:schemeClr>
+                </a:solidFill>
+              </a:rPr>
+              <a:t>SVC</a:t>
+            </a:r>
+            <a:r>
+              <a:rPr lang="nb-NO" sz="3200" i="1" dirty="0">
+                <a:solidFill>
+                  <a:schemeClr val="tx1">
+                    <a:lumMod val="50000"/>
+                    <a:lumOff val="50000"/>
+                  </a:schemeClr>
+                </a:solidFill>
+              </a:rPr>
+              <a:t>: </a:t>
+            </a:r>
+            <a:r>
+              <a:rPr lang="nb-NO" sz="3200" i="1" dirty="0" err="1">
+                <a:solidFill>
+                  <a:schemeClr val="tx1">
+                    <a:lumMod val="50000"/>
+                    <a:lumOff val="50000"/>
+                  </a:schemeClr>
+                </a:solidFill>
+              </a:rPr>
+              <a:t>avg</a:t>
+            </a:r>
+            <a:r>
+              <a:rPr lang="nb-NO" sz="3200" i="1" dirty="0">
+                <a:solidFill>
+                  <a:schemeClr val="tx1">
+                    <a:lumMod val="50000"/>
+                    <a:lumOff val="50000"/>
+                  </a:schemeClr>
+                </a:solidFill>
+              </a:rPr>
+              <a:t> = 0.973361823362, (</a:t>
+            </a:r>
+            <a:r>
+              <a:rPr lang="nb-NO" sz="3200" i="1" dirty="0" err="1">
+                <a:solidFill>
+                  <a:schemeClr val="tx1">
+                    <a:lumMod val="50000"/>
+                    <a:lumOff val="50000"/>
+                  </a:schemeClr>
+                </a:solidFill>
+              </a:rPr>
+              <a:t>std</a:t>
+            </a:r>
+            <a:r>
+              <a:rPr lang="nb-NO" sz="3200" i="1" dirty="0">
+                <a:solidFill>
+                  <a:schemeClr val="tx1">
+                    <a:lumMod val="50000"/>
+                    <a:lumOff val="50000"/>
+                  </a:schemeClr>
+                </a:solidFill>
+              </a:rPr>
+              <a:t> = 0.0295737611569)</a:t>
+            </a:r>
+            <a:endParaRPr lang="en-US" sz="3200" i="1" dirty="0">
+              <a:solidFill>
+                <a:schemeClr val="tx1">
+                  <a:lumMod val="50000"/>
+                  <a:lumOff val="50000"/>
+                </a:schemeClr>
+              </a:solidFill>
+            </a:endParaRPr>
+          </a:p>
+        </p:txBody>
+      </p:sp>
     </p:spTree>
     <p:extLst>
       <p:ext uri="{BB962C8B-B14F-4D97-AF65-F5344CB8AC3E}">
-        <p14:creationId xmlns:p14="http://schemas.microsoft.com/office/powerpoint/2010/main" val="20801766"/>
+        <p14:creationId xmlns:p14="http://schemas.microsoft.com/office/powerpoint/2010/main" val="478983830"/>
       </p:ext>
     </p:extLst>
   </p:cSld>
@@ -4469,7 +4934,7 @@
           <a:p>
             <a:r>
               <a:rPr lang="en-US" dirty="0" smtClean="0"/>
-              <a:t>Cross validation</a:t>
+              <a:t>Algorithm Selection</a:t>
             </a:r>
             <a:endParaRPr lang="en-US" dirty="0"/>
           </a:p>
@@ -4485,37 +4950,109 @@
             <p:ph idx="1"/>
           </p:nvPr>
         </p:nvSpPr>
-        <p:spPr/>
-        <p:txBody>
-          <a:bodyPr/>
-          <a:lstStyle/>
-          <a:p>
-            <a:r>
-              <a:rPr lang="en-US" i="1" dirty="0"/>
-              <a:t># We are using the metric of ‘accuracy‘ to evaluate models. This is a ratio of the number of correctly predicted</a:t>
-            </a:r>
-            <a:br>
-              <a:rPr lang="en-US" i="1" dirty="0"/>
-            </a:br>
-            <a:r>
-              <a:rPr lang="en-US" i="1" dirty="0"/>
-              <a:t># instances in divided by the total number of instances in the dataset multiplied by 100 to give a percentage</a:t>
-            </a:r>
-            <a:br>
-              <a:rPr lang="en-US" i="1" dirty="0"/>
-            </a:br>
-            <a:r>
-              <a:rPr lang="en-US" i="1" dirty="0"/>
-              <a:t># (e.g. 95% accurate). We will be using the scoring variable when we run build and evaluate each model next.</a:t>
+        <p:spPr>
+          <a:xfrm>
+            <a:off x="310243" y="1825625"/>
+            <a:ext cx="5257799" cy="4351338"/>
+          </a:xfrm>
+        </p:spPr>
+        <p:txBody>
+          <a:bodyPr>
+            <a:normAutofit/>
+          </a:bodyPr>
+          <a:lstStyle/>
+          <a:p>
+            <a:r>
+              <a:rPr lang="en-US" dirty="0" smtClean="0"/>
+              <a:t>Cross-validation, n=10 bins</a:t>
+            </a:r>
+          </a:p>
+          <a:p>
+            <a:r>
+              <a:rPr lang="en-US" dirty="0" smtClean="0"/>
+              <a:t>Use the same seed for each algorithm to compare results directly</a:t>
+            </a:r>
+          </a:p>
+          <a:p>
+            <a:r>
+              <a:rPr lang="en-US" dirty="0"/>
+              <a:t>High accuracy for most </a:t>
+            </a:r>
+            <a:r>
+              <a:rPr lang="mr-IN" dirty="0"/>
+              <a:t>–</a:t>
+            </a:r>
+            <a:r>
+              <a:rPr lang="en-US" dirty="0"/>
+              <a:t> overfitting</a:t>
+            </a:r>
+            <a:r>
+              <a:rPr lang="en-US" dirty="0" smtClean="0"/>
+              <a:t>?</a:t>
             </a:r>
             <a:endParaRPr lang="en-US" dirty="0"/>
           </a:p>
-        </p:txBody>
-      </p:sp>
+          <a:p>
+            <a:r>
+              <a:rPr lang="en-US" dirty="0"/>
+              <a:t>Move forward with </a:t>
+            </a:r>
+            <a:r>
+              <a:rPr lang="en-US" dirty="0" err="1"/>
+              <a:t>LinearSVC</a:t>
+            </a:r>
+            <a:r>
+              <a:rPr lang="en-US" dirty="0"/>
+              <a:t> (recommended for this type of </a:t>
+            </a:r>
+            <a:r>
+              <a:rPr lang="en-US" dirty="0" smtClean="0"/>
+              <a:t>data) </a:t>
+            </a:r>
+            <a:r>
+              <a:rPr lang="en-US" dirty="0"/>
+              <a:t>&amp; KNN (highest accuracy)</a:t>
+            </a:r>
+          </a:p>
+          <a:p>
+            <a:endParaRPr lang="en-US" dirty="0"/>
+          </a:p>
+        </p:txBody>
+      </p:sp>
+      <p:pic>
+        <p:nvPicPr>
+          <p:cNvPr id="4" name="Content Placeholder 3"/>
+          <p:cNvPicPr>
+            <a:picLocks noChangeAspect="1"/>
+          </p:cNvPicPr>
+          <p:nvPr/>
+        </p:nvPicPr>
+        <p:blipFill>
+          <a:blip r:embed="rId2">
+            <a:extLst>
+              <a:ext uri="{28A0092B-C50C-407E-A947-70E740481C1C}">
+                <a14:useLocalDpi xmlns:a14="http://schemas.microsoft.com/office/drawing/2010/main" val="0"/>
+              </a:ext>
+            </a:extLst>
+          </a:blip>
+          <a:stretch>
+            <a:fillRect/>
+          </a:stretch>
+        </p:blipFill>
+        <p:spPr>
+          <a:xfrm>
+            <a:off x="5361516" y="1177471"/>
+            <a:ext cx="6830484" cy="5122863"/>
+          </a:xfrm>
+          <a:prstGeom prst="rect">
+            <a:avLst/>
+          </a:prstGeom>
+        </p:spPr>
+      </p:pic>
     </p:spTree>
     <p:extLst>
       <p:ext uri="{BB962C8B-B14F-4D97-AF65-F5344CB8AC3E}">
-        <p14:creationId xmlns:p14="http://schemas.microsoft.com/office/powerpoint/2010/main" val="1206999701"/>
+        <p14:creationId xmlns:p14="http://schemas.microsoft.com/office/powerpoint/2010/main" val="1164854304"/>
       </p:ext>
     </p:extLst>
   </p:cSld>
@@ -4592,7 +5129,133 @@
           <a:p>
             <a:r>
               <a:rPr lang="en-US" dirty="0" smtClean="0"/>
-              <a:t>How many nominations did I get? </a:t>
+              <a:t>Fit each algorithm to the training set then predict on the putative set</a:t>
+            </a:r>
+          </a:p>
+          <a:p>
+            <a:r>
+              <a:rPr lang="en-US" dirty="0" smtClean="0"/>
+              <a:t>Add ‘label’ feature based on predictions and plot PCA:</a:t>
+            </a:r>
+            <a:endParaRPr lang="en-US" dirty="0"/>
+          </a:p>
+        </p:txBody>
+      </p:sp>
+      <p:pic>
+        <p:nvPicPr>
+          <p:cNvPr id="4" name="Picture 3"/>
+          <p:cNvPicPr>
+            <a:picLocks noChangeAspect="1"/>
+          </p:cNvPicPr>
+          <p:nvPr/>
+        </p:nvPicPr>
+        <p:blipFill>
+          <a:blip r:embed="rId2">
+            <a:extLst>
+              <a:ext uri="{28A0092B-C50C-407E-A947-70E740481C1C}">
+                <a14:useLocalDpi xmlns:a14="http://schemas.microsoft.com/office/drawing/2010/main" val="0"/>
+              </a:ext>
+            </a:extLst>
+          </a:blip>
+          <a:stretch>
+            <a:fillRect/>
+          </a:stretch>
+        </p:blipFill>
+        <p:spPr>
+          <a:xfrm>
+            <a:off x="0" y="2955471"/>
+            <a:ext cx="5203372" cy="3902529"/>
+          </a:xfrm>
+          <a:prstGeom prst="rect">
+            <a:avLst/>
+          </a:prstGeom>
+        </p:spPr>
+      </p:pic>
+      <p:pic>
+        <p:nvPicPr>
+          <p:cNvPr id="5" name="Picture 4"/>
+          <p:cNvPicPr>
+            <a:picLocks noChangeAspect="1"/>
+          </p:cNvPicPr>
+          <p:nvPr/>
+        </p:nvPicPr>
+        <p:blipFill>
+          <a:blip r:embed="rId3">
+            <a:extLst>
+              <a:ext uri="{28A0092B-C50C-407E-A947-70E740481C1C}">
+                <a14:useLocalDpi xmlns:a14="http://schemas.microsoft.com/office/drawing/2010/main" val="0"/>
+              </a:ext>
+            </a:extLst>
+          </a:blip>
+          <a:stretch>
+            <a:fillRect/>
+          </a:stretch>
+        </p:blipFill>
+        <p:spPr>
+          <a:xfrm>
+            <a:off x="7353301" y="2898094"/>
+            <a:ext cx="4838699" cy="3823154"/>
+          </a:xfrm>
+          <a:prstGeom prst="rect">
+            <a:avLst/>
+          </a:prstGeom>
+        </p:spPr>
+      </p:pic>
+      <p:sp>
+        <p:nvSpPr>
+          <p:cNvPr id="6" name="TextBox 5"/>
+          <p:cNvSpPr txBox="1"/>
+          <p:nvPr/>
+        </p:nvSpPr>
+        <p:spPr>
+          <a:xfrm>
+            <a:off x="1975757" y="2955471"/>
+            <a:ext cx="1616529" cy="369332"/>
+          </a:xfrm>
+          <a:prstGeom prst="rect">
+            <a:avLst/>
+          </a:prstGeom>
+          <a:noFill/>
+        </p:spPr>
+        <p:txBody>
+          <a:bodyPr wrap="square" rtlCol="0">
+            <a:spAutoFit/>
+          </a:bodyPr>
+          <a:lstStyle/>
+          <a:p>
+            <a:r>
+              <a:rPr lang="en-US" dirty="0" smtClean="0"/>
+              <a:t>KNN</a:t>
+            </a:r>
+            <a:endParaRPr lang="en-US" dirty="0"/>
+          </a:p>
+        </p:txBody>
+      </p:sp>
+      <p:sp>
+        <p:nvSpPr>
+          <p:cNvPr id="7" name="TextBox 6"/>
+          <p:cNvSpPr txBox="1"/>
+          <p:nvPr/>
+        </p:nvSpPr>
+        <p:spPr>
+          <a:xfrm>
+            <a:off x="8547100" y="2898093"/>
+            <a:ext cx="2082800" cy="369332"/>
+          </a:xfrm>
+          <a:prstGeom prst="rect">
+            <a:avLst/>
+          </a:prstGeom>
+          <a:noFill/>
+        </p:spPr>
+        <p:txBody>
+          <a:bodyPr wrap="square" rtlCol="0">
+            <a:spAutoFit/>
+          </a:bodyPr>
+          <a:lstStyle/>
+          <a:p>
+            <a:r>
+              <a:rPr lang="en-US" dirty="0" smtClean="0"/>
+              <a:t>Linear SVC</a:t>
             </a:r>
             <a:endParaRPr lang="en-US" dirty="0"/>
           </a:p>
@@ -4645,36 +5308,7 @@
           <a:p>
             <a:r>
               <a:rPr lang="en-US" dirty="0" smtClean="0"/>
-              <a:t>Improving model / ideas</a:t>
-            </a:r>
-            <a:endParaRPr lang="en-US" dirty="0"/>
-          </a:p>
-        </p:txBody>
-      </p:sp>
-      <p:sp>
-        <p:nvSpPr>
-          <p:cNvPr id="3" name="Content Placeholder 2"/>
-          <p:cNvSpPr>
-            <a:spLocks noGrp="1"/>
-          </p:cNvSpPr>
-          <p:nvPr>
-            <p:ph idx="1"/>
-          </p:nvPr>
-        </p:nvSpPr>
-        <p:spPr/>
-        <p:txBody>
-          <a:bodyPr/>
-          <a:lstStyle/>
-          <a:p>
-            <a:r>
-              <a:rPr lang="en-US" dirty="0" smtClean="0"/>
-              <a:t>Boosting/bagging</a:t>
-            </a:r>
-          </a:p>
-          <a:p>
-            <a:r>
-              <a:rPr lang="en-US" dirty="0" smtClean="0"/>
-              <a:t>Features </a:t>
+              <a:t>Scoring </a:t>
             </a:r>
             <a:r>
               <a:rPr lang="mr-IN" dirty="0" smtClean="0"/>
@@ -4682,99 +5316,95 @@
             </a:r>
             <a:r>
               <a:rPr lang="en-US" dirty="0" smtClean="0"/>
-              <a:t> from </a:t>
+              <a:t> model quality</a:t>
+            </a:r>
+            <a:endParaRPr lang="en-US" dirty="0"/>
+          </a:p>
+        </p:txBody>
+      </p:sp>
+      <p:sp>
+        <p:nvSpPr>
+          <p:cNvPr id="3" name="Content Placeholder 2"/>
+          <p:cNvSpPr>
+            <a:spLocks noGrp="1"/>
+          </p:cNvSpPr>
+          <p:nvPr>
+            <p:ph idx="1"/>
+          </p:nvPr>
+        </p:nvSpPr>
+        <p:spPr/>
+        <p:txBody>
+          <a:bodyPr>
+            <a:normAutofit/>
+          </a:bodyPr>
+          <a:lstStyle/>
+          <a:p>
+            <a:r>
+              <a:rPr lang="en-US" dirty="0" smtClean="0"/>
+              <a:t>Fit each algorithm to the training set then predict on the putative set</a:t>
+            </a:r>
+          </a:p>
+          <a:p>
+            <a:r>
+              <a:rPr lang="en-US" dirty="0"/>
+              <a:t>Add ‘label’ feature based on predictions and plot </a:t>
+            </a:r>
+            <a:r>
+              <a:rPr lang="en-US" dirty="0" smtClean="0"/>
+              <a:t>PCA</a:t>
+            </a:r>
+            <a:endParaRPr lang="en-US" dirty="0"/>
+          </a:p>
+          <a:p>
+            <a:r>
+              <a:rPr lang="en-US" dirty="0" smtClean="0"/>
+              <a:t>Score the model using the pickled </a:t>
             </a:r>
             <a:r>
               <a:rPr lang="en-US" dirty="0" err="1" smtClean="0"/>
-              <a:t>pydpi</a:t>
-            </a:r>
-            <a:r>
-              <a:rPr lang="en-US" dirty="0" smtClean="0"/>
-              <a:t> other sets</a:t>
-            </a:r>
-          </a:p>
-          <a:p>
-            <a:r>
-              <a:rPr lang="en-US" dirty="0" smtClean="0"/>
-              <a:t>Embedded feature </a:t>
-            </a:r>
-            <a:r>
-              <a:rPr lang="en-US" dirty="0" smtClean="0"/>
-              <a:t>selection</a:t>
+              <a:t>dictionnary</a:t>
+            </a:r>
+            <a:r>
+              <a:rPr lang="en-US" dirty="0" smtClean="0"/>
+              <a:t>:</a:t>
             </a:r>
           </a:p>
           <a:p>
             <a:endParaRPr lang="en-US" dirty="0"/>
           </a:p>
           <a:p>
-            <a:r>
-              <a:rPr lang="en-US" dirty="0" smtClean="0"/>
-              <a:t>Encoding the </a:t>
-            </a:r>
-            <a:r>
-              <a:rPr lang="en-US" dirty="0" err="1" smtClean="0"/>
-              <a:t>blastp</a:t>
-            </a:r>
-            <a:r>
-              <a:rPr lang="en-US" dirty="0" smtClean="0"/>
-              <a:t> </a:t>
-            </a:r>
-            <a:r>
-              <a:rPr lang="en-US" dirty="0" err="1" smtClean="0"/>
-              <a:t>sseqid</a:t>
-            </a:r>
-            <a:r>
-              <a:rPr lang="en-US" dirty="0" smtClean="0"/>
-              <a:t> ?</a:t>
-            </a:r>
-          </a:p>
-          <a:p>
-            <a:r>
-              <a:rPr lang="en-US" dirty="0"/>
-              <a:t> </a:t>
-            </a:r>
-            <a:r>
-              <a:rPr lang="en-US" dirty="0" smtClean="0"/>
-              <a:t>Add categorical columns </a:t>
-            </a:r>
-            <a:r>
-              <a:rPr lang="mr-IN" dirty="0" smtClean="0"/>
-              <a:t>–</a:t>
-            </a:r>
-            <a:r>
-              <a:rPr lang="en-US" dirty="0" smtClean="0"/>
-              <a:t> ‘</a:t>
-            </a:r>
-            <a:r>
-              <a:rPr lang="en-US" dirty="0" err="1" smtClean="0"/>
-              <a:t>all_three_domains</a:t>
-            </a:r>
-            <a:r>
-              <a:rPr lang="en-US" dirty="0" smtClean="0"/>
-              <a:t>’</a:t>
-            </a:r>
-          </a:p>
-          <a:p>
-            <a:r>
-              <a:rPr lang="en-US" dirty="0" smtClean="0"/>
-              <a:t>Retain location columns </a:t>
-            </a:r>
-            <a:r>
-              <a:rPr lang="mr-IN" dirty="0" smtClean="0"/>
-              <a:t>–</a:t>
-            </a:r>
-            <a:r>
-              <a:rPr lang="en-US" dirty="0" smtClean="0"/>
-              <a:t> alignment start/end and domain start/end</a:t>
-            </a:r>
-            <a:endParaRPr lang="en-US" dirty="0"/>
+            <a:pPr lvl="2"/>
+            <a:r>
+              <a:rPr lang="en-US" sz="3600" dirty="0"/>
+              <a:t>KNN: </a:t>
+            </a:r>
+            <a:r>
+              <a:rPr lang="en-US" sz="3600" dirty="0" smtClean="0"/>
+              <a:t>$2000000.0</a:t>
+            </a:r>
+          </a:p>
+          <a:p>
+            <a:pPr lvl="2"/>
+            <a:r>
+              <a:rPr lang="en-US" sz="3600" dirty="0" err="1" smtClean="0"/>
+              <a:t>Linear_SVC</a:t>
+            </a:r>
+            <a:r>
+              <a:rPr lang="en-US" sz="3600" dirty="0"/>
+              <a:t>: </a:t>
+            </a:r>
+            <a:r>
+              <a:rPr lang="en-US" sz="3600" dirty="0" smtClean="0"/>
+              <a:t>$60000000.0</a:t>
+            </a:r>
+            <a:endParaRPr lang="en-US" sz="3600" dirty="0"/>
           </a:p>
         </p:txBody>
       </p:sp>
     </p:spTree>
     <p:extLst>
       <p:ext uri="{BB962C8B-B14F-4D97-AF65-F5344CB8AC3E}">
-        <p14:creationId xmlns:p14="http://schemas.microsoft.com/office/powerpoint/2010/main" val="749336424"/>
+        <p14:creationId xmlns:p14="http://schemas.microsoft.com/office/powerpoint/2010/main" val="1095028619"/>
       </p:ext>
     </p:extLst>
   </p:cSld>
@@ -4818,7 +5448,11 @@
           <a:p>
             <a:r>
               <a:rPr lang="en-US" dirty="0" smtClean="0"/>
-              <a:t>Background to refresh</a:t>
+              <a:t>Improving </a:t>
+            </a:r>
+            <a:r>
+              <a:rPr lang="en-US" dirty="0" smtClean="0"/>
+              <a:t>on the model</a:t>
             </a:r>
             <a:endParaRPr lang="en-US" dirty="0"/>
           </a:p>
@@ -4836,171 +5470,124 @@
         </p:nvSpPr>
         <p:spPr/>
         <p:txBody>
-          <a:bodyPr>
-            <a:normAutofit fontScale="70000" lnSpcReduction="20000"/>
-          </a:bodyPr>
-          <a:lstStyle/>
-          <a:p>
+          <a:bodyPr/>
+          <a:lstStyle/>
+          <a:p>
+            <a:r>
+              <a:rPr lang="en-US" dirty="0" smtClean="0"/>
+              <a:t>Combining algorithms</a:t>
+            </a:r>
+          </a:p>
+          <a:p>
+            <a:r>
+              <a:rPr lang="en-US" dirty="0" smtClean="0"/>
+              <a:t>Ensemble algorithms</a:t>
+            </a:r>
+          </a:p>
+          <a:p>
+            <a:r>
+              <a:rPr lang="en-US" dirty="0"/>
+              <a:t>Tweak algorithm hyper-parameters</a:t>
+            </a:r>
+          </a:p>
+          <a:p>
+            <a:endParaRPr lang="en-US" dirty="0" smtClean="0"/>
+          </a:p>
+          <a:p>
+            <a:r>
+              <a:rPr lang="en-US" dirty="0" smtClean="0"/>
+              <a:t>Embedded </a:t>
+            </a:r>
+            <a:r>
+              <a:rPr lang="en-US" dirty="0" smtClean="0"/>
+              <a:t>feature selection</a:t>
+            </a:r>
+          </a:p>
+          <a:p>
+            <a:r>
+              <a:rPr lang="en-US" dirty="0" smtClean="0"/>
+              <a:t>Encoding </a:t>
+            </a:r>
+            <a:r>
+              <a:rPr lang="en-US" dirty="0" smtClean="0"/>
+              <a:t>the </a:t>
+            </a:r>
             <a:r>
               <a:rPr lang="en-US" dirty="0" err="1" smtClean="0"/>
-              <a:t>Blastp</a:t>
-            </a:r>
-            <a:r>
-              <a:rPr lang="en-US" dirty="0" smtClean="0"/>
-              <a:t> algorithm</a:t>
-            </a:r>
-          </a:p>
-          <a:p>
+              <a:t>blastp</a:t>
+            </a:r>
+            <a:r>
+              <a:rPr lang="en-US" dirty="0" smtClean="0"/>
+              <a:t> </a:t>
+            </a:r>
             <a:r>
               <a:rPr lang="en-US" dirty="0" err="1" smtClean="0"/>
-              <a:t>Evalue</a:t>
-            </a:r>
-            <a:r>
-              <a:rPr lang="en-US" dirty="0" smtClean="0"/>
-              <a:t> meaning in blast</a:t>
-            </a:r>
-          </a:p>
-          <a:p>
-            <a:r>
-              <a:rPr lang="en-US" dirty="0" smtClean="0"/>
-              <a:t>HMM</a:t>
-            </a:r>
-          </a:p>
-          <a:p>
-            <a:r>
-              <a:rPr lang="en-US" dirty="0" smtClean="0"/>
-              <a:t>Algorithms</a:t>
-            </a:r>
-          </a:p>
-          <a:p>
-            <a:r>
-              <a:rPr lang="en-US" dirty="0">
-                <a:hlinkClick r:id="rId2"/>
-              </a:rPr>
-              <a:t>https://www.analyticsvidhya.com/blog/2017/09/common-machine-learning-algorithms</a:t>
-            </a:r>
-            <a:r>
-              <a:rPr lang="en-US" dirty="0" smtClean="0">
-                <a:hlinkClick r:id="rId2"/>
-              </a:rPr>
-              <a:t>/</a:t>
+              <a:t>sseqid</a:t>
+            </a:r>
+            <a:r>
+              <a:rPr lang="en-US" dirty="0" smtClean="0"/>
+              <a:t> </a:t>
+            </a:r>
+            <a:r>
+              <a:rPr lang="en-US" dirty="0" smtClean="0"/>
+              <a:t>as a feature</a:t>
             </a:r>
             <a:endParaRPr lang="en-US" dirty="0" smtClean="0"/>
           </a:p>
           <a:p>
             <a:r>
-              <a:rPr lang="en-US" dirty="0">
-                <a:hlinkClick r:id="rId3"/>
-              </a:rPr>
-              <a:t>http://</a:t>
-            </a:r>
-            <a:r>
-              <a:rPr lang="en-US" dirty="0" smtClean="0">
-                <a:hlinkClick r:id="rId3"/>
-              </a:rPr>
-              <a:t>www.kdnuggets.com/2015/11/seven-steps-machine-learning-python.html</a:t>
-            </a:r>
-            <a:endParaRPr lang="en-US" dirty="0" smtClean="0"/>
-          </a:p>
-          <a:p>
-            <a:r>
-              <a:rPr lang="en-US" dirty="0">
-                <a:hlinkClick r:id="rId4"/>
-              </a:rPr>
-              <a:t>http://</a:t>
-            </a:r>
-            <a:r>
-              <a:rPr lang="en-US" dirty="0" smtClean="0">
-                <a:hlinkClick r:id="rId4"/>
-              </a:rPr>
-              <a:t>www.kdnuggets.com/2016/03/doing-data-science-kaggle-walkthrough-cleaning-data.html/2</a:t>
-            </a:r>
-            <a:endParaRPr lang="en-US" dirty="0" smtClean="0"/>
-          </a:p>
-          <a:p>
-            <a:r>
-              <a:rPr lang="en-US" dirty="0">
-                <a:hlinkClick r:id="rId5"/>
-              </a:rPr>
-              <a:t>https://pythonprogramming.net/machine-learning-tutorial-python-introduction</a:t>
-            </a:r>
-            <a:r>
-              <a:rPr lang="en-US" dirty="0" smtClean="0">
-                <a:hlinkClick r:id="rId5"/>
-              </a:rPr>
-              <a:t>/</a:t>
-            </a:r>
-            <a:endParaRPr lang="en-US" dirty="0" smtClean="0"/>
-          </a:p>
-          <a:p>
-            <a:r>
-              <a:rPr lang="en-US" dirty="0">
-                <a:hlinkClick r:id="rId6"/>
-              </a:rPr>
-              <a:t>https://</a:t>
-            </a:r>
-            <a:r>
-              <a:rPr lang="en-US" dirty="0" smtClean="0">
-                <a:hlinkClick r:id="rId6"/>
-              </a:rPr>
-              <a:t>bmcbioinformatics.biomedcentral.com/articles/10.1186/1471-2105-11-273</a:t>
-            </a:r>
-            <a:endParaRPr lang="en-US" dirty="0" smtClean="0"/>
-          </a:p>
-          <a:p>
-            <a:r>
-              <a:rPr lang="en-US" dirty="0">
-                <a:hlinkClick r:id="rId7"/>
-              </a:rPr>
-              <a:t>https://</a:t>
-            </a:r>
-            <a:r>
-              <a:rPr lang="en-US" dirty="0" smtClean="0">
-                <a:hlinkClick r:id="rId7"/>
-              </a:rPr>
-              <a:t>github.com/dformoso/machine-learning-mindmap</a:t>
-            </a:r>
-            <a:endParaRPr lang="en-US" dirty="0" smtClean="0"/>
-          </a:p>
-          <a:p>
-            <a:r>
-              <a:rPr lang="en-US" dirty="0">
-                <a:hlinkClick r:id="rId8"/>
-              </a:rPr>
-              <a:t>https://</a:t>
-            </a:r>
-            <a:r>
-              <a:rPr lang="en-US" dirty="0" smtClean="0">
-                <a:hlinkClick r:id="rId8"/>
-              </a:rPr>
-              <a:t>bmcresnotes.biomedcentral.com/articles/10.1186/1756-0500-7-810</a:t>
-            </a:r>
-            <a:endParaRPr lang="en-US" dirty="0" smtClean="0"/>
-          </a:p>
-          <a:p>
-            <a:r>
               <a:rPr lang="en-US" dirty="0"/>
-              <a:t>https://</a:t>
-            </a:r>
-            <a:r>
-              <a:rPr lang="en-US" dirty="0" err="1"/>
-              <a:t>github.com</a:t>
-            </a:r>
-            <a:r>
-              <a:rPr lang="en-US" dirty="0"/>
-              <a:t>/</a:t>
-            </a:r>
-            <a:r>
-              <a:rPr lang="en-US" dirty="0" err="1"/>
-              <a:t>PeptoneInc</a:t>
-            </a:r>
-            <a:r>
-              <a:rPr lang="en-US" dirty="0"/>
-              <a:t>/</a:t>
-            </a:r>
-            <a:r>
-              <a:rPr lang="en-US" dirty="0" err="1"/>
-              <a:t>dspp-keras</a:t>
+              <a:t> </a:t>
+            </a:r>
+            <a:r>
+              <a:rPr lang="en-US" dirty="0" smtClean="0"/>
+              <a:t>Add categorical </a:t>
+            </a:r>
+            <a:r>
+              <a:rPr lang="en-US" dirty="0" smtClean="0"/>
+              <a:t>features</a:t>
+            </a:r>
+            <a:r>
+              <a:rPr lang="mr-IN" dirty="0" smtClean="0"/>
+              <a:t>–</a:t>
+            </a:r>
+            <a:r>
+              <a:rPr lang="en-US" dirty="0" smtClean="0"/>
+              <a:t> </a:t>
+            </a:r>
+            <a:r>
+              <a:rPr lang="en-US" dirty="0" smtClean="0"/>
+              <a:t>‘</a:t>
+            </a:r>
+            <a:r>
+              <a:rPr lang="en-US" dirty="0" err="1" smtClean="0"/>
+              <a:t>all_three_domains</a:t>
+            </a:r>
+            <a:r>
+              <a:rPr lang="en-US" dirty="0" smtClean="0"/>
+              <a:t>’</a:t>
+            </a:r>
+          </a:p>
+          <a:p>
+            <a:r>
+              <a:rPr lang="en-US" dirty="0" smtClean="0"/>
+              <a:t>Retain </a:t>
+            </a:r>
+            <a:r>
+              <a:rPr lang="en-US" dirty="0" smtClean="0"/>
+              <a:t>‘location’ </a:t>
+            </a:r>
+            <a:r>
+              <a:rPr lang="en-US" dirty="0" smtClean="0"/>
+              <a:t>columns </a:t>
+            </a:r>
+            <a:r>
+              <a:rPr lang="mr-IN" dirty="0" smtClean="0"/>
+              <a:t>–</a:t>
+            </a:r>
+            <a:r>
+              <a:rPr lang="en-US" dirty="0" smtClean="0"/>
+              <a:t> alignment start/end and domain start/end</a:t>
             </a:r>
             <a:endParaRPr lang="en-US" dirty="0"/>
           </a:p>
@@ -5009,7 +5596,7 @@
     </p:spTree>
     <p:extLst>
       <p:ext uri="{BB962C8B-B14F-4D97-AF65-F5344CB8AC3E}">
-        <p14:creationId xmlns:p14="http://schemas.microsoft.com/office/powerpoint/2010/main" val="688653693"/>
+        <p14:creationId xmlns:p14="http://schemas.microsoft.com/office/powerpoint/2010/main" val="749336424"/>
       </p:ext>
     </p:extLst>
   </p:cSld>
@@ -6340,25 +6927,35 @@
           </a:p>
         </p:txBody>
       </p:sp>
-      <p:sp>
-        <p:nvSpPr>
-          <p:cNvPr id="3" name="Content Placeholder 2"/>
-          <p:cNvSpPr>
-            <a:spLocks noGrp="1"/>
-          </p:cNvSpPr>
+      <p:pic>
+        <p:nvPicPr>
+          <p:cNvPr id="4" name="Content Placeholder 3"/>
+          <p:cNvPicPr>
+            <a:picLocks noGrp="1" noChangeAspect="1"/>
+          </p:cNvPicPr>
           <p:nvPr>
             <p:ph idx="1"/>
           </p:nvPr>
-        </p:nvSpPr>
-        <p:spPr/>
-        <p:txBody>
-          <a:bodyPr/>
-          <a:lstStyle/>
-          <a:p>
-            <a:endParaRPr lang="en-US"/>
-          </a:p>
-        </p:txBody>
-      </p:sp>
+        </p:nvPicPr>
+        <p:blipFill>
+          <a:blip r:embed="rId2">
+            <a:extLst>
+              <a:ext uri="{28A0092B-C50C-407E-A947-70E740481C1C}">
+                <a14:useLocalDpi xmlns:a14="http://schemas.microsoft.com/office/drawing/2010/main" val="0"/>
+              </a:ext>
+            </a:extLst>
+          </a:blip>
+          <a:stretch>
+            <a:fillRect/>
+          </a:stretch>
+        </p:blipFill>
+        <p:spPr>
+          <a:xfrm>
+            <a:off x="4049486" y="544460"/>
+            <a:ext cx="7870370" cy="5687988"/>
+          </a:xfrm>
+        </p:spPr>
+      </p:pic>
     </p:spTree>
     <p:extLst>
       <p:ext uri="{BB962C8B-B14F-4D97-AF65-F5344CB8AC3E}">
@@ -6812,29 +7409,35 @@
           </a:p>
         </p:txBody>
       </p:sp>
-      <p:sp>
-        <p:nvSpPr>
-          <p:cNvPr id="3" name="Content Placeholder 2"/>
-          <p:cNvSpPr>
-            <a:spLocks noGrp="1"/>
-          </p:cNvSpPr>
+      <p:pic>
+        <p:nvPicPr>
+          <p:cNvPr id="5" name="Content Placeholder 4"/>
+          <p:cNvPicPr>
+            <a:picLocks noGrp="1" noChangeAspect="1"/>
+          </p:cNvPicPr>
           <p:nvPr>
             <p:ph idx="1"/>
           </p:nvPr>
-        </p:nvSpPr>
-        <p:spPr/>
-        <p:txBody>
-          <a:bodyPr/>
-          <a:lstStyle/>
-          <a:p>
-            <a:r>
-              <a:rPr lang="en-US" dirty="0" smtClean="0"/>
-              <a:t>Plot?</a:t>
-            </a:r>
-            <a:endParaRPr lang="en-US" dirty="0"/>
-          </a:p>
-        </p:txBody>
-      </p:sp>
+        </p:nvPicPr>
+        <p:blipFill>
+          <a:blip r:embed="rId2">
+            <a:extLst>
+              <a:ext uri="{28A0092B-C50C-407E-A947-70E740481C1C}">
+                <a14:useLocalDpi xmlns:a14="http://schemas.microsoft.com/office/drawing/2010/main" val="0"/>
+              </a:ext>
+            </a:extLst>
+          </a:blip>
+          <a:stretch>
+            <a:fillRect/>
+          </a:stretch>
+        </p:blipFill>
+        <p:spPr>
+          <a:xfrm>
+            <a:off x="4041775" y="723900"/>
+            <a:ext cx="7626350" cy="5719763"/>
+          </a:xfrm>
+        </p:spPr>
+      </p:pic>
     </p:spTree>
     <p:extLst>
       <p:ext uri="{BB962C8B-B14F-4D97-AF65-F5344CB8AC3E}">
